--- a/Presentation.pptx
+++ b/Presentation.pptx
@@ -4,15 +4,20 @@
   <p:sldMasterIdLst>
     <p:sldMasterId id="2147483648" r:id="rId1"/>
   </p:sldMasterIdLst>
+  <p:notesMasterIdLst>
+    <p:notesMasterId r:id="rId12"/>
+  </p:notesMasterIdLst>
   <p:sldIdLst>
     <p:sldId id="256" r:id="rId2"/>
     <p:sldId id="258" r:id="rId3"/>
-    <p:sldId id="257" r:id="rId4"/>
-    <p:sldId id="259" r:id="rId5"/>
-    <p:sldId id="260" r:id="rId6"/>
-    <p:sldId id="262" r:id="rId7"/>
-    <p:sldId id="263" r:id="rId8"/>
-    <p:sldId id="261" r:id="rId9"/>
+    <p:sldId id="259" r:id="rId4"/>
+    <p:sldId id="257" r:id="rId5"/>
+    <p:sldId id="262" r:id="rId6"/>
+    <p:sldId id="260" r:id="rId7"/>
+    <p:sldId id="264" r:id="rId8"/>
+    <p:sldId id="265" r:id="rId9"/>
+    <p:sldId id="266" r:id="rId10"/>
+    <p:sldId id="263" r:id="rId11"/>
   </p:sldIdLst>
   <p:sldSz cx="12192000" cy="6858000"/>
   <p:notesSz cx="6858000" cy="9144000"/>
@@ -111,7 +116,1164 @@
       </a:defRPr>
     </a:lvl9pPr>
   </p:defaultTextStyle>
+  <p:extLst>
+    <p:ext uri="{EFAFB233-063F-42B5-8137-9DF3F51BA10A}">
+      <p15:sldGuideLst xmlns:p15="http://schemas.microsoft.com/office/powerpoint/2012/main"/>
+    </p:ext>
+  </p:extLst>
 </p:presentation>
+</file>
+
+<file path=ppt/notesMasters/notesMaster1.xml><?xml version="1.0" encoding="utf-8"?>
+<p:notesMaster xmlns:a="http://schemas.openxmlformats.org/drawingml/2006/main" xmlns:r="http://schemas.openxmlformats.org/officeDocument/2006/relationships" xmlns:p="http://schemas.openxmlformats.org/presentationml/2006/main">
+  <p:cSld>
+    <p:bg>
+      <p:bgRef idx="1001">
+        <a:schemeClr val="bg1"/>
+      </p:bgRef>
+    </p:bg>
+    <p:spTree>
+      <p:nvGrpSpPr>
+        <p:cNvPr id="1" name=""/>
+        <p:cNvGrpSpPr/>
+        <p:nvPr/>
+      </p:nvGrpSpPr>
+      <p:grpSpPr>
+        <a:xfrm>
+          <a:off x="0" y="0"/>
+          <a:ext cx="0" cy="0"/>
+          <a:chOff x="0" y="0"/>
+          <a:chExt cx="0" cy="0"/>
+        </a:xfrm>
+      </p:grpSpPr>
+      <p:sp>
+        <p:nvSpPr>
+          <p:cNvPr id="2" name="Header Placeholder 1"/>
+          <p:cNvSpPr>
+            <a:spLocks noGrp="1"/>
+          </p:cNvSpPr>
+          <p:nvPr>
+            <p:ph type="hdr" sz="quarter"/>
+          </p:nvPr>
+        </p:nvSpPr>
+        <p:spPr>
+          <a:xfrm>
+            <a:off x="0" y="0"/>
+            <a:ext cx="2971800" cy="458788"/>
+          </a:xfrm>
+          <a:prstGeom prst="rect">
+            <a:avLst/>
+          </a:prstGeom>
+        </p:spPr>
+        <p:txBody>
+          <a:bodyPr vert="horz" lIns="91440" tIns="45720" rIns="91440" bIns="45720" rtlCol="0"/>
+          <a:lstStyle>
+            <a:lvl1pPr algn="l">
+              <a:defRPr sz="1200"/>
+            </a:lvl1pPr>
+          </a:lstStyle>
+          <a:p>
+            <a:endParaRPr lang="en-US"/>
+          </a:p>
+        </p:txBody>
+      </p:sp>
+      <p:sp>
+        <p:nvSpPr>
+          <p:cNvPr id="3" name="Date Placeholder 2"/>
+          <p:cNvSpPr>
+            <a:spLocks noGrp="1"/>
+          </p:cNvSpPr>
+          <p:nvPr>
+            <p:ph type="dt" idx="1"/>
+          </p:nvPr>
+        </p:nvSpPr>
+        <p:spPr>
+          <a:xfrm>
+            <a:off x="3884613" y="0"/>
+            <a:ext cx="2971800" cy="458788"/>
+          </a:xfrm>
+          <a:prstGeom prst="rect">
+            <a:avLst/>
+          </a:prstGeom>
+        </p:spPr>
+        <p:txBody>
+          <a:bodyPr vert="horz" lIns="91440" tIns="45720" rIns="91440" bIns="45720" rtlCol="0"/>
+          <a:lstStyle>
+            <a:lvl1pPr algn="r">
+              <a:defRPr sz="1200"/>
+            </a:lvl1pPr>
+          </a:lstStyle>
+          <a:p>
+            <a:fld id="{1F08D81A-DF7A-4C4A-8856-64EA6CFB0870}" type="datetimeFigureOut">
+              <a:rPr lang="en-US" smtClean="0"/>
+              <a:t>5/9/18</a:t>
+            </a:fld>
+            <a:endParaRPr lang="en-US"/>
+          </a:p>
+        </p:txBody>
+      </p:sp>
+      <p:sp>
+        <p:nvSpPr>
+          <p:cNvPr id="4" name="Slide Image Placeholder 3"/>
+          <p:cNvSpPr>
+            <a:spLocks noGrp="1" noRot="1" noChangeAspect="1"/>
+          </p:cNvSpPr>
+          <p:nvPr>
+            <p:ph type="sldImg" idx="2"/>
+          </p:nvPr>
+        </p:nvSpPr>
+        <p:spPr>
+          <a:xfrm>
+            <a:off x="685800" y="1143000"/>
+            <a:ext cx="5486400" cy="3086100"/>
+          </a:xfrm>
+          <a:prstGeom prst="rect">
+            <a:avLst/>
+          </a:prstGeom>
+          <a:noFill/>
+          <a:ln w="12700">
+            <a:solidFill>
+              <a:prstClr val="black"/>
+            </a:solidFill>
+          </a:ln>
+        </p:spPr>
+        <p:txBody>
+          <a:bodyPr vert="horz" lIns="91440" tIns="45720" rIns="91440" bIns="45720" rtlCol="0" anchor="ctr"/>
+          <a:lstStyle/>
+          <a:p>
+            <a:endParaRPr lang="en-US"/>
+          </a:p>
+        </p:txBody>
+      </p:sp>
+      <p:sp>
+        <p:nvSpPr>
+          <p:cNvPr id="5" name="Notes Placeholder 4"/>
+          <p:cNvSpPr>
+            <a:spLocks noGrp="1"/>
+          </p:cNvSpPr>
+          <p:nvPr>
+            <p:ph type="body" sz="quarter" idx="3"/>
+          </p:nvPr>
+        </p:nvSpPr>
+        <p:spPr>
+          <a:xfrm>
+            <a:off x="685800" y="4400550"/>
+            <a:ext cx="5486400" cy="3600450"/>
+          </a:xfrm>
+          <a:prstGeom prst="rect">
+            <a:avLst/>
+          </a:prstGeom>
+        </p:spPr>
+        <p:txBody>
+          <a:bodyPr vert="horz" lIns="91440" tIns="45720" rIns="91440" bIns="45720" rtlCol="0"/>
+          <a:lstStyle/>
+          <a:p>
+            <a:pPr lvl="0"/>
+            <a:r>
+              <a:rPr lang="en-US" smtClean="0"/>
+              <a:t>Click to edit Master text styles</a:t>
+            </a:r>
+          </a:p>
+          <a:p>
+            <a:pPr lvl="1"/>
+            <a:r>
+              <a:rPr lang="en-US" smtClean="0"/>
+              <a:t>Second level</a:t>
+            </a:r>
+          </a:p>
+          <a:p>
+            <a:pPr lvl="2"/>
+            <a:r>
+              <a:rPr lang="en-US" smtClean="0"/>
+              <a:t>Third level</a:t>
+            </a:r>
+          </a:p>
+          <a:p>
+            <a:pPr lvl="3"/>
+            <a:r>
+              <a:rPr lang="en-US" smtClean="0"/>
+              <a:t>Fourth level</a:t>
+            </a:r>
+          </a:p>
+          <a:p>
+            <a:pPr lvl="4"/>
+            <a:r>
+              <a:rPr lang="en-US" smtClean="0"/>
+              <a:t>Fifth level</a:t>
+            </a:r>
+            <a:endParaRPr lang="en-US"/>
+          </a:p>
+        </p:txBody>
+      </p:sp>
+      <p:sp>
+        <p:nvSpPr>
+          <p:cNvPr id="6" name="Footer Placeholder 5"/>
+          <p:cNvSpPr>
+            <a:spLocks noGrp="1"/>
+          </p:cNvSpPr>
+          <p:nvPr>
+            <p:ph type="ftr" sz="quarter" idx="4"/>
+          </p:nvPr>
+        </p:nvSpPr>
+        <p:spPr>
+          <a:xfrm>
+            <a:off x="0" y="8685213"/>
+            <a:ext cx="2971800" cy="458787"/>
+          </a:xfrm>
+          <a:prstGeom prst="rect">
+            <a:avLst/>
+          </a:prstGeom>
+        </p:spPr>
+        <p:txBody>
+          <a:bodyPr vert="horz" lIns="91440" tIns="45720" rIns="91440" bIns="45720" rtlCol="0" anchor="b"/>
+          <a:lstStyle>
+            <a:lvl1pPr algn="l">
+              <a:defRPr sz="1200"/>
+            </a:lvl1pPr>
+          </a:lstStyle>
+          <a:p>
+            <a:endParaRPr lang="en-US"/>
+          </a:p>
+        </p:txBody>
+      </p:sp>
+      <p:sp>
+        <p:nvSpPr>
+          <p:cNvPr id="7" name="Slide Number Placeholder 6"/>
+          <p:cNvSpPr>
+            <a:spLocks noGrp="1"/>
+          </p:cNvSpPr>
+          <p:nvPr>
+            <p:ph type="sldNum" sz="quarter" idx="5"/>
+          </p:nvPr>
+        </p:nvSpPr>
+        <p:spPr>
+          <a:xfrm>
+            <a:off x="3884613" y="8685213"/>
+            <a:ext cx="2971800" cy="458787"/>
+          </a:xfrm>
+          <a:prstGeom prst="rect">
+            <a:avLst/>
+          </a:prstGeom>
+        </p:spPr>
+        <p:txBody>
+          <a:bodyPr vert="horz" lIns="91440" tIns="45720" rIns="91440" bIns="45720" rtlCol="0" anchor="b"/>
+          <a:lstStyle>
+            <a:lvl1pPr algn="r">
+              <a:defRPr sz="1200"/>
+            </a:lvl1pPr>
+          </a:lstStyle>
+          <a:p>
+            <a:fld id="{55625B54-2E7D-A44F-80BA-D276EFA0DB8E}" type="slidenum">
+              <a:rPr lang="en-US" smtClean="0"/>
+              <a:t>‹#›</a:t>
+            </a:fld>
+            <a:endParaRPr lang="en-US"/>
+          </a:p>
+        </p:txBody>
+      </p:sp>
+    </p:spTree>
+    <p:extLst>
+      <p:ext uri="{BB962C8B-B14F-4D97-AF65-F5344CB8AC3E}">
+        <p14:creationId xmlns:p14="http://schemas.microsoft.com/office/powerpoint/2010/main" val="237981642"/>
+      </p:ext>
+    </p:extLst>
+  </p:cSld>
+  <p:clrMap bg1="lt1" tx1="dk1" bg2="lt2" tx2="dk2" accent1="accent1" accent2="accent2" accent3="accent3" accent4="accent4" accent5="accent5" accent6="accent6" hlink="hlink" folHlink="folHlink"/>
+  <p:notesStyle>
+    <a:lvl1pPr marL="0" algn="l" defTabSz="914400" rtl="0" eaLnBrk="1" latinLnBrk="0" hangingPunct="1">
+      <a:defRPr sz="1200" kern="1200">
+        <a:solidFill>
+          <a:schemeClr val="tx1"/>
+        </a:solidFill>
+        <a:latin typeface="+mn-lt"/>
+        <a:ea typeface="+mn-ea"/>
+        <a:cs typeface="+mn-cs"/>
+      </a:defRPr>
+    </a:lvl1pPr>
+    <a:lvl2pPr marL="457200" algn="l" defTabSz="914400" rtl="0" eaLnBrk="1" latinLnBrk="0" hangingPunct="1">
+      <a:defRPr sz="1200" kern="1200">
+        <a:solidFill>
+          <a:schemeClr val="tx1"/>
+        </a:solidFill>
+        <a:latin typeface="+mn-lt"/>
+        <a:ea typeface="+mn-ea"/>
+        <a:cs typeface="+mn-cs"/>
+      </a:defRPr>
+    </a:lvl2pPr>
+    <a:lvl3pPr marL="914400" algn="l" defTabSz="914400" rtl="0" eaLnBrk="1" latinLnBrk="0" hangingPunct="1">
+      <a:defRPr sz="1200" kern="1200">
+        <a:solidFill>
+          <a:schemeClr val="tx1"/>
+        </a:solidFill>
+        <a:latin typeface="+mn-lt"/>
+        <a:ea typeface="+mn-ea"/>
+        <a:cs typeface="+mn-cs"/>
+      </a:defRPr>
+    </a:lvl3pPr>
+    <a:lvl4pPr marL="1371600" algn="l" defTabSz="914400" rtl="0" eaLnBrk="1" latinLnBrk="0" hangingPunct="1">
+      <a:defRPr sz="1200" kern="1200">
+        <a:solidFill>
+          <a:schemeClr val="tx1"/>
+        </a:solidFill>
+        <a:latin typeface="+mn-lt"/>
+        <a:ea typeface="+mn-ea"/>
+        <a:cs typeface="+mn-cs"/>
+      </a:defRPr>
+    </a:lvl4pPr>
+    <a:lvl5pPr marL="1828800" algn="l" defTabSz="914400" rtl="0" eaLnBrk="1" latinLnBrk="0" hangingPunct="1">
+      <a:defRPr sz="1200" kern="1200">
+        <a:solidFill>
+          <a:schemeClr val="tx1"/>
+        </a:solidFill>
+        <a:latin typeface="+mn-lt"/>
+        <a:ea typeface="+mn-ea"/>
+        <a:cs typeface="+mn-cs"/>
+      </a:defRPr>
+    </a:lvl5pPr>
+    <a:lvl6pPr marL="2286000" algn="l" defTabSz="914400" rtl="0" eaLnBrk="1" latinLnBrk="0" hangingPunct="1">
+      <a:defRPr sz="1200" kern="1200">
+        <a:solidFill>
+          <a:schemeClr val="tx1"/>
+        </a:solidFill>
+        <a:latin typeface="+mn-lt"/>
+        <a:ea typeface="+mn-ea"/>
+        <a:cs typeface="+mn-cs"/>
+      </a:defRPr>
+    </a:lvl6pPr>
+    <a:lvl7pPr marL="2743200" algn="l" defTabSz="914400" rtl="0" eaLnBrk="1" latinLnBrk="0" hangingPunct="1">
+      <a:defRPr sz="1200" kern="1200">
+        <a:solidFill>
+          <a:schemeClr val="tx1"/>
+        </a:solidFill>
+        <a:latin typeface="+mn-lt"/>
+        <a:ea typeface="+mn-ea"/>
+        <a:cs typeface="+mn-cs"/>
+      </a:defRPr>
+    </a:lvl7pPr>
+    <a:lvl8pPr marL="3200400" algn="l" defTabSz="914400" rtl="0" eaLnBrk="1" latinLnBrk="0" hangingPunct="1">
+      <a:defRPr sz="1200" kern="1200">
+        <a:solidFill>
+          <a:schemeClr val="tx1"/>
+        </a:solidFill>
+        <a:latin typeface="+mn-lt"/>
+        <a:ea typeface="+mn-ea"/>
+        <a:cs typeface="+mn-cs"/>
+      </a:defRPr>
+    </a:lvl8pPr>
+    <a:lvl9pPr marL="3657600" algn="l" defTabSz="914400" rtl="0" eaLnBrk="1" latinLnBrk="0" hangingPunct="1">
+      <a:defRPr sz="1200" kern="1200">
+        <a:solidFill>
+          <a:schemeClr val="tx1"/>
+        </a:solidFill>
+        <a:latin typeface="+mn-lt"/>
+        <a:ea typeface="+mn-ea"/>
+        <a:cs typeface="+mn-cs"/>
+      </a:defRPr>
+    </a:lvl9pPr>
+  </p:notesStyle>
+</p:notesMaster>
+</file>
+
+<file path=ppt/notesSlides/notesSlide1.xml><?xml version="1.0" encoding="utf-8"?>
+<p:notes xmlns:a="http://schemas.openxmlformats.org/drawingml/2006/main" xmlns:r="http://schemas.openxmlformats.org/officeDocument/2006/relationships" xmlns:p="http://schemas.openxmlformats.org/presentationml/2006/main">
+  <p:cSld>
+    <p:spTree>
+      <p:nvGrpSpPr>
+        <p:cNvPr id="1" name=""/>
+        <p:cNvGrpSpPr/>
+        <p:nvPr/>
+      </p:nvGrpSpPr>
+      <p:grpSpPr>
+        <a:xfrm>
+          <a:off x="0" y="0"/>
+          <a:ext cx="0" cy="0"/>
+          <a:chOff x="0" y="0"/>
+          <a:chExt cx="0" cy="0"/>
+        </a:xfrm>
+      </p:grpSpPr>
+      <p:sp>
+        <p:nvSpPr>
+          <p:cNvPr id="2" name="Slide Image Placeholder 1"/>
+          <p:cNvSpPr>
+            <a:spLocks noGrp="1" noRot="1" noChangeAspect="1"/>
+          </p:cNvSpPr>
+          <p:nvPr>
+            <p:ph type="sldImg"/>
+          </p:nvPr>
+        </p:nvSpPr>
+        <p:spPr/>
+      </p:sp>
+      <p:sp>
+        <p:nvSpPr>
+          <p:cNvPr id="3" name="Notes Placeholder 2"/>
+          <p:cNvSpPr>
+            <a:spLocks noGrp="1"/>
+          </p:cNvSpPr>
+          <p:nvPr>
+            <p:ph type="body" idx="1"/>
+          </p:nvPr>
+        </p:nvSpPr>
+        <p:spPr/>
+        <p:txBody>
+          <a:bodyPr/>
+          <a:lstStyle/>
+          <a:p>
+            <a:r>
+              <a:rPr lang="en-US" dirty="0" smtClean="0"/>
+              <a:t>150,000 answers</a:t>
+            </a:r>
+          </a:p>
+          <a:p>
+            <a:r>
+              <a:rPr lang="en-US" dirty="0" smtClean="0"/>
+              <a:t>Break</a:t>
+            </a:r>
+            <a:r>
+              <a:rPr lang="en-US" baseline="0" dirty="0" smtClean="0"/>
+              <a:t> out users based on questions that separate them the most</a:t>
+            </a:r>
+          </a:p>
+          <a:p>
+            <a:r>
+              <a:rPr lang="en-US" baseline="0" dirty="0" err="1" smtClean="0"/>
+              <a:t>Pca</a:t>
+            </a:r>
+            <a:r>
+              <a:rPr lang="en-US" baseline="0" dirty="0" smtClean="0"/>
+              <a:t> = EDA</a:t>
+            </a:r>
+            <a:endParaRPr lang="en-US" dirty="0"/>
+          </a:p>
+        </p:txBody>
+      </p:sp>
+      <p:sp>
+        <p:nvSpPr>
+          <p:cNvPr id="4" name="Slide Number Placeholder 3"/>
+          <p:cNvSpPr>
+            <a:spLocks noGrp="1"/>
+          </p:cNvSpPr>
+          <p:nvPr>
+            <p:ph type="sldNum" sz="quarter" idx="10"/>
+          </p:nvPr>
+        </p:nvSpPr>
+        <p:spPr/>
+        <p:txBody>
+          <a:bodyPr/>
+          <a:lstStyle/>
+          <a:p>
+            <a:fld id="{55625B54-2E7D-A44F-80BA-D276EFA0DB8E}" type="slidenum">
+              <a:rPr lang="en-US" smtClean="0"/>
+              <a:t>2</a:t>
+            </a:fld>
+            <a:endParaRPr lang="en-US"/>
+          </a:p>
+        </p:txBody>
+      </p:sp>
+    </p:spTree>
+    <p:extLst>
+      <p:ext uri="{BB962C8B-B14F-4D97-AF65-F5344CB8AC3E}">
+        <p14:creationId xmlns:p14="http://schemas.microsoft.com/office/powerpoint/2010/main" val="1733789892"/>
+      </p:ext>
+    </p:extLst>
+  </p:cSld>
+  <p:clrMapOvr>
+    <a:masterClrMapping/>
+  </p:clrMapOvr>
+</p:notes>
+</file>
+
+<file path=ppt/notesSlides/notesSlide2.xml><?xml version="1.0" encoding="utf-8"?>
+<p:notes xmlns:a="http://schemas.openxmlformats.org/drawingml/2006/main" xmlns:r="http://schemas.openxmlformats.org/officeDocument/2006/relationships" xmlns:p="http://schemas.openxmlformats.org/presentationml/2006/main">
+  <p:cSld>
+    <p:spTree>
+      <p:nvGrpSpPr>
+        <p:cNvPr id="1" name=""/>
+        <p:cNvGrpSpPr/>
+        <p:nvPr/>
+      </p:nvGrpSpPr>
+      <p:grpSpPr>
+        <a:xfrm>
+          <a:off x="0" y="0"/>
+          <a:ext cx="0" cy="0"/>
+          <a:chOff x="0" y="0"/>
+          <a:chExt cx="0" cy="0"/>
+        </a:xfrm>
+      </p:grpSpPr>
+      <p:sp>
+        <p:nvSpPr>
+          <p:cNvPr id="2" name="Slide Image Placeholder 1"/>
+          <p:cNvSpPr>
+            <a:spLocks noGrp="1" noRot="1" noChangeAspect="1"/>
+          </p:cNvSpPr>
+          <p:nvPr>
+            <p:ph type="sldImg"/>
+          </p:nvPr>
+        </p:nvSpPr>
+        <p:spPr/>
+      </p:sp>
+      <p:sp>
+        <p:nvSpPr>
+          <p:cNvPr id="3" name="Notes Placeholder 2"/>
+          <p:cNvSpPr>
+            <a:spLocks noGrp="1"/>
+          </p:cNvSpPr>
+          <p:nvPr>
+            <p:ph type="body" idx="1"/>
+          </p:nvPr>
+        </p:nvSpPr>
+        <p:spPr/>
+        <p:txBody>
+          <a:bodyPr/>
+          <a:lstStyle/>
+          <a:p>
+            <a:r>
+              <a:rPr lang="en-US" dirty="0" smtClean="0"/>
+              <a:t>5 traits</a:t>
+            </a:r>
+          </a:p>
+          <a:p>
+            <a:r>
+              <a:rPr lang="en-US" dirty="0" smtClean="0"/>
+              <a:t>5 facets per trait</a:t>
+            </a:r>
+          </a:p>
+          <a:p>
+            <a:r>
+              <a:rPr lang="en-US" dirty="0" smtClean="0"/>
+              <a:t>6 questions per facet</a:t>
+            </a:r>
+            <a:endParaRPr lang="en-US" dirty="0"/>
+          </a:p>
+        </p:txBody>
+      </p:sp>
+      <p:sp>
+        <p:nvSpPr>
+          <p:cNvPr id="4" name="Slide Number Placeholder 3"/>
+          <p:cNvSpPr>
+            <a:spLocks noGrp="1"/>
+          </p:cNvSpPr>
+          <p:nvPr>
+            <p:ph type="sldNum" sz="quarter" idx="10"/>
+          </p:nvPr>
+        </p:nvSpPr>
+        <p:spPr/>
+        <p:txBody>
+          <a:bodyPr/>
+          <a:lstStyle/>
+          <a:p>
+            <a:fld id="{55625B54-2E7D-A44F-80BA-D276EFA0DB8E}" type="slidenum">
+              <a:rPr lang="en-US" smtClean="0"/>
+              <a:t>3</a:t>
+            </a:fld>
+            <a:endParaRPr lang="en-US"/>
+          </a:p>
+        </p:txBody>
+      </p:sp>
+    </p:spTree>
+    <p:extLst>
+      <p:ext uri="{BB962C8B-B14F-4D97-AF65-F5344CB8AC3E}">
+        <p14:creationId xmlns:p14="http://schemas.microsoft.com/office/powerpoint/2010/main" val="1583322653"/>
+      </p:ext>
+    </p:extLst>
+  </p:cSld>
+  <p:clrMapOvr>
+    <a:masterClrMapping/>
+  </p:clrMapOvr>
+</p:notes>
+</file>
+
+<file path=ppt/notesSlides/notesSlide3.xml><?xml version="1.0" encoding="utf-8"?>
+<p:notes xmlns:a="http://schemas.openxmlformats.org/drawingml/2006/main" xmlns:r="http://schemas.openxmlformats.org/officeDocument/2006/relationships" xmlns:p="http://schemas.openxmlformats.org/presentationml/2006/main">
+  <p:cSld>
+    <p:spTree>
+      <p:nvGrpSpPr>
+        <p:cNvPr id="1" name=""/>
+        <p:cNvGrpSpPr/>
+        <p:nvPr/>
+      </p:nvGrpSpPr>
+      <p:grpSpPr>
+        <a:xfrm>
+          <a:off x="0" y="0"/>
+          <a:ext cx="0" cy="0"/>
+          <a:chOff x="0" y="0"/>
+          <a:chExt cx="0" cy="0"/>
+        </a:xfrm>
+      </p:grpSpPr>
+      <p:sp>
+        <p:nvSpPr>
+          <p:cNvPr id="2" name="Slide Image Placeholder 1"/>
+          <p:cNvSpPr>
+            <a:spLocks noGrp="1" noRot="1" noChangeAspect="1"/>
+          </p:cNvSpPr>
+          <p:nvPr>
+            <p:ph type="sldImg"/>
+          </p:nvPr>
+        </p:nvSpPr>
+        <p:spPr/>
+      </p:sp>
+      <p:sp>
+        <p:nvSpPr>
+          <p:cNvPr id="3" name="Notes Placeholder 2"/>
+          <p:cNvSpPr>
+            <a:spLocks noGrp="1"/>
+          </p:cNvSpPr>
+          <p:nvPr>
+            <p:ph type="body" idx="1"/>
+          </p:nvPr>
+        </p:nvSpPr>
+        <p:spPr/>
+        <p:txBody>
+          <a:bodyPr/>
+          <a:lstStyle/>
+          <a:p>
+            <a:r>
+              <a:rPr lang="en-US" dirty="0" smtClean="0"/>
+              <a:t>What percentile</a:t>
+            </a:r>
+            <a:r>
+              <a:rPr lang="en-US" baseline="0" dirty="0" smtClean="0"/>
+              <a:t> do users fall on </a:t>
+            </a:r>
+          </a:p>
+          <a:p>
+            <a:r>
+              <a:rPr lang="en-US" baseline="0" dirty="0" smtClean="0"/>
+              <a:t>Output results in traits</a:t>
+            </a:r>
+          </a:p>
+          <a:p>
+            <a:r>
+              <a:rPr lang="en-US" baseline="0" dirty="0" smtClean="0"/>
+              <a:t>Percentile is nonlinear transformation</a:t>
+            </a:r>
+          </a:p>
+          <a:p>
+            <a:endParaRPr lang="en-US" dirty="0"/>
+          </a:p>
+        </p:txBody>
+      </p:sp>
+      <p:sp>
+        <p:nvSpPr>
+          <p:cNvPr id="4" name="Slide Number Placeholder 3"/>
+          <p:cNvSpPr>
+            <a:spLocks noGrp="1"/>
+          </p:cNvSpPr>
+          <p:nvPr>
+            <p:ph type="sldNum" sz="quarter" idx="10"/>
+          </p:nvPr>
+        </p:nvSpPr>
+        <p:spPr/>
+        <p:txBody>
+          <a:bodyPr/>
+          <a:lstStyle/>
+          <a:p>
+            <a:fld id="{55625B54-2E7D-A44F-80BA-D276EFA0DB8E}" type="slidenum">
+              <a:rPr lang="en-US" smtClean="0"/>
+              <a:t>4</a:t>
+            </a:fld>
+            <a:endParaRPr lang="en-US"/>
+          </a:p>
+        </p:txBody>
+      </p:sp>
+    </p:spTree>
+    <p:extLst>
+      <p:ext uri="{BB962C8B-B14F-4D97-AF65-F5344CB8AC3E}">
+        <p14:creationId xmlns:p14="http://schemas.microsoft.com/office/powerpoint/2010/main" val="1266123234"/>
+      </p:ext>
+    </p:extLst>
+  </p:cSld>
+  <p:clrMapOvr>
+    <a:masterClrMapping/>
+  </p:clrMapOvr>
+</p:notes>
+</file>
+
+<file path=ppt/notesSlides/notesSlide4.xml><?xml version="1.0" encoding="utf-8"?>
+<p:notes xmlns:a="http://schemas.openxmlformats.org/drawingml/2006/main" xmlns:r="http://schemas.openxmlformats.org/officeDocument/2006/relationships" xmlns:p="http://schemas.openxmlformats.org/presentationml/2006/main">
+  <p:cSld>
+    <p:spTree>
+      <p:nvGrpSpPr>
+        <p:cNvPr id="1" name=""/>
+        <p:cNvGrpSpPr/>
+        <p:nvPr/>
+      </p:nvGrpSpPr>
+      <p:grpSpPr>
+        <a:xfrm>
+          <a:off x="0" y="0"/>
+          <a:ext cx="0" cy="0"/>
+          <a:chOff x="0" y="0"/>
+          <a:chExt cx="0" cy="0"/>
+        </a:xfrm>
+      </p:grpSpPr>
+      <p:sp>
+        <p:nvSpPr>
+          <p:cNvPr id="2" name="Slide Image Placeholder 1"/>
+          <p:cNvSpPr>
+            <a:spLocks noGrp="1" noRot="1" noChangeAspect="1"/>
+          </p:cNvSpPr>
+          <p:nvPr>
+            <p:ph type="sldImg"/>
+          </p:nvPr>
+        </p:nvSpPr>
+        <p:spPr/>
+      </p:sp>
+      <p:sp>
+        <p:nvSpPr>
+          <p:cNvPr id="3" name="Notes Placeholder 2"/>
+          <p:cNvSpPr>
+            <a:spLocks noGrp="1"/>
+          </p:cNvSpPr>
+          <p:nvPr>
+            <p:ph type="body" idx="1"/>
+          </p:nvPr>
+        </p:nvSpPr>
+        <p:spPr/>
+        <p:txBody>
+          <a:bodyPr/>
+          <a:lstStyle/>
+          <a:p>
+            <a:r>
+              <a:rPr lang="en-US" dirty="0" smtClean="0"/>
+              <a:t>Users traverse decision tree to predict</a:t>
+            </a:r>
+            <a:r>
+              <a:rPr lang="en-US" baseline="0" dirty="0" smtClean="0"/>
+              <a:t> percentile</a:t>
+            </a:r>
+          </a:p>
+          <a:p>
+            <a:r>
+              <a:rPr lang="en-US" baseline="0" dirty="0" smtClean="0"/>
+              <a:t>**Error</a:t>
+            </a:r>
+            <a:endParaRPr lang="en-US" dirty="0"/>
+          </a:p>
+        </p:txBody>
+      </p:sp>
+      <p:sp>
+        <p:nvSpPr>
+          <p:cNvPr id="4" name="Slide Number Placeholder 3"/>
+          <p:cNvSpPr>
+            <a:spLocks noGrp="1"/>
+          </p:cNvSpPr>
+          <p:nvPr>
+            <p:ph type="sldNum" sz="quarter" idx="10"/>
+          </p:nvPr>
+        </p:nvSpPr>
+        <p:spPr/>
+        <p:txBody>
+          <a:bodyPr/>
+          <a:lstStyle/>
+          <a:p>
+            <a:fld id="{55625B54-2E7D-A44F-80BA-D276EFA0DB8E}" type="slidenum">
+              <a:rPr lang="en-US" smtClean="0"/>
+              <a:t>5</a:t>
+            </a:fld>
+            <a:endParaRPr lang="en-US"/>
+          </a:p>
+        </p:txBody>
+      </p:sp>
+    </p:spTree>
+    <p:extLst>
+      <p:ext uri="{BB962C8B-B14F-4D97-AF65-F5344CB8AC3E}">
+        <p14:creationId xmlns:p14="http://schemas.microsoft.com/office/powerpoint/2010/main" val="1241490009"/>
+      </p:ext>
+    </p:extLst>
+  </p:cSld>
+  <p:clrMapOvr>
+    <a:masterClrMapping/>
+  </p:clrMapOvr>
+</p:notes>
+</file>
+
+<file path=ppt/notesSlides/notesSlide5.xml><?xml version="1.0" encoding="utf-8"?>
+<p:notes xmlns:a="http://schemas.openxmlformats.org/drawingml/2006/main" xmlns:r="http://schemas.openxmlformats.org/officeDocument/2006/relationships" xmlns:p="http://schemas.openxmlformats.org/presentationml/2006/main">
+  <p:cSld>
+    <p:spTree>
+      <p:nvGrpSpPr>
+        <p:cNvPr id="1" name=""/>
+        <p:cNvGrpSpPr/>
+        <p:nvPr/>
+      </p:nvGrpSpPr>
+      <p:grpSpPr>
+        <a:xfrm>
+          <a:off x="0" y="0"/>
+          <a:ext cx="0" cy="0"/>
+          <a:chOff x="0" y="0"/>
+          <a:chExt cx="0" cy="0"/>
+        </a:xfrm>
+      </p:grpSpPr>
+      <p:sp>
+        <p:nvSpPr>
+          <p:cNvPr id="2" name="Slide Image Placeholder 1"/>
+          <p:cNvSpPr>
+            <a:spLocks noGrp="1" noRot="1" noChangeAspect="1"/>
+          </p:cNvSpPr>
+          <p:nvPr>
+            <p:ph type="sldImg"/>
+          </p:nvPr>
+        </p:nvSpPr>
+        <p:spPr/>
+      </p:sp>
+      <p:sp>
+        <p:nvSpPr>
+          <p:cNvPr id="3" name="Notes Placeholder 2"/>
+          <p:cNvSpPr>
+            <a:spLocks noGrp="1"/>
+          </p:cNvSpPr>
+          <p:nvPr>
+            <p:ph type="body" idx="1"/>
+          </p:nvPr>
+        </p:nvSpPr>
+        <p:spPr/>
+        <p:txBody>
+          <a:bodyPr/>
+          <a:lstStyle/>
+          <a:p>
+            <a:r>
+              <a:rPr lang="en-US" dirty="0" smtClean="0"/>
+              <a:t>Recommend to identify the facets</a:t>
+            </a:r>
+          </a:p>
+          <a:p>
+            <a:r>
+              <a:rPr lang="en-US" dirty="0" smtClean="0"/>
+              <a:t>Closest</a:t>
+            </a:r>
+            <a:r>
+              <a:rPr lang="en-US" baseline="0" dirty="0" smtClean="0"/>
+              <a:t> users</a:t>
+            </a:r>
+          </a:p>
+          <a:p>
+            <a:r>
+              <a:rPr lang="en-US" baseline="0" dirty="0" smtClean="0"/>
+              <a:t>error</a:t>
+            </a:r>
+            <a:endParaRPr lang="en-US" dirty="0"/>
+          </a:p>
+        </p:txBody>
+      </p:sp>
+      <p:sp>
+        <p:nvSpPr>
+          <p:cNvPr id="4" name="Slide Number Placeholder 3"/>
+          <p:cNvSpPr>
+            <a:spLocks noGrp="1"/>
+          </p:cNvSpPr>
+          <p:nvPr>
+            <p:ph type="sldNum" sz="quarter" idx="10"/>
+          </p:nvPr>
+        </p:nvSpPr>
+        <p:spPr/>
+        <p:txBody>
+          <a:bodyPr/>
+          <a:lstStyle/>
+          <a:p>
+            <a:fld id="{55625B54-2E7D-A44F-80BA-D276EFA0DB8E}" type="slidenum">
+              <a:rPr lang="en-US" smtClean="0"/>
+              <a:t>6</a:t>
+            </a:fld>
+            <a:endParaRPr lang="en-US"/>
+          </a:p>
+        </p:txBody>
+      </p:sp>
+    </p:spTree>
+    <p:extLst>
+      <p:ext uri="{BB962C8B-B14F-4D97-AF65-F5344CB8AC3E}">
+        <p14:creationId xmlns:p14="http://schemas.microsoft.com/office/powerpoint/2010/main" val="166008231"/>
+      </p:ext>
+    </p:extLst>
+  </p:cSld>
+  <p:clrMapOvr>
+    <a:masterClrMapping/>
+  </p:clrMapOvr>
+</p:notes>
+</file>
+
+<file path=ppt/notesSlides/notesSlide6.xml><?xml version="1.0" encoding="utf-8"?>
+<p:notes xmlns:a="http://schemas.openxmlformats.org/drawingml/2006/main" xmlns:r="http://schemas.openxmlformats.org/officeDocument/2006/relationships" xmlns:p="http://schemas.openxmlformats.org/presentationml/2006/main">
+  <p:cSld>
+    <p:spTree>
+      <p:nvGrpSpPr>
+        <p:cNvPr id="1" name=""/>
+        <p:cNvGrpSpPr/>
+        <p:nvPr/>
+      </p:nvGrpSpPr>
+      <p:grpSpPr>
+        <a:xfrm>
+          <a:off x="0" y="0"/>
+          <a:ext cx="0" cy="0"/>
+          <a:chOff x="0" y="0"/>
+          <a:chExt cx="0" cy="0"/>
+        </a:xfrm>
+      </p:grpSpPr>
+      <p:sp>
+        <p:nvSpPr>
+          <p:cNvPr id="2" name="Slide Image Placeholder 1"/>
+          <p:cNvSpPr>
+            <a:spLocks noGrp="1" noRot="1" noChangeAspect="1"/>
+          </p:cNvSpPr>
+          <p:nvPr>
+            <p:ph type="sldImg"/>
+          </p:nvPr>
+        </p:nvSpPr>
+        <p:spPr/>
+      </p:sp>
+      <p:sp>
+        <p:nvSpPr>
+          <p:cNvPr id="3" name="Notes Placeholder 2"/>
+          <p:cNvSpPr>
+            <a:spLocks noGrp="1"/>
+          </p:cNvSpPr>
+          <p:nvPr>
+            <p:ph type="body" idx="1"/>
+          </p:nvPr>
+        </p:nvSpPr>
+        <p:spPr/>
+        <p:txBody>
+          <a:bodyPr/>
+          <a:lstStyle/>
+          <a:p>
+            <a:r>
+              <a:rPr lang="en-US" dirty="0" smtClean="0"/>
+              <a:t>How traversing the tree</a:t>
+            </a:r>
+            <a:r>
+              <a:rPr lang="en-US" baseline="0" dirty="0" smtClean="0"/>
+              <a:t> works backend</a:t>
+            </a:r>
+          </a:p>
+          <a:p>
+            <a:endParaRPr lang="en-US" dirty="0"/>
+          </a:p>
+        </p:txBody>
+      </p:sp>
+      <p:sp>
+        <p:nvSpPr>
+          <p:cNvPr id="4" name="Slide Number Placeholder 3"/>
+          <p:cNvSpPr>
+            <a:spLocks noGrp="1"/>
+          </p:cNvSpPr>
+          <p:nvPr>
+            <p:ph type="sldNum" sz="quarter" idx="10"/>
+          </p:nvPr>
+        </p:nvSpPr>
+        <p:spPr/>
+        <p:txBody>
+          <a:bodyPr/>
+          <a:lstStyle/>
+          <a:p>
+            <a:fld id="{55625B54-2E7D-A44F-80BA-D276EFA0DB8E}" type="slidenum">
+              <a:rPr lang="en-US" smtClean="0"/>
+              <a:t>7</a:t>
+            </a:fld>
+            <a:endParaRPr lang="en-US"/>
+          </a:p>
+        </p:txBody>
+      </p:sp>
+    </p:spTree>
+    <p:extLst>
+      <p:ext uri="{BB962C8B-B14F-4D97-AF65-F5344CB8AC3E}">
+        <p14:creationId xmlns:p14="http://schemas.microsoft.com/office/powerpoint/2010/main" val="379558472"/>
+      </p:ext>
+    </p:extLst>
+  </p:cSld>
+  <p:clrMapOvr>
+    <a:masterClrMapping/>
+  </p:clrMapOvr>
+</p:notes>
+</file>
+
+<file path=ppt/notesSlides/notesSlide7.xml><?xml version="1.0" encoding="utf-8"?>
+<p:notes xmlns:a="http://schemas.openxmlformats.org/drawingml/2006/main" xmlns:r="http://schemas.openxmlformats.org/officeDocument/2006/relationships" xmlns:p="http://schemas.openxmlformats.org/presentationml/2006/main">
+  <p:cSld>
+    <p:spTree>
+      <p:nvGrpSpPr>
+        <p:cNvPr id="1" name=""/>
+        <p:cNvGrpSpPr/>
+        <p:nvPr/>
+      </p:nvGrpSpPr>
+      <p:grpSpPr>
+        <a:xfrm>
+          <a:off x="0" y="0"/>
+          <a:ext cx="0" cy="0"/>
+          <a:chOff x="0" y="0"/>
+          <a:chExt cx="0" cy="0"/>
+        </a:xfrm>
+      </p:grpSpPr>
+      <p:sp>
+        <p:nvSpPr>
+          <p:cNvPr id="2" name="Slide Image Placeholder 1"/>
+          <p:cNvSpPr>
+            <a:spLocks noGrp="1" noRot="1" noChangeAspect="1"/>
+          </p:cNvSpPr>
+          <p:nvPr>
+            <p:ph type="sldImg"/>
+          </p:nvPr>
+        </p:nvSpPr>
+        <p:spPr/>
+      </p:sp>
+      <p:sp>
+        <p:nvSpPr>
+          <p:cNvPr id="3" name="Notes Placeholder 2"/>
+          <p:cNvSpPr>
+            <a:spLocks noGrp="1"/>
+          </p:cNvSpPr>
+          <p:nvPr>
+            <p:ph type="body" idx="1"/>
+          </p:nvPr>
+        </p:nvSpPr>
+        <p:spPr/>
+        <p:txBody>
+          <a:bodyPr/>
+          <a:lstStyle/>
+          <a:p>
+            <a:r>
+              <a:rPr lang="en-US" dirty="0" smtClean="0"/>
+              <a:t>How all the pages are hooked together</a:t>
+            </a:r>
+          </a:p>
+          <a:p>
+            <a:r>
+              <a:rPr lang="en-US" dirty="0" err="1" smtClean="0"/>
+              <a:t>Async</a:t>
+            </a:r>
+            <a:endParaRPr lang="en-US" dirty="0" smtClean="0"/>
+          </a:p>
+          <a:p>
+            <a:r>
+              <a:rPr lang="en-US" dirty="0" err="1" smtClean="0"/>
+              <a:t>Jquery</a:t>
+            </a:r>
+            <a:endParaRPr lang="en-US" dirty="0" smtClean="0"/>
+          </a:p>
+          <a:p>
+            <a:endParaRPr lang="en-US" dirty="0"/>
+          </a:p>
+        </p:txBody>
+      </p:sp>
+      <p:sp>
+        <p:nvSpPr>
+          <p:cNvPr id="4" name="Slide Number Placeholder 3"/>
+          <p:cNvSpPr>
+            <a:spLocks noGrp="1"/>
+          </p:cNvSpPr>
+          <p:nvPr>
+            <p:ph type="sldNum" sz="quarter" idx="10"/>
+          </p:nvPr>
+        </p:nvSpPr>
+        <p:spPr/>
+        <p:txBody>
+          <a:bodyPr/>
+          <a:lstStyle/>
+          <a:p>
+            <a:fld id="{55625B54-2E7D-A44F-80BA-D276EFA0DB8E}" type="slidenum">
+              <a:rPr lang="en-US" smtClean="0"/>
+              <a:t>8</a:t>
+            </a:fld>
+            <a:endParaRPr lang="en-US"/>
+          </a:p>
+        </p:txBody>
+      </p:sp>
+    </p:spTree>
+    <p:extLst>
+      <p:ext uri="{BB962C8B-B14F-4D97-AF65-F5344CB8AC3E}">
+        <p14:creationId xmlns:p14="http://schemas.microsoft.com/office/powerpoint/2010/main" val="1058082050"/>
+      </p:ext>
+    </p:extLst>
+  </p:cSld>
+  <p:clrMapOvr>
+    <a:masterClrMapping/>
+  </p:clrMapOvr>
+</p:notes>
+</file>
+
+<file path=ppt/notesSlides/notesSlide8.xml><?xml version="1.0" encoding="utf-8"?>
+<p:notes xmlns:a="http://schemas.openxmlformats.org/drawingml/2006/main" xmlns:r="http://schemas.openxmlformats.org/officeDocument/2006/relationships" xmlns:p="http://schemas.openxmlformats.org/presentationml/2006/main">
+  <p:cSld>
+    <p:spTree>
+      <p:nvGrpSpPr>
+        <p:cNvPr id="1" name=""/>
+        <p:cNvGrpSpPr/>
+        <p:nvPr/>
+      </p:nvGrpSpPr>
+      <p:grpSpPr>
+        <a:xfrm>
+          <a:off x="0" y="0"/>
+          <a:ext cx="0" cy="0"/>
+          <a:chOff x="0" y="0"/>
+          <a:chExt cx="0" cy="0"/>
+        </a:xfrm>
+      </p:grpSpPr>
+      <p:sp>
+        <p:nvSpPr>
+          <p:cNvPr id="2" name="Slide Image Placeholder 1"/>
+          <p:cNvSpPr>
+            <a:spLocks noGrp="1" noRot="1" noChangeAspect="1"/>
+          </p:cNvSpPr>
+          <p:nvPr>
+            <p:ph type="sldImg"/>
+          </p:nvPr>
+        </p:nvSpPr>
+        <p:spPr/>
+      </p:sp>
+      <p:sp>
+        <p:nvSpPr>
+          <p:cNvPr id="3" name="Notes Placeholder 2"/>
+          <p:cNvSpPr>
+            <a:spLocks noGrp="1"/>
+          </p:cNvSpPr>
+          <p:nvPr>
+            <p:ph type="body" idx="1"/>
+          </p:nvPr>
+        </p:nvSpPr>
+        <p:spPr/>
+        <p:txBody>
+          <a:bodyPr/>
+          <a:lstStyle/>
+          <a:p>
+            <a:r>
+              <a:rPr lang="en-US" dirty="0" err="1" smtClean="0"/>
+              <a:t>lol</a:t>
+            </a:r>
+            <a:endParaRPr lang="en-US" dirty="0"/>
+          </a:p>
+        </p:txBody>
+      </p:sp>
+      <p:sp>
+        <p:nvSpPr>
+          <p:cNvPr id="4" name="Slide Number Placeholder 3"/>
+          <p:cNvSpPr>
+            <a:spLocks noGrp="1"/>
+          </p:cNvSpPr>
+          <p:nvPr>
+            <p:ph type="sldNum" sz="quarter" idx="10"/>
+          </p:nvPr>
+        </p:nvSpPr>
+        <p:spPr/>
+        <p:txBody>
+          <a:bodyPr/>
+          <a:lstStyle/>
+          <a:p>
+            <a:fld id="{55625B54-2E7D-A44F-80BA-D276EFA0DB8E}" type="slidenum">
+              <a:rPr lang="en-US" smtClean="0"/>
+              <a:t>9</a:t>
+            </a:fld>
+            <a:endParaRPr lang="en-US"/>
+          </a:p>
+        </p:txBody>
+      </p:sp>
+    </p:spTree>
+    <p:extLst>
+      <p:ext uri="{BB962C8B-B14F-4D97-AF65-F5344CB8AC3E}">
+        <p14:creationId xmlns:p14="http://schemas.microsoft.com/office/powerpoint/2010/main" val="1142906380"/>
+      </p:ext>
+    </p:extLst>
+  </p:cSld>
+  <p:clrMapOvr>
+    <a:masterClrMapping/>
+  </p:clrMapOvr>
+</p:notes>
 </file>
 
 <file path=ppt/slideLayouts/slideLayout1.xml><?xml version="1.0" encoding="utf-8"?>
@@ -245,7 +1407,7 @@
           <a:p>
             <a:fld id="{10919BC7-FA81-F743-ABE5-B63755954065}" type="datetimeFigureOut">
               <a:rPr lang="en-US" smtClean="0"/>
-              <a:t>4/27/18</a:t>
+              <a:t>5/8/18</a:t>
             </a:fld>
             <a:endParaRPr lang="en-US"/>
           </a:p>
@@ -415,7 +1577,7 @@
           <a:p>
             <a:fld id="{10919BC7-FA81-F743-ABE5-B63755954065}" type="datetimeFigureOut">
               <a:rPr lang="en-US" smtClean="0"/>
-              <a:t>4/27/18</a:t>
+              <a:t>5/8/18</a:t>
             </a:fld>
             <a:endParaRPr lang="en-US"/>
           </a:p>
@@ -595,7 +1757,7 @@
           <a:p>
             <a:fld id="{10919BC7-FA81-F743-ABE5-B63755954065}" type="datetimeFigureOut">
               <a:rPr lang="en-US" smtClean="0"/>
-              <a:t>4/27/18</a:t>
+              <a:t>5/8/18</a:t>
             </a:fld>
             <a:endParaRPr lang="en-US"/>
           </a:p>
@@ -765,7 +1927,7 @@
           <a:p>
             <a:fld id="{10919BC7-FA81-F743-ABE5-B63755954065}" type="datetimeFigureOut">
               <a:rPr lang="en-US" smtClean="0"/>
-              <a:t>4/27/18</a:t>
+              <a:t>5/8/18</a:t>
             </a:fld>
             <a:endParaRPr lang="en-US"/>
           </a:p>
@@ -1011,7 +2173,7 @@
           <a:p>
             <a:fld id="{10919BC7-FA81-F743-ABE5-B63755954065}" type="datetimeFigureOut">
               <a:rPr lang="en-US" smtClean="0"/>
-              <a:t>4/27/18</a:t>
+              <a:t>5/8/18</a:t>
             </a:fld>
             <a:endParaRPr lang="en-US"/>
           </a:p>
@@ -1243,7 +2405,7 @@
           <a:p>
             <a:fld id="{10919BC7-FA81-F743-ABE5-B63755954065}" type="datetimeFigureOut">
               <a:rPr lang="en-US" smtClean="0"/>
-              <a:t>4/27/18</a:t>
+              <a:t>5/8/18</a:t>
             </a:fld>
             <a:endParaRPr lang="en-US"/>
           </a:p>
@@ -1610,7 +2772,7 @@
           <a:p>
             <a:fld id="{10919BC7-FA81-F743-ABE5-B63755954065}" type="datetimeFigureOut">
               <a:rPr lang="en-US" smtClean="0"/>
-              <a:t>4/27/18</a:t>
+              <a:t>5/8/18</a:t>
             </a:fld>
             <a:endParaRPr lang="en-US"/>
           </a:p>
@@ -1728,7 +2890,7 @@
           <a:p>
             <a:fld id="{10919BC7-FA81-F743-ABE5-B63755954065}" type="datetimeFigureOut">
               <a:rPr lang="en-US" smtClean="0"/>
-              <a:t>4/27/18</a:t>
+              <a:t>5/8/18</a:t>
             </a:fld>
             <a:endParaRPr lang="en-US"/>
           </a:p>
@@ -1823,7 +2985,7 @@
           <a:p>
             <a:fld id="{10919BC7-FA81-F743-ABE5-B63755954065}" type="datetimeFigureOut">
               <a:rPr lang="en-US" smtClean="0"/>
-              <a:t>4/27/18</a:t>
+              <a:t>5/8/18</a:t>
             </a:fld>
             <a:endParaRPr lang="en-US"/>
           </a:p>
@@ -2100,7 +3262,7 @@
           <a:p>
             <a:fld id="{10919BC7-FA81-F743-ABE5-B63755954065}" type="datetimeFigureOut">
               <a:rPr lang="en-US" smtClean="0"/>
-              <a:t>4/27/18</a:t>
+              <a:t>5/8/18</a:t>
             </a:fld>
             <a:endParaRPr lang="en-US"/>
           </a:p>
@@ -2353,7 +3515,7 @@
           <a:p>
             <a:fld id="{10919BC7-FA81-F743-ABE5-B63755954065}" type="datetimeFigureOut">
               <a:rPr lang="en-US" smtClean="0"/>
-              <a:t>4/27/18</a:t>
+              <a:t>5/8/18</a:t>
             </a:fld>
             <a:endParaRPr lang="en-US"/>
           </a:p>
@@ -2418,9 +3580,36 @@
 <p:sldMaster xmlns:a="http://schemas.openxmlformats.org/drawingml/2006/main" xmlns:r="http://schemas.openxmlformats.org/officeDocument/2006/relationships" xmlns:p="http://schemas.openxmlformats.org/presentationml/2006/main">
   <p:cSld>
     <p:bg>
-      <p:bgRef idx="1001">
-        <a:schemeClr val="bg1"/>
-      </p:bgRef>
+      <p:bgPr>
+        <a:gradFill flip="none" rotWithShape="1">
+          <a:gsLst>
+            <a:gs pos="0">
+              <a:schemeClr val="tx2"/>
+            </a:gs>
+            <a:gs pos="74000">
+              <a:schemeClr val="accent1">
+                <a:lumMod val="45000"/>
+                <a:lumOff val="55000"/>
+              </a:schemeClr>
+            </a:gs>
+            <a:gs pos="83000">
+              <a:schemeClr val="accent1">
+                <a:lumMod val="45000"/>
+                <a:lumOff val="55000"/>
+              </a:schemeClr>
+            </a:gs>
+            <a:gs pos="100000">
+              <a:schemeClr val="accent1">
+                <a:lumMod val="30000"/>
+                <a:lumOff val="70000"/>
+              </a:schemeClr>
+            </a:gs>
+          </a:gsLst>
+          <a:lin ang="5400000" scaled="1"/>
+          <a:tileRect/>
+        </a:gradFill>
+        <a:effectLst/>
+      </p:bgPr>
     </p:bg>
     <p:spTree>
       <p:nvGrpSpPr>
@@ -2566,7 +3755,7 @@
           <a:p>
             <a:fld id="{10919BC7-FA81-F743-ABE5-B63755954065}" type="datetimeFigureOut">
               <a:rPr lang="en-US" smtClean="0"/>
-              <a:t>4/27/18</a:t>
+              <a:t>5/8/18</a:t>
             </a:fld>
             <a:endParaRPr lang="en-US"/>
           </a:p>
@@ -2983,12 +4172,14 @@
         </p:nvSpPr>
         <p:spPr/>
         <p:txBody>
-          <a:bodyPr/>
+          <a:bodyPr>
+            <a:normAutofit fontScale="90000"/>
+          </a:bodyPr>
           <a:lstStyle/>
           <a:p>
             <a:r>
               <a:rPr lang="en-US" dirty="0" smtClean="0"/>
-              <a:t>Project</a:t>
+              <a:t>Personality Traits Identification Using Machine Learning</a:t>
             </a:r>
             <a:endParaRPr lang="en-US" dirty="0"/>
           </a:p>
@@ -3011,7 +4202,37 @@
           <a:p>
             <a:r>
               <a:rPr lang="en-US" dirty="0" smtClean="0"/>
-              <a:t>Hello</a:t>
+              <a:t>Elliott </a:t>
+            </a:r>
+            <a:r>
+              <a:rPr lang="en-US" dirty="0" err="1" smtClean="0"/>
+              <a:t>Saslow</a:t>
+            </a:r>
+            <a:r>
+              <a:rPr lang="en-US" dirty="0" smtClean="0"/>
+              <a:t> </a:t>
+            </a:r>
+            <a:r>
+              <a:rPr lang="mr-IN" dirty="0" smtClean="0"/>
+              <a:t>–</a:t>
+            </a:r>
+            <a:r>
+              <a:rPr lang="en-US" dirty="0" smtClean="0"/>
+              <a:t> B.S. Engineering Physics</a:t>
+            </a:r>
+          </a:p>
+          <a:p>
+            <a:r>
+              <a:rPr lang="en-US" dirty="0" err="1" smtClean="0"/>
+              <a:t>GitHub</a:t>
+            </a:r>
+            <a:r>
+              <a:rPr lang="en-US" dirty="0" smtClean="0"/>
+              <a:t>: </a:t>
+            </a:r>
+            <a:r>
+              <a:rPr lang="en-US" dirty="0" err="1" smtClean="0"/>
+              <a:t>Esaslow</a:t>
             </a:r>
             <a:endParaRPr lang="en-US" dirty="0"/>
           </a:p>
@@ -3021,6 +4242,133 @@
     <p:extLst>
       <p:ext uri="{BB962C8B-B14F-4D97-AF65-F5344CB8AC3E}">
         <p14:creationId xmlns:p14="http://schemas.microsoft.com/office/powerpoint/2010/main" val="1542015699"/>
+      </p:ext>
+    </p:extLst>
+  </p:cSld>
+  <p:clrMapOvr>
+    <a:masterClrMapping/>
+  </p:clrMapOvr>
+  <p:timing>
+    <p:tnLst>
+      <p:par>
+        <p:cTn id="1" dur="indefinite" restart="never" nodeType="tmRoot"/>
+      </p:par>
+    </p:tnLst>
+  </p:timing>
+</p:sld>
+</file>
+
+<file path=ppt/slides/slide10.xml><?xml version="1.0" encoding="utf-8"?>
+<p:sld xmlns:a="http://schemas.openxmlformats.org/drawingml/2006/main" xmlns:r="http://schemas.openxmlformats.org/officeDocument/2006/relationships" xmlns:p="http://schemas.openxmlformats.org/presentationml/2006/main">
+  <p:cSld>
+    <p:spTree>
+      <p:nvGrpSpPr>
+        <p:cNvPr id="1" name=""/>
+        <p:cNvGrpSpPr/>
+        <p:nvPr/>
+      </p:nvGrpSpPr>
+      <p:grpSpPr>
+        <a:xfrm>
+          <a:off x="0" y="0"/>
+          <a:ext cx="0" cy="0"/>
+          <a:chOff x="0" y="0"/>
+          <a:chExt cx="0" cy="0"/>
+        </a:xfrm>
+      </p:grpSpPr>
+      <p:sp>
+        <p:nvSpPr>
+          <p:cNvPr id="2" name="Title 1"/>
+          <p:cNvSpPr>
+            <a:spLocks noGrp="1"/>
+          </p:cNvSpPr>
+          <p:nvPr>
+            <p:ph type="title"/>
+          </p:nvPr>
+        </p:nvSpPr>
+        <p:spPr/>
+        <p:txBody>
+          <a:bodyPr/>
+          <a:lstStyle/>
+          <a:p>
+            <a:r>
+              <a:rPr lang="en-US" dirty="0" smtClean="0"/>
+              <a:t>Next Steps </a:t>
+            </a:r>
+            <a:r>
+              <a:rPr lang="en-US" dirty="0" smtClean="0"/>
+              <a:t>	</a:t>
+            </a:r>
+            <a:endParaRPr lang="en-US" dirty="0"/>
+          </a:p>
+        </p:txBody>
+      </p:sp>
+      <p:sp>
+        <p:nvSpPr>
+          <p:cNvPr id="3" name="Content Placeholder 2"/>
+          <p:cNvSpPr>
+            <a:spLocks noGrp="1"/>
+          </p:cNvSpPr>
+          <p:nvPr>
+            <p:ph idx="1"/>
+          </p:nvPr>
+        </p:nvSpPr>
+        <p:spPr>
+          <a:xfrm>
+            <a:off x="838200" y="1825625"/>
+            <a:ext cx="10515600" cy="2246503"/>
+          </a:xfrm>
+        </p:spPr>
+        <p:txBody>
+          <a:bodyPr/>
+          <a:lstStyle/>
+          <a:p>
+            <a:r>
+              <a:rPr lang="en-US" b="1" dirty="0" smtClean="0"/>
+              <a:t>Secure more funding</a:t>
+            </a:r>
+            <a:endParaRPr lang="en-US" b="1" dirty="0" smtClean="0"/>
+          </a:p>
+          <a:p>
+            <a:r>
+              <a:rPr lang="en-US" dirty="0" smtClean="0"/>
+              <a:t>Continue development on IOS applications</a:t>
+            </a:r>
+            <a:endParaRPr lang="en-US" dirty="0" smtClean="0"/>
+          </a:p>
+          <a:p>
+            <a:r>
+              <a:rPr lang="en-US" dirty="0" smtClean="0"/>
+              <a:t>Merge </a:t>
+            </a:r>
+            <a:r>
+              <a:rPr lang="en-US" dirty="0"/>
+              <a:t>p</a:t>
+            </a:r>
+            <a:r>
+              <a:rPr lang="en-US" dirty="0" smtClean="0"/>
+              <a:t>roduction branch with branch for splitting based on gender</a:t>
+            </a:r>
+            <a:endParaRPr lang="en-US" dirty="0" smtClean="0"/>
+          </a:p>
+          <a:p>
+            <a:r>
+              <a:rPr lang="en-US" dirty="0" smtClean="0"/>
+              <a:t>Hook up Firebase storage and IOS applications to flask server</a:t>
+            </a:r>
+            <a:endParaRPr lang="en-US" dirty="0" smtClean="0"/>
+          </a:p>
+          <a:p>
+            <a:pPr marL="0" indent="0">
+              <a:buNone/>
+            </a:pPr>
+            <a:endParaRPr lang="en-US" dirty="0"/>
+          </a:p>
+        </p:txBody>
+      </p:sp>
+    </p:spTree>
+    <p:extLst>
+      <p:ext uri="{BB962C8B-B14F-4D97-AF65-F5344CB8AC3E}">
+        <p14:creationId xmlns:p14="http://schemas.microsoft.com/office/powerpoint/2010/main" val="637198323"/>
       </p:ext>
     </p:extLst>
   </p:cSld>
@@ -3070,10 +4418,18 @@
           <a:lstStyle/>
           <a:p>
             <a:r>
-              <a:rPr lang="en-US" dirty="0" smtClean="0"/>
+              <a:rPr lang="en-US" b="1" dirty="0" smtClean="0">
+                <a:solidFill>
+                  <a:schemeClr val="bg1"/>
+                </a:solidFill>
+              </a:rPr>
               <a:t>The Data - Big 5 Personality</a:t>
             </a:r>
-            <a:endParaRPr lang="en-US" dirty="0"/>
+            <a:endParaRPr lang="en-US" b="1" dirty="0">
+              <a:solidFill>
+                <a:schemeClr val="bg1"/>
+              </a:solidFill>
+            </a:endParaRPr>
           </a:p>
         </p:txBody>
       </p:sp>
@@ -3093,19 +4449,40 @@
           <a:lstStyle/>
           <a:p>
             <a:r>
-              <a:rPr lang="en-US" dirty="0" smtClean="0"/>
+              <a:rPr lang="en-US" dirty="0" smtClean="0">
+                <a:solidFill>
+                  <a:schemeClr val="accent4">
+                    <a:lumMod val="60000"/>
+                    <a:lumOff val="40000"/>
+                  </a:schemeClr>
+                </a:solidFill>
+              </a:rPr>
               <a:t>153,000 answers to 300 question set</a:t>
             </a:r>
           </a:p>
           <a:p>
             <a:r>
-              <a:rPr lang="en-US" dirty="0" smtClean="0"/>
+              <a:rPr lang="en-US" dirty="0" smtClean="0">
+                <a:solidFill>
+                  <a:schemeClr val="accent4">
+                    <a:lumMod val="60000"/>
+                    <a:lumOff val="40000"/>
+                  </a:schemeClr>
+                </a:solidFill>
+              </a:rPr>
               <a:t>Possible to split users based on sex/age</a:t>
             </a:r>
           </a:p>
           <a:p>
             <a:r>
-              <a:rPr lang="en-US" dirty="0" smtClean="0"/>
+              <a:rPr lang="en-US" dirty="0" smtClean="0">
+                <a:solidFill>
+                  <a:schemeClr val="accent4">
+                    <a:lumMod val="60000"/>
+                    <a:lumOff val="40000"/>
+                  </a:schemeClr>
+                </a:solidFill>
+              </a:rPr>
               <a:t>Looked at PCA to identify where the highest variance is in the set</a:t>
             </a:r>
           </a:p>
@@ -3117,30 +4494,796 @@
           </a:p>
         </p:txBody>
       </p:sp>
-      <p:pic>
-        <p:nvPicPr>
-          <p:cNvPr id="4" name="Picture 3"/>
-          <p:cNvPicPr>
-            <a:picLocks noChangeAspect="1"/>
-          </p:cNvPicPr>
-          <p:nvPr/>
-        </p:nvPicPr>
-        <p:blipFill>
-          <a:blip r:embed="rId2"/>
-          <a:stretch>
-            <a:fillRect/>
-          </a:stretch>
-        </p:blipFill>
-        <p:spPr>
-          <a:xfrm>
-            <a:off x="1203960" y="3327400"/>
-            <a:ext cx="9296400" cy="3530600"/>
-          </a:xfrm>
-          <a:prstGeom prst="rect">
-            <a:avLst/>
-          </a:prstGeom>
-        </p:spPr>
-      </p:pic>
+      <p:graphicFrame>
+        <p:nvGraphicFramePr>
+          <p:cNvPr id="5" name="Table 4"/>
+          <p:cNvGraphicFramePr>
+            <a:graphicFrameLocks noGrp="1"/>
+          </p:cNvGraphicFramePr>
+          <p:nvPr>
+            <p:extLst>
+              <p:ext uri="{D42A27DB-BD31-4B8C-83A1-F6EECF244321}">
+                <p14:modId xmlns:p14="http://schemas.microsoft.com/office/powerpoint/2010/main" val="188870583"/>
+              </p:ext>
+            </p:extLst>
+          </p:nvPr>
+        </p:nvGraphicFramePr>
+        <p:xfrm>
+          <a:off x="1251330" y="3452654"/>
+          <a:ext cx="8319389" cy="2375509"/>
+        </p:xfrm>
+        <a:graphic>
+          <a:graphicData uri="http://schemas.openxmlformats.org/drawingml/2006/table">
+            <a:tbl>
+              <a:tblPr firstRow="1" firstCol="1" bandRow="1"/>
+              <a:tblGrid>
+                <a:gridCol w="3865479"/>
+                <a:gridCol w="4453910"/>
+              </a:tblGrid>
+              <a:tr h="365374">
+                <a:tc>
+                  <a:txBody>
+                    <a:bodyPr/>
+                    <a:lstStyle/>
+                    <a:p>
+                      <a:pPr marL="0" marR="0">
+                        <a:spcBef>
+                          <a:spcPts val="0"/>
+                        </a:spcBef>
+                        <a:spcAft>
+                          <a:spcPts val="0"/>
+                        </a:spcAft>
+                      </a:pPr>
+                      <a:r>
+                        <a:rPr lang="en-US" sz="1800" b="1">
+                          <a:solidFill>
+                            <a:srgbClr val="F8931D"/>
+                          </a:solidFill>
+                          <a:effectLst/>
+                          <a:latin typeface="Calibri" charset="0"/>
+                          <a:ea typeface="Times New Roman" charset="0"/>
+                          <a:cs typeface="Times New Roman" charset="0"/>
+                        </a:rPr>
+                        <a:t>Male Top Dividing Questions</a:t>
+                      </a:r>
+                      <a:endParaRPr lang="en-US" sz="1800">
+                        <a:effectLst/>
+                        <a:latin typeface="Calibri" charset="0"/>
+                        <a:ea typeface="Calibri" charset="0"/>
+                        <a:cs typeface="Times New Roman" charset="0"/>
+                      </a:endParaRPr>
+                    </a:p>
+                  </a:txBody>
+                  <a:tcPr marL="68580" marR="68580" marT="0" marB="0" anchor="b">
+                    <a:lnL w="12700" cap="flat" cmpd="sng" algn="ctr">
+                      <a:solidFill>
+                        <a:srgbClr val="000000"/>
+                      </a:solidFill>
+                      <a:prstDash val="solid"/>
+                      <a:round/>
+                      <a:headEnd type="none" w="med" len="med"/>
+                      <a:tailEnd type="none" w="med" len="med"/>
+                    </a:lnL>
+                    <a:lnR w="12700" cap="flat" cmpd="sng" algn="ctr">
+                      <a:solidFill>
+                        <a:srgbClr val="000000"/>
+                      </a:solidFill>
+                      <a:prstDash val="solid"/>
+                      <a:round/>
+                      <a:headEnd type="none" w="med" len="med"/>
+                      <a:tailEnd type="none" w="med" len="med"/>
+                    </a:lnR>
+                    <a:lnT w="12700" cap="flat" cmpd="sng" algn="ctr">
+                      <a:solidFill>
+                        <a:srgbClr val="000000"/>
+                      </a:solidFill>
+                      <a:prstDash val="solid"/>
+                      <a:round/>
+                      <a:headEnd type="none" w="med" len="med"/>
+                      <a:tailEnd type="none" w="med" len="med"/>
+                    </a:lnT>
+                    <a:lnB w="12700" cap="flat" cmpd="sng" algn="ctr">
+                      <a:solidFill>
+                        <a:srgbClr val="000000"/>
+                      </a:solidFill>
+                      <a:prstDash val="solid"/>
+                      <a:round/>
+                      <a:headEnd type="none" w="med" len="med"/>
+                      <a:tailEnd type="none" w="med" len="med"/>
+                    </a:lnB>
+                    <a:solidFill>
+                      <a:srgbClr val="FFFFFF"/>
+                    </a:solidFill>
+                  </a:tcPr>
+                </a:tc>
+                <a:tc>
+                  <a:txBody>
+                    <a:bodyPr/>
+                    <a:lstStyle/>
+                    <a:p>
+                      <a:pPr marL="0" marR="0">
+                        <a:spcBef>
+                          <a:spcPts val="0"/>
+                        </a:spcBef>
+                        <a:spcAft>
+                          <a:spcPts val="0"/>
+                        </a:spcAft>
+                      </a:pPr>
+                      <a:r>
+                        <a:rPr lang="en-US" sz="1800" b="1">
+                          <a:solidFill>
+                            <a:srgbClr val="F8931D"/>
+                          </a:solidFill>
+                          <a:effectLst/>
+                          <a:latin typeface="Calibri" charset="0"/>
+                          <a:ea typeface="Times New Roman" charset="0"/>
+                          <a:cs typeface="Times New Roman" charset="0"/>
+                        </a:rPr>
+                        <a:t>Female Top Dividing Questions</a:t>
+                      </a:r>
+                      <a:endParaRPr lang="en-US" sz="1800">
+                        <a:effectLst/>
+                        <a:latin typeface="Calibri" charset="0"/>
+                        <a:ea typeface="Calibri" charset="0"/>
+                        <a:cs typeface="Times New Roman" charset="0"/>
+                      </a:endParaRPr>
+                    </a:p>
+                  </a:txBody>
+                  <a:tcPr marL="68580" marR="68580" marT="0" marB="0" anchor="b">
+                    <a:lnL w="12700" cap="flat" cmpd="sng" algn="ctr">
+                      <a:solidFill>
+                        <a:srgbClr val="000000"/>
+                      </a:solidFill>
+                      <a:prstDash val="solid"/>
+                      <a:round/>
+                      <a:headEnd type="none" w="med" len="med"/>
+                      <a:tailEnd type="none" w="med" len="med"/>
+                    </a:lnL>
+                    <a:lnR w="12700" cap="flat" cmpd="sng" algn="ctr">
+                      <a:solidFill>
+                        <a:srgbClr val="000000"/>
+                      </a:solidFill>
+                      <a:prstDash val="solid"/>
+                      <a:round/>
+                      <a:headEnd type="none" w="med" len="med"/>
+                      <a:tailEnd type="none" w="med" len="med"/>
+                    </a:lnR>
+                    <a:lnT w="12700" cap="flat" cmpd="sng" algn="ctr">
+                      <a:solidFill>
+                        <a:srgbClr val="000000"/>
+                      </a:solidFill>
+                      <a:prstDash val="solid"/>
+                      <a:round/>
+                      <a:headEnd type="none" w="med" len="med"/>
+                      <a:tailEnd type="none" w="med" len="med"/>
+                    </a:lnT>
+                    <a:lnB w="12700" cap="flat" cmpd="sng" algn="ctr">
+                      <a:solidFill>
+                        <a:srgbClr val="000000"/>
+                      </a:solidFill>
+                      <a:prstDash val="solid"/>
+                      <a:round/>
+                      <a:headEnd type="none" w="med" len="med"/>
+                      <a:tailEnd type="none" w="med" len="med"/>
+                    </a:lnB>
+                    <a:solidFill>
+                      <a:srgbClr val="FFFFFF"/>
+                    </a:solidFill>
+                  </a:tcPr>
+                </a:tc>
+              </a:tr>
+              <a:tr h="730747">
+                <a:tc>
+                  <a:txBody>
+                    <a:bodyPr/>
+                    <a:lstStyle/>
+                    <a:p>
+                      <a:pPr marL="0" marR="0">
+                        <a:spcBef>
+                          <a:spcPts val="0"/>
+                        </a:spcBef>
+                        <a:spcAft>
+                          <a:spcPts val="0"/>
+                        </a:spcAft>
+                      </a:pPr>
+                      <a:r>
+                        <a:rPr lang="en-US" sz="1800">
+                          <a:solidFill>
+                            <a:srgbClr val="000000"/>
+                          </a:solidFill>
+                          <a:effectLst/>
+                          <a:latin typeface="Calibri" charset="0"/>
+                          <a:ea typeface="Times New Roman" charset="0"/>
+                          <a:cs typeface="Times New Roman" charset="0"/>
+                        </a:rPr>
+                        <a:t>Believe that there is no absolute right or wrong.</a:t>
+                      </a:r>
+                      <a:endParaRPr lang="en-US" sz="1800">
+                        <a:effectLst/>
+                        <a:latin typeface="Calibri" charset="0"/>
+                        <a:ea typeface="Calibri" charset="0"/>
+                        <a:cs typeface="Times New Roman" charset="0"/>
+                      </a:endParaRPr>
+                    </a:p>
+                  </a:txBody>
+                  <a:tcPr marL="68580" marR="68580" marT="0" marB="0" anchor="b">
+                    <a:lnL w="12700" cap="flat" cmpd="sng" algn="ctr">
+                      <a:solidFill>
+                        <a:srgbClr val="000000"/>
+                      </a:solidFill>
+                      <a:prstDash val="solid"/>
+                      <a:round/>
+                      <a:headEnd type="none" w="med" len="med"/>
+                      <a:tailEnd type="none" w="med" len="med"/>
+                    </a:lnL>
+                    <a:lnR w="12700" cap="flat" cmpd="sng" algn="ctr">
+                      <a:solidFill>
+                        <a:srgbClr val="000000"/>
+                      </a:solidFill>
+                      <a:prstDash val="solid"/>
+                      <a:round/>
+                      <a:headEnd type="none" w="med" len="med"/>
+                      <a:tailEnd type="none" w="med" len="med"/>
+                    </a:lnR>
+                    <a:lnT w="12700" cap="flat" cmpd="sng" algn="ctr">
+                      <a:solidFill>
+                        <a:srgbClr val="000000"/>
+                      </a:solidFill>
+                      <a:prstDash val="solid"/>
+                      <a:round/>
+                      <a:headEnd type="none" w="med" len="med"/>
+                      <a:tailEnd type="none" w="med" len="med"/>
+                    </a:lnT>
+                    <a:lnB w="12700" cap="flat" cmpd="sng" algn="ctr">
+                      <a:solidFill>
+                        <a:srgbClr val="000000"/>
+                      </a:solidFill>
+                      <a:prstDash val="solid"/>
+                      <a:round/>
+                      <a:headEnd type="none" w="med" len="med"/>
+                      <a:tailEnd type="none" w="med" len="med"/>
+                    </a:lnB>
+                    <a:solidFill>
+                      <a:srgbClr val="FFFFFF"/>
+                    </a:solidFill>
+                  </a:tcPr>
+                </a:tc>
+                <a:tc>
+                  <a:txBody>
+                    <a:bodyPr/>
+                    <a:lstStyle/>
+                    <a:p>
+                      <a:pPr marL="0" marR="0">
+                        <a:spcBef>
+                          <a:spcPts val="0"/>
+                        </a:spcBef>
+                        <a:spcAft>
+                          <a:spcPts val="0"/>
+                        </a:spcAft>
+                      </a:pPr>
+                      <a:r>
+                        <a:rPr lang="en-US" sz="1800" dirty="0">
+                          <a:solidFill>
+                            <a:srgbClr val="000000"/>
+                          </a:solidFill>
+                          <a:effectLst/>
+                          <a:latin typeface="Calibri" charset="0"/>
+                          <a:ea typeface="Times New Roman" charset="0"/>
+                          <a:cs typeface="Times New Roman" charset="0"/>
+                        </a:rPr>
+                        <a:t>Boast about my virtues.</a:t>
+                      </a:r>
+                      <a:endParaRPr lang="en-US" sz="1800" dirty="0">
+                        <a:effectLst/>
+                        <a:latin typeface="Calibri" charset="0"/>
+                        <a:ea typeface="Calibri" charset="0"/>
+                        <a:cs typeface="Times New Roman" charset="0"/>
+                      </a:endParaRPr>
+                    </a:p>
+                  </a:txBody>
+                  <a:tcPr marL="68580" marR="68580" marT="0" marB="0" anchor="b">
+                    <a:lnL w="12700" cap="flat" cmpd="sng" algn="ctr">
+                      <a:solidFill>
+                        <a:srgbClr val="000000"/>
+                      </a:solidFill>
+                      <a:prstDash val="solid"/>
+                      <a:round/>
+                      <a:headEnd type="none" w="med" len="med"/>
+                      <a:tailEnd type="none" w="med" len="med"/>
+                    </a:lnL>
+                    <a:lnR w="12700" cap="flat" cmpd="sng" algn="ctr">
+                      <a:solidFill>
+                        <a:srgbClr val="000000"/>
+                      </a:solidFill>
+                      <a:prstDash val="solid"/>
+                      <a:round/>
+                      <a:headEnd type="none" w="med" len="med"/>
+                      <a:tailEnd type="none" w="med" len="med"/>
+                    </a:lnR>
+                    <a:lnT w="12700" cap="flat" cmpd="sng" algn="ctr">
+                      <a:solidFill>
+                        <a:srgbClr val="000000"/>
+                      </a:solidFill>
+                      <a:prstDash val="solid"/>
+                      <a:round/>
+                      <a:headEnd type="none" w="med" len="med"/>
+                      <a:tailEnd type="none" w="med" len="med"/>
+                    </a:lnT>
+                    <a:lnB w="12700" cap="flat" cmpd="sng" algn="ctr">
+                      <a:solidFill>
+                        <a:srgbClr val="000000"/>
+                      </a:solidFill>
+                      <a:prstDash val="solid"/>
+                      <a:round/>
+                      <a:headEnd type="none" w="med" len="med"/>
+                      <a:tailEnd type="none" w="med" len="med"/>
+                    </a:lnB>
+                    <a:solidFill>
+                      <a:srgbClr val="FFFFFF"/>
+                    </a:solidFill>
+                  </a:tcPr>
+                </a:tc>
+              </a:tr>
+              <a:tr h="365374">
+                <a:tc>
+                  <a:txBody>
+                    <a:bodyPr/>
+                    <a:lstStyle/>
+                    <a:p>
+                      <a:pPr marL="0" marR="0">
+                        <a:spcBef>
+                          <a:spcPts val="0"/>
+                        </a:spcBef>
+                        <a:spcAft>
+                          <a:spcPts val="0"/>
+                        </a:spcAft>
+                      </a:pPr>
+                      <a:r>
+                        <a:rPr lang="en-US" sz="1800">
+                          <a:solidFill>
+                            <a:srgbClr val="000000"/>
+                          </a:solidFill>
+                          <a:effectLst/>
+                          <a:latin typeface="Calibri" charset="0"/>
+                          <a:ea typeface="Times New Roman" charset="0"/>
+                          <a:cs typeface="Times New Roman" charset="0"/>
+                        </a:rPr>
+                        <a:t>Tend to vote for liberal political candidates.</a:t>
+                      </a:r>
+                      <a:endParaRPr lang="en-US" sz="1800">
+                        <a:effectLst/>
+                        <a:latin typeface="Calibri" charset="0"/>
+                        <a:ea typeface="Calibri" charset="0"/>
+                        <a:cs typeface="Times New Roman" charset="0"/>
+                      </a:endParaRPr>
+                    </a:p>
+                  </a:txBody>
+                  <a:tcPr marL="68580" marR="68580" marT="0" marB="0" anchor="b">
+                    <a:lnL w="12700" cap="flat" cmpd="sng" algn="ctr">
+                      <a:solidFill>
+                        <a:srgbClr val="000000"/>
+                      </a:solidFill>
+                      <a:prstDash val="solid"/>
+                      <a:round/>
+                      <a:headEnd type="none" w="med" len="med"/>
+                      <a:tailEnd type="none" w="med" len="med"/>
+                    </a:lnL>
+                    <a:lnR w="12700" cap="flat" cmpd="sng" algn="ctr">
+                      <a:solidFill>
+                        <a:srgbClr val="000000"/>
+                      </a:solidFill>
+                      <a:prstDash val="solid"/>
+                      <a:round/>
+                      <a:headEnd type="none" w="med" len="med"/>
+                      <a:tailEnd type="none" w="med" len="med"/>
+                    </a:lnR>
+                    <a:lnT w="12700" cap="flat" cmpd="sng" algn="ctr">
+                      <a:solidFill>
+                        <a:srgbClr val="000000"/>
+                      </a:solidFill>
+                      <a:prstDash val="solid"/>
+                      <a:round/>
+                      <a:headEnd type="none" w="med" len="med"/>
+                      <a:tailEnd type="none" w="med" len="med"/>
+                    </a:lnT>
+                    <a:lnB w="12700" cap="flat" cmpd="sng" algn="ctr">
+                      <a:solidFill>
+                        <a:srgbClr val="000000"/>
+                      </a:solidFill>
+                      <a:prstDash val="solid"/>
+                      <a:round/>
+                      <a:headEnd type="none" w="med" len="med"/>
+                      <a:tailEnd type="none" w="med" len="med"/>
+                    </a:lnB>
+                    <a:solidFill>
+                      <a:srgbClr val="FFFFFF"/>
+                    </a:solidFill>
+                  </a:tcPr>
+                </a:tc>
+                <a:tc>
+                  <a:txBody>
+                    <a:bodyPr/>
+                    <a:lstStyle/>
+                    <a:p>
+                      <a:pPr marL="0" marR="0">
+                        <a:spcBef>
+                          <a:spcPts val="0"/>
+                        </a:spcBef>
+                        <a:spcAft>
+                          <a:spcPts val="0"/>
+                        </a:spcAft>
+                      </a:pPr>
+                      <a:r>
+                        <a:rPr lang="en-US" sz="1800">
+                          <a:solidFill>
+                            <a:srgbClr val="000000"/>
+                          </a:solidFill>
+                          <a:effectLst/>
+                          <a:latin typeface="Calibri" charset="0"/>
+                          <a:ea typeface="Times New Roman" charset="0"/>
+                          <a:cs typeface="Times New Roman" charset="0"/>
+                        </a:rPr>
+                        <a:t>Believe that I am better than others.</a:t>
+                      </a:r>
+                      <a:endParaRPr lang="en-US" sz="1800">
+                        <a:effectLst/>
+                        <a:latin typeface="Calibri" charset="0"/>
+                        <a:ea typeface="Calibri" charset="0"/>
+                        <a:cs typeface="Times New Roman" charset="0"/>
+                      </a:endParaRPr>
+                    </a:p>
+                  </a:txBody>
+                  <a:tcPr marL="68580" marR="68580" marT="0" marB="0" anchor="b">
+                    <a:lnL w="12700" cap="flat" cmpd="sng" algn="ctr">
+                      <a:solidFill>
+                        <a:srgbClr val="000000"/>
+                      </a:solidFill>
+                      <a:prstDash val="solid"/>
+                      <a:round/>
+                      <a:headEnd type="none" w="med" len="med"/>
+                      <a:tailEnd type="none" w="med" len="med"/>
+                    </a:lnL>
+                    <a:lnR w="12700" cap="flat" cmpd="sng" algn="ctr">
+                      <a:solidFill>
+                        <a:srgbClr val="000000"/>
+                      </a:solidFill>
+                      <a:prstDash val="solid"/>
+                      <a:round/>
+                      <a:headEnd type="none" w="med" len="med"/>
+                      <a:tailEnd type="none" w="med" len="med"/>
+                    </a:lnR>
+                    <a:lnT w="12700" cap="flat" cmpd="sng" algn="ctr">
+                      <a:solidFill>
+                        <a:srgbClr val="000000"/>
+                      </a:solidFill>
+                      <a:prstDash val="solid"/>
+                      <a:round/>
+                      <a:headEnd type="none" w="med" len="med"/>
+                      <a:tailEnd type="none" w="med" len="med"/>
+                    </a:lnT>
+                    <a:lnB w="12700" cap="flat" cmpd="sng" algn="ctr">
+                      <a:solidFill>
+                        <a:srgbClr val="000000"/>
+                      </a:solidFill>
+                      <a:prstDash val="solid"/>
+                      <a:round/>
+                      <a:headEnd type="none" w="med" len="med"/>
+                      <a:tailEnd type="none" w="med" len="med"/>
+                    </a:lnB>
+                    <a:solidFill>
+                      <a:srgbClr val="FFFFFF"/>
+                    </a:solidFill>
+                  </a:tcPr>
+                </a:tc>
+              </a:tr>
+              <a:tr h="365374">
+                <a:tc>
+                  <a:txBody>
+                    <a:bodyPr/>
+                    <a:lstStyle/>
+                    <a:p>
+                      <a:pPr marL="0" marR="0">
+                        <a:spcBef>
+                          <a:spcPts val="0"/>
+                        </a:spcBef>
+                        <a:spcAft>
+                          <a:spcPts val="0"/>
+                        </a:spcAft>
+                      </a:pPr>
+                      <a:r>
+                        <a:rPr lang="en-US" sz="1800">
+                          <a:solidFill>
+                            <a:srgbClr val="000000"/>
+                          </a:solidFill>
+                          <a:effectLst/>
+                          <a:latin typeface="Calibri" charset="0"/>
+                          <a:ea typeface="Times New Roman" charset="0"/>
+                          <a:cs typeface="Times New Roman" charset="0"/>
+                        </a:rPr>
+                        <a:t>Believe that I am better than others.</a:t>
+                      </a:r>
+                      <a:endParaRPr lang="en-US" sz="1800">
+                        <a:effectLst/>
+                        <a:latin typeface="Calibri" charset="0"/>
+                        <a:ea typeface="Calibri" charset="0"/>
+                        <a:cs typeface="Times New Roman" charset="0"/>
+                      </a:endParaRPr>
+                    </a:p>
+                  </a:txBody>
+                  <a:tcPr marL="68580" marR="68580" marT="0" marB="0" anchor="b">
+                    <a:lnL w="12700" cap="flat" cmpd="sng" algn="ctr">
+                      <a:solidFill>
+                        <a:srgbClr val="000000"/>
+                      </a:solidFill>
+                      <a:prstDash val="solid"/>
+                      <a:round/>
+                      <a:headEnd type="none" w="med" len="med"/>
+                      <a:tailEnd type="none" w="med" len="med"/>
+                    </a:lnL>
+                    <a:lnR w="12700" cap="flat" cmpd="sng" algn="ctr">
+                      <a:solidFill>
+                        <a:srgbClr val="000000"/>
+                      </a:solidFill>
+                      <a:prstDash val="solid"/>
+                      <a:round/>
+                      <a:headEnd type="none" w="med" len="med"/>
+                      <a:tailEnd type="none" w="med" len="med"/>
+                    </a:lnR>
+                    <a:lnT w="12700" cap="flat" cmpd="sng" algn="ctr">
+                      <a:solidFill>
+                        <a:srgbClr val="000000"/>
+                      </a:solidFill>
+                      <a:prstDash val="solid"/>
+                      <a:round/>
+                      <a:headEnd type="none" w="med" len="med"/>
+                      <a:tailEnd type="none" w="med" len="med"/>
+                    </a:lnT>
+                    <a:lnB w="12700" cap="flat" cmpd="sng" algn="ctr">
+                      <a:solidFill>
+                        <a:srgbClr val="000000"/>
+                      </a:solidFill>
+                      <a:prstDash val="solid"/>
+                      <a:round/>
+                      <a:headEnd type="none" w="med" len="med"/>
+                      <a:tailEnd type="none" w="med" len="med"/>
+                    </a:lnB>
+                    <a:solidFill>
+                      <a:srgbClr val="FFFFFF"/>
+                    </a:solidFill>
+                  </a:tcPr>
+                </a:tc>
+                <a:tc>
+                  <a:txBody>
+                    <a:bodyPr/>
+                    <a:lstStyle/>
+                    <a:p>
+                      <a:pPr marL="0" marR="0">
+                        <a:spcBef>
+                          <a:spcPts val="0"/>
+                        </a:spcBef>
+                        <a:spcAft>
+                          <a:spcPts val="0"/>
+                        </a:spcAft>
+                      </a:pPr>
+                      <a:r>
+                        <a:rPr lang="en-US" sz="1800">
+                          <a:solidFill>
+                            <a:srgbClr val="000000"/>
+                          </a:solidFill>
+                          <a:effectLst/>
+                          <a:latin typeface="Calibri" charset="0"/>
+                          <a:ea typeface="Times New Roman" charset="0"/>
+                          <a:cs typeface="Times New Roman" charset="0"/>
+                        </a:rPr>
+                        <a:t>Love to eat.</a:t>
+                      </a:r>
+                      <a:endParaRPr lang="en-US" sz="1800">
+                        <a:effectLst/>
+                        <a:latin typeface="Calibri" charset="0"/>
+                        <a:ea typeface="Calibri" charset="0"/>
+                        <a:cs typeface="Times New Roman" charset="0"/>
+                      </a:endParaRPr>
+                    </a:p>
+                  </a:txBody>
+                  <a:tcPr marL="68580" marR="68580" marT="0" marB="0" anchor="b">
+                    <a:lnL w="12700" cap="flat" cmpd="sng" algn="ctr">
+                      <a:solidFill>
+                        <a:srgbClr val="000000"/>
+                      </a:solidFill>
+                      <a:prstDash val="solid"/>
+                      <a:round/>
+                      <a:headEnd type="none" w="med" len="med"/>
+                      <a:tailEnd type="none" w="med" len="med"/>
+                    </a:lnL>
+                    <a:lnR w="12700" cap="flat" cmpd="sng" algn="ctr">
+                      <a:solidFill>
+                        <a:srgbClr val="000000"/>
+                      </a:solidFill>
+                      <a:prstDash val="solid"/>
+                      <a:round/>
+                      <a:headEnd type="none" w="med" len="med"/>
+                      <a:tailEnd type="none" w="med" len="med"/>
+                    </a:lnR>
+                    <a:lnT w="12700" cap="flat" cmpd="sng" algn="ctr">
+                      <a:solidFill>
+                        <a:srgbClr val="000000"/>
+                      </a:solidFill>
+                      <a:prstDash val="solid"/>
+                      <a:round/>
+                      <a:headEnd type="none" w="med" len="med"/>
+                      <a:tailEnd type="none" w="med" len="med"/>
+                    </a:lnT>
+                    <a:lnB w="12700" cap="flat" cmpd="sng" algn="ctr">
+                      <a:solidFill>
+                        <a:srgbClr val="000000"/>
+                      </a:solidFill>
+                      <a:prstDash val="solid"/>
+                      <a:round/>
+                      <a:headEnd type="none" w="med" len="med"/>
+                      <a:tailEnd type="none" w="med" len="med"/>
+                    </a:lnB>
+                    <a:solidFill>
+                      <a:srgbClr val="FFFFFF"/>
+                    </a:solidFill>
+                  </a:tcPr>
+                </a:tc>
+              </a:tr>
+              <a:tr h="365374">
+                <a:tc>
+                  <a:txBody>
+                    <a:bodyPr/>
+                    <a:lstStyle/>
+                    <a:p>
+                      <a:pPr marL="0" marR="0">
+                        <a:spcBef>
+                          <a:spcPts val="0"/>
+                        </a:spcBef>
+                        <a:spcAft>
+                          <a:spcPts val="0"/>
+                        </a:spcAft>
+                      </a:pPr>
+                      <a:r>
+                        <a:rPr lang="en-US" sz="1800">
+                          <a:solidFill>
+                            <a:srgbClr val="000000"/>
+                          </a:solidFill>
+                          <a:effectLst/>
+                          <a:latin typeface="Calibri" charset="0"/>
+                          <a:ea typeface="Times New Roman" charset="0"/>
+                          <a:cs typeface="Times New Roman" charset="0"/>
+                        </a:rPr>
+                        <a:t>Boast about my virtues.</a:t>
+                      </a:r>
+                      <a:endParaRPr lang="en-US" sz="1800">
+                        <a:effectLst/>
+                        <a:latin typeface="Calibri" charset="0"/>
+                        <a:ea typeface="Calibri" charset="0"/>
+                        <a:cs typeface="Times New Roman" charset="0"/>
+                      </a:endParaRPr>
+                    </a:p>
+                  </a:txBody>
+                  <a:tcPr marL="68580" marR="68580" marT="0" marB="0" anchor="b">
+                    <a:lnL w="12700" cap="flat" cmpd="sng" algn="ctr">
+                      <a:solidFill>
+                        <a:srgbClr val="000000"/>
+                      </a:solidFill>
+                      <a:prstDash val="solid"/>
+                      <a:round/>
+                      <a:headEnd type="none" w="med" len="med"/>
+                      <a:tailEnd type="none" w="med" len="med"/>
+                    </a:lnL>
+                    <a:lnR w="12700" cap="flat" cmpd="sng" algn="ctr">
+                      <a:solidFill>
+                        <a:srgbClr val="000000"/>
+                      </a:solidFill>
+                      <a:prstDash val="solid"/>
+                      <a:round/>
+                      <a:headEnd type="none" w="med" len="med"/>
+                      <a:tailEnd type="none" w="med" len="med"/>
+                    </a:lnR>
+                    <a:lnT w="12700" cap="flat" cmpd="sng" algn="ctr">
+                      <a:solidFill>
+                        <a:srgbClr val="000000"/>
+                      </a:solidFill>
+                      <a:prstDash val="solid"/>
+                      <a:round/>
+                      <a:headEnd type="none" w="med" len="med"/>
+                      <a:tailEnd type="none" w="med" len="med"/>
+                    </a:lnT>
+                    <a:lnB w="12700" cap="flat" cmpd="sng" algn="ctr">
+                      <a:solidFill>
+                        <a:srgbClr val="000000"/>
+                      </a:solidFill>
+                      <a:prstDash val="solid"/>
+                      <a:round/>
+                      <a:headEnd type="none" w="med" len="med"/>
+                      <a:tailEnd type="none" w="med" len="med"/>
+                    </a:lnB>
+                    <a:solidFill>
+                      <a:srgbClr val="FFFFFF"/>
+                    </a:solidFill>
+                  </a:tcPr>
+                </a:tc>
+                <a:tc>
+                  <a:txBody>
+                    <a:bodyPr/>
+                    <a:lstStyle/>
+                    <a:p>
+                      <a:pPr marL="0" marR="0">
+                        <a:spcBef>
+                          <a:spcPts val="0"/>
+                        </a:spcBef>
+                        <a:spcAft>
+                          <a:spcPts val="0"/>
+                        </a:spcAft>
+                      </a:pPr>
+                      <a:r>
+                        <a:rPr lang="en-US" sz="1800" dirty="0">
+                          <a:solidFill>
+                            <a:srgbClr val="000000"/>
+                          </a:solidFill>
+                          <a:effectLst/>
+                          <a:latin typeface="Calibri" charset="0"/>
+                          <a:ea typeface="Times New Roman" charset="0"/>
+                          <a:cs typeface="Times New Roman" charset="0"/>
+                        </a:rPr>
+                        <a:t>Believe that we coddle criminals too much.</a:t>
+                      </a:r>
+                      <a:endParaRPr lang="en-US" sz="1800" dirty="0">
+                        <a:effectLst/>
+                        <a:latin typeface="Calibri" charset="0"/>
+                        <a:ea typeface="Calibri" charset="0"/>
+                        <a:cs typeface="Times New Roman" charset="0"/>
+                      </a:endParaRPr>
+                    </a:p>
+                  </a:txBody>
+                  <a:tcPr marL="68580" marR="68580" marT="0" marB="0" anchor="b">
+                    <a:lnL w="12700" cap="flat" cmpd="sng" algn="ctr">
+                      <a:solidFill>
+                        <a:srgbClr val="000000"/>
+                      </a:solidFill>
+                      <a:prstDash val="solid"/>
+                      <a:round/>
+                      <a:headEnd type="none" w="med" len="med"/>
+                      <a:tailEnd type="none" w="med" len="med"/>
+                    </a:lnL>
+                    <a:lnR w="12700" cap="flat" cmpd="sng" algn="ctr">
+                      <a:solidFill>
+                        <a:srgbClr val="000000"/>
+                      </a:solidFill>
+                      <a:prstDash val="solid"/>
+                      <a:round/>
+                      <a:headEnd type="none" w="med" len="med"/>
+                      <a:tailEnd type="none" w="med" len="med"/>
+                    </a:lnR>
+                    <a:lnT w="12700" cap="flat" cmpd="sng" algn="ctr">
+                      <a:solidFill>
+                        <a:srgbClr val="000000"/>
+                      </a:solidFill>
+                      <a:prstDash val="solid"/>
+                      <a:round/>
+                      <a:headEnd type="none" w="med" len="med"/>
+                      <a:tailEnd type="none" w="med" len="med"/>
+                    </a:lnT>
+                    <a:lnB w="12700" cap="flat" cmpd="sng" algn="ctr">
+                      <a:solidFill>
+                        <a:srgbClr val="000000"/>
+                      </a:solidFill>
+                      <a:prstDash val="solid"/>
+                      <a:round/>
+                      <a:headEnd type="none" w="med" len="med"/>
+                      <a:tailEnd type="none" w="med" len="med"/>
+                    </a:lnB>
+                    <a:solidFill>
+                      <a:srgbClr val="FFFFFF"/>
+                    </a:solidFill>
+                  </a:tcPr>
+                </a:tc>
+              </a:tr>
+            </a:tbl>
+          </a:graphicData>
+        </a:graphic>
+      </p:graphicFrame>
     </p:spTree>
     <p:extLst>
       <p:ext uri="{BB962C8B-B14F-4D97-AF65-F5344CB8AC3E}">
@@ -3178,232 +5321,6 @@
           <a:chExt cx="0" cy="0"/>
         </a:xfrm>
       </p:grpSpPr>
-      <p:pic>
-        <p:nvPicPr>
-          <p:cNvPr id="4" name="Picture 3"/>
-          <p:cNvPicPr>
-            <a:picLocks noChangeAspect="1"/>
-          </p:cNvPicPr>
-          <p:nvPr/>
-        </p:nvPicPr>
-        <p:blipFill>
-          <a:blip r:embed="rId2"/>
-          <a:stretch>
-            <a:fillRect/>
-          </a:stretch>
-        </p:blipFill>
-        <p:spPr>
-          <a:xfrm>
-            <a:off x="5291328" y="0"/>
-            <a:ext cx="6716631" cy="6858000"/>
-          </a:xfrm>
-          <a:prstGeom prst="rect">
-            <a:avLst/>
-          </a:prstGeom>
-        </p:spPr>
-      </p:pic>
-      <p:sp>
-        <p:nvSpPr>
-          <p:cNvPr id="5" name="TextBox 4"/>
-          <p:cNvSpPr txBox="1"/>
-          <p:nvPr/>
-        </p:nvSpPr>
-        <p:spPr>
-          <a:xfrm>
-            <a:off x="250415" y="0"/>
-            <a:ext cx="5516401" cy="7632859"/>
-          </a:xfrm>
-          <a:prstGeom prst="rect">
-            <a:avLst/>
-          </a:prstGeom>
-          <a:noFill/>
-        </p:spPr>
-        <p:txBody>
-          <a:bodyPr wrap="square" rtlCol="0">
-            <a:spAutoFit/>
-          </a:bodyPr>
-          <a:lstStyle/>
-          <a:p>
-            <a:r>
-              <a:rPr lang="en-US" dirty="0" smtClean="0"/>
-              <a:t>Big 5 personality traits:</a:t>
-            </a:r>
-          </a:p>
-          <a:p>
-            <a:endParaRPr lang="en-US" dirty="0" smtClean="0"/>
-          </a:p>
-          <a:p>
-            <a:r>
-              <a:rPr lang="en-US" b="1" dirty="0" smtClean="0"/>
-              <a:t>Neuroticism</a:t>
-            </a:r>
-          </a:p>
-          <a:p>
-            <a:r>
-              <a:rPr lang="en-US" sz="1200" dirty="0" smtClean="0"/>
-              <a:t>Neuroticism is a trait characterized by sadness, moodiness, and emotional instability. Individuals who are high in this trait tend to experience mood swings, anxiety, irritability and sadness. Those low in this trait tend to be more stable and emotionally resilient.</a:t>
-            </a:r>
-            <a:r>
-              <a:rPr lang="en-US" sz="1200" u="sng" dirty="0" smtClean="0"/>
-              <a:t> </a:t>
-            </a:r>
-            <a:r>
-              <a:rPr lang="en-US" dirty="0" smtClean="0"/>
-              <a:t/>
-            </a:r>
-            <a:br>
-              <a:rPr lang="en-US" dirty="0" smtClean="0"/>
-            </a:br>
-            <a:r>
-              <a:rPr lang="en-US" b="1" dirty="0" smtClean="0"/>
-              <a:t>Agreeableness</a:t>
-            </a:r>
-          </a:p>
-          <a:p>
-            <a:r>
-              <a:rPr lang="en-US" sz="1200" dirty="0" smtClean="0"/>
-              <a:t>This personality dimension includes attributes such as trust, altruism, </a:t>
-            </a:r>
-            <a:r>
-              <a:rPr lang="en-US" sz="1200" dirty="0" smtClean="0">
-                <a:hlinkClick r:id="rId3"/>
-              </a:rPr>
-              <a:t>altruism</a:t>
-            </a:r>
-            <a:r>
-              <a:rPr lang="en-US" sz="1200" dirty="0" smtClean="0"/>
-              <a:t>, kindness, affection, and other prosocial behaviors. People who are high in agreeableness tend to be more cooperative while those low in this trait tend to be more competitive and even manipulative.</a:t>
-            </a:r>
-          </a:p>
-          <a:p>
-            <a:endParaRPr lang="en-US" sz="1200" dirty="0" smtClean="0"/>
-          </a:p>
-          <a:p>
-            <a:r>
-              <a:rPr lang="en-US" b="1" dirty="0" smtClean="0"/>
-              <a:t>Extraversion</a:t>
-            </a:r>
-          </a:p>
-          <a:p>
-            <a:r>
-              <a:rPr lang="en-US" sz="1200" dirty="0" smtClean="0"/>
-              <a:t>Extraversion</a:t>
-            </a:r>
-            <a:r>
-              <a:rPr lang="en-US" sz="1200" b="1" dirty="0" smtClean="0"/>
-              <a:t> </a:t>
-            </a:r>
-            <a:r>
-              <a:rPr lang="en-US" sz="1200" dirty="0" smtClean="0"/>
-              <a:t> is characterized by excitability, sociability, talkativeness, assertiveness, and high amounts of emotional expressiveness. People who are high in extraversion are outgoing and tend to gain energy in social situations. People who are low in extraversion (or introverted) tend to be more reserved and have to expend energy in social settings</a:t>
-            </a:r>
-          </a:p>
-          <a:p>
-            <a:endParaRPr lang="en-US" sz="1200" dirty="0" smtClean="0"/>
-          </a:p>
-          <a:p>
-            <a:r>
-              <a:rPr lang="en-US" b="1" dirty="0" smtClean="0"/>
-              <a:t>Conscientiousness</a:t>
-            </a:r>
-          </a:p>
-          <a:p>
-            <a:r>
-              <a:rPr lang="en-US" sz="1200" dirty="0" smtClean="0"/>
-              <a:t>Standard features of this dimension include high levels of thoughtfulness, with good impulse control and goal-directed behaviors. Highly conscientiousness tend to be organized and mindful of details</a:t>
-            </a:r>
-            <a:r>
-              <a:rPr lang="en-US" dirty="0" smtClean="0"/>
-              <a:t>.</a:t>
-            </a:r>
-          </a:p>
-          <a:p>
-            <a:endParaRPr lang="en-US" dirty="0" smtClean="0"/>
-          </a:p>
-          <a:p>
-            <a:r>
-              <a:rPr lang="en-US" b="1" dirty="0"/>
-              <a:t>Openness</a:t>
-            </a:r>
-          </a:p>
-          <a:p>
-            <a:r>
-              <a:rPr lang="en-US" sz="1200" dirty="0"/>
-              <a:t>This trait features characteristics such as imagination and insight, and those high in this trait also tend to have a broad range of interests. People who are high in this trait tend to be more adventurous and </a:t>
-            </a:r>
-            <a:r>
-              <a:rPr lang="en-US" sz="1200" u="sng" dirty="0">
-                <a:hlinkClick r:id="rId4"/>
-              </a:rPr>
-              <a:t>creative</a:t>
-            </a:r>
-            <a:r>
-              <a:rPr lang="en-US" sz="1200" dirty="0"/>
-              <a:t>. People low in this trait are often much more traditional and may struggle with abstract thinking</a:t>
-            </a:r>
-            <a:r>
-              <a:rPr lang="en-US" sz="1200" dirty="0" smtClean="0"/>
-              <a:t>.</a:t>
-            </a:r>
-          </a:p>
-          <a:p>
-            <a:endParaRPr lang="en-US" dirty="0" smtClean="0"/>
-          </a:p>
-          <a:p>
-            <a:endParaRPr lang="en-US" dirty="0" smtClean="0"/>
-          </a:p>
-          <a:p>
-            <a:r>
-              <a:rPr lang="en-US" sz="1200" dirty="0" smtClean="0"/>
-              <a:t>.</a:t>
-            </a:r>
-            <a:endParaRPr lang="en-US" dirty="0"/>
-          </a:p>
-          <a:p>
-            <a:endParaRPr lang="en-US" dirty="0" smtClean="0"/>
-          </a:p>
-          <a:p>
-            <a:endParaRPr lang="en-US" sz="1400" dirty="0"/>
-          </a:p>
-        </p:txBody>
-      </p:sp>
-    </p:spTree>
-    <p:extLst>
-      <p:ext uri="{BB962C8B-B14F-4D97-AF65-F5344CB8AC3E}">
-        <p14:creationId xmlns:p14="http://schemas.microsoft.com/office/powerpoint/2010/main" val="156109984"/>
-      </p:ext>
-    </p:extLst>
-  </p:cSld>
-  <p:clrMapOvr>
-    <a:masterClrMapping/>
-  </p:clrMapOvr>
-  <p:timing>
-    <p:tnLst>
-      <p:par>
-        <p:cTn id="1" dur="indefinite" restart="never" nodeType="tmRoot"/>
-      </p:par>
-    </p:tnLst>
-  </p:timing>
-</p:sld>
-</file>
-
-<file path=ppt/slides/slide4.xml><?xml version="1.0" encoding="utf-8"?>
-<p:sld xmlns:a="http://schemas.openxmlformats.org/drawingml/2006/main" xmlns:r="http://schemas.openxmlformats.org/officeDocument/2006/relationships" xmlns:p="http://schemas.openxmlformats.org/presentationml/2006/main">
-  <p:cSld>
-    <p:spTree>
-      <p:nvGrpSpPr>
-        <p:cNvPr id="1" name=""/>
-        <p:cNvGrpSpPr/>
-        <p:nvPr/>
-      </p:nvGrpSpPr>
-      <p:grpSpPr>
-        <a:xfrm>
-          <a:off x="0" y="0"/>
-          <a:ext cx="0" cy="0"/>
-          <a:chOff x="0" y="0"/>
-          <a:chExt cx="0" cy="0"/>
-        </a:xfrm>
-      </p:grpSpPr>
       <p:sp>
         <p:nvSpPr>
           <p:cNvPr id="2" name="Title 1"/>
@@ -3422,11 +5339,7 @@
             <a:pPr algn="ctr"/>
             <a:r>
               <a:rPr lang="en-US" dirty="0" smtClean="0"/>
-              <a:t>Goal: 60 Q’s per Trait -&gt; Less than</a:t>
-            </a:r>
-            <a:r>
-              <a:rPr lang="en-US" dirty="0" smtClean="0"/>
-              <a:t> 10 Q’s per Trait</a:t>
+              <a:t>Goal: 60 Q’s per Trait -&gt; Less than 10 Q’s per Trait</a:t>
             </a:r>
             <a:endParaRPr lang="en-US" dirty="0"/>
           </a:p>
@@ -3712,7 +5625,10 @@
           <a:prstGeom prst="straightConnector1">
             <a:avLst/>
           </a:prstGeom>
-          <a:ln>
+          <a:ln w="41275">
+            <a:solidFill>
+              <a:schemeClr val="accent2"/>
+            </a:solidFill>
             <a:tailEnd type="triangle"/>
           </a:ln>
         </p:spPr>
@@ -3747,7 +5663,10 @@
           <a:prstGeom prst="straightConnector1">
             <a:avLst/>
           </a:prstGeom>
-          <a:ln>
+          <a:ln w="41275">
+            <a:solidFill>
+              <a:schemeClr val="accent2"/>
+            </a:solidFill>
             <a:tailEnd type="triangle"/>
           </a:ln>
         </p:spPr>
@@ -3780,7 +5699,10 @@
           <a:prstGeom prst="straightConnector1">
             <a:avLst/>
           </a:prstGeom>
-          <a:ln>
+          <a:ln w="41275">
+            <a:solidFill>
+              <a:schemeClr val="accent2"/>
+            </a:solidFill>
             <a:tailEnd type="triangle"/>
           </a:ln>
         </p:spPr>
@@ -3815,7 +5737,10 @@
           <a:prstGeom prst="straightConnector1">
             <a:avLst/>
           </a:prstGeom>
-          <a:ln>
+          <a:ln w="41275">
+            <a:solidFill>
+              <a:schemeClr val="accent2"/>
+            </a:solidFill>
             <a:tailEnd type="triangle"/>
           </a:ln>
         </p:spPr>
@@ -3848,7 +5773,10 @@
           <a:prstGeom prst="straightConnector1">
             <a:avLst/>
           </a:prstGeom>
-          <a:ln>
+          <a:ln w="41275">
+            <a:solidFill>
+              <a:schemeClr val="accent2"/>
+            </a:solidFill>
             <a:tailEnd type="triangle"/>
           </a:ln>
         </p:spPr>
@@ -4037,11 +5965,7 @@
             <a:pPr algn="ctr"/>
             <a:r>
               <a:rPr lang="en-US" smtClean="0"/>
-              <a:t>Facet </a:t>
-            </a:r>
-            <a:r>
-              <a:rPr lang="en-US" smtClean="0"/>
-              <a:t>4</a:t>
+              <a:t>Facet 4</a:t>
             </a:r>
             <a:endParaRPr lang="en-US" dirty="0"/>
           </a:p>
@@ -4091,7 +6015,6 @@
               <a:rPr lang="en-US" dirty="0"/>
               <a:t>5</a:t>
             </a:r>
-            <a:endParaRPr lang="en-US" dirty="0"/>
           </a:p>
         </p:txBody>
       </p:sp>
@@ -4109,7 +6032,10 @@
           <a:prstGeom prst="straightConnector1">
             <a:avLst/>
           </a:prstGeom>
-          <a:ln>
+          <a:ln w="38100">
+            <a:solidFill>
+              <a:schemeClr val="accent2"/>
+            </a:solidFill>
             <a:tailEnd type="triangle"/>
           </a:ln>
         </p:spPr>
@@ -4142,7 +6068,10 @@
           <a:prstGeom prst="straightConnector1">
             <a:avLst/>
           </a:prstGeom>
-          <a:ln>
+          <a:ln w="38100">
+            <a:solidFill>
+              <a:schemeClr val="accent2"/>
+            </a:solidFill>
             <a:tailEnd type="triangle"/>
           </a:ln>
         </p:spPr>
@@ -4175,7 +6104,10 @@
           <a:prstGeom prst="straightConnector1">
             <a:avLst/>
           </a:prstGeom>
-          <a:ln>
+          <a:ln w="38100">
+            <a:solidFill>
+              <a:schemeClr val="accent2"/>
+            </a:solidFill>
             <a:tailEnd type="triangle"/>
           </a:ln>
         </p:spPr>
@@ -4208,7 +6140,10 @@
           <a:prstGeom prst="straightConnector1">
             <a:avLst/>
           </a:prstGeom>
-          <a:ln>
+          <a:ln w="38100">
+            <a:solidFill>
+              <a:schemeClr val="accent2"/>
+            </a:solidFill>
             <a:tailEnd type="triangle"/>
           </a:ln>
         </p:spPr>
@@ -4241,7 +6176,10 @@
           <a:prstGeom prst="straightConnector1">
             <a:avLst/>
           </a:prstGeom>
-          <a:ln>
+          <a:ln w="38100">
+            <a:solidFill>
+              <a:schemeClr val="accent2"/>
+            </a:solidFill>
             <a:tailEnd type="triangle"/>
           </a:ln>
         </p:spPr>
@@ -4442,11 +6380,7 @@
             <a:pPr algn="ctr"/>
             <a:r>
               <a:rPr lang="en-US" dirty="0" smtClean="0"/>
-              <a:t>Question</a:t>
-            </a:r>
-            <a:r>
-              <a:rPr lang="en-US" dirty="0" smtClean="0"/>
-              <a:t>4</a:t>
+              <a:t>Question4</a:t>
             </a:r>
             <a:endParaRPr lang="en-US" dirty="0"/>
           </a:p>
@@ -4513,7 +6447,10 @@
           <a:prstGeom prst="straightConnector1">
             <a:avLst/>
           </a:prstGeom>
-          <a:ln>
+          <a:ln w="34925">
+            <a:solidFill>
+              <a:schemeClr val="accent2"/>
+            </a:solidFill>
             <a:tailEnd type="triangle"/>
           </a:ln>
         </p:spPr>
@@ -4546,7 +6483,10 @@
           <a:prstGeom prst="straightConnector1">
             <a:avLst/>
           </a:prstGeom>
-          <a:ln>
+          <a:ln w="34925">
+            <a:solidFill>
+              <a:schemeClr val="accent2"/>
+            </a:solidFill>
             <a:tailEnd type="triangle"/>
           </a:ln>
         </p:spPr>
@@ -4579,7 +6519,10 @@
           <a:prstGeom prst="straightConnector1">
             <a:avLst/>
           </a:prstGeom>
-          <a:ln>
+          <a:ln w="34925">
+            <a:solidFill>
+              <a:schemeClr val="accent2"/>
+            </a:solidFill>
             <a:tailEnd type="triangle"/>
           </a:ln>
         </p:spPr>
@@ -4612,7 +6555,10 @@
           <a:prstGeom prst="straightConnector1">
             <a:avLst/>
           </a:prstGeom>
-          <a:ln>
+          <a:ln w="34925">
+            <a:solidFill>
+              <a:schemeClr val="accent2"/>
+            </a:solidFill>
             <a:tailEnd type="triangle"/>
           </a:ln>
         </p:spPr>
@@ -4645,7 +6591,10 @@
           <a:prstGeom prst="straightConnector1">
             <a:avLst/>
           </a:prstGeom>
-          <a:ln>
+          <a:ln w="34925">
+            <a:solidFill>
+              <a:schemeClr val="accent2"/>
+            </a:solidFill>
             <a:tailEnd type="triangle"/>
           </a:ln>
         </p:spPr>
@@ -4684,6 +6633,445 @@
 </p:sld>
 </file>
 
+<file path=ppt/slides/slide4.xml><?xml version="1.0" encoding="utf-8"?>
+<p:sld xmlns:a="http://schemas.openxmlformats.org/drawingml/2006/main" xmlns:r="http://schemas.openxmlformats.org/officeDocument/2006/relationships" xmlns:p="http://schemas.openxmlformats.org/presentationml/2006/main">
+  <p:cSld>
+    <p:spTree>
+      <p:nvGrpSpPr>
+        <p:cNvPr id="1" name=""/>
+        <p:cNvGrpSpPr/>
+        <p:nvPr/>
+      </p:nvGrpSpPr>
+      <p:grpSpPr>
+        <a:xfrm>
+          <a:off x="0" y="0"/>
+          <a:ext cx="0" cy="0"/>
+          <a:chOff x="0" y="0"/>
+          <a:chExt cx="0" cy="0"/>
+        </a:xfrm>
+      </p:grpSpPr>
+      <p:pic>
+        <p:nvPicPr>
+          <p:cNvPr id="6" name="Picture 5"/>
+          <p:cNvPicPr>
+            <a:picLocks noChangeAspect="1"/>
+          </p:cNvPicPr>
+          <p:nvPr/>
+        </p:nvPicPr>
+        <p:blipFill>
+          <a:blip r:embed="rId3"/>
+          <a:stretch>
+            <a:fillRect/>
+          </a:stretch>
+        </p:blipFill>
+        <p:spPr>
+          <a:xfrm>
+            <a:off x="467092" y="3948244"/>
+            <a:ext cx="3304032" cy="2909756"/>
+          </a:xfrm>
+          <a:prstGeom prst="rect">
+            <a:avLst/>
+          </a:prstGeom>
+        </p:spPr>
+      </p:pic>
+      <p:pic>
+        <p:nvPicPr>
+          <p:cNvPr id="7" name="Content Placeholder 3"/>
+          <p:cNvPicPr>
+            <a:picLocks noChangeAspect="1"/>
+          </p:cNvPicPr>
+          <p:nvPr/>
+        </p:nvPicPr>
+        <p:blipFill>
+          <a:blip r:embed="rId4"/>
+          <a:stretch>
+            <a:fillRect/>
+          </a:stretch>
+        </p:blipFill>
+        <p:spPr>
+          <a:xfrm>
+            <a:off x="3987800" y="3948244"/>
+            <a:ext cx="3480607" cy="2909756"/>
+          </a:xfrm>
+          <a:prstGeom prst="rect">
+            <a:avLst/>
+          </a:prstGeom>
+        </p:spPr>
+      </p:pic>
+      <p:pic>
+        <p:nvPicPr>
+          <p:cNvPr id="3" name="Picture 2"/>
+          <p:cNvPicPr>
+            <a:picLocks noChangeAspect="1"/>
+          </p:cNvPicPr>
+          <p:nvPr/>
+        </p:nvPicPr>
+        <p:blipFill>
+          <a:blip r:embed="rId5"/>
+          <a:stretch>
+            <a:fillRect/>
+          </a:stretch>
+        </p:blipFill>
+        <p:spPr>
+          <a:xfrm>
+            <a:off x="7722003" y="3951060"/>
+            <a:ext cx="3238605" cy="2906940"/>
+          </a:xfrm>
+          <a:prstGeom prst="rect">
+            <a:avLst/>
+          </a:prstGeom>
+        </p:spPr>
+      </p:pic>
+      <p:sp>
+        <p:nvSpPr>
+          <p:cNvPr id="5" name="TextBox 4"/>
+          <p:cNvSpPr txBox="1"/>
+          <p:nvPr/>
+        </p:nvSpPr>
+        <p:spPr>
+          <a:xfrm>
+            <a:off x="250415" y="1"/>
+            <a:ext cx="11941585" cy="5201424"/>
+          </a:xfrm>
+          <a:prstGeom prst="rect">
+            <a:avLst/>
+          </a:prstGeom>
+          <a:noFill/>
+        </p:spPr>
+        <p:txBody>
+          <a:bodyPr wrap="square" rtlCol="0">
+            <a:spAutoFit/>
+          </a:bodyPr>
+          <a:lstStyle/>
+          <a:p>
+            <a:r>
+              <a:rPr lang="en-US" dirty="0" smtClean="0">
+                <a:solidFill>
+                  <a:schemeClr val="bg1">
+                    <a:lumMod val="95000"/>
+                  </a:schemeClr>
+                </a:solidFill>
+              </a:rPr>
+              <a:t>Big 5 personality traits</a:t>
+            </a:r>
+            <a:r>
+              <a:rPr lang="en-US" dirty="0" smtClean="0">
+                <a:solidFill>
+                  <a:schemeClr val="bg1">
+                    <a:lumMod val="95000"/>
+                  </a:schemeClr>
+                </a:solidFill>
+              </a:rPr>
+              <a:t>:</a:t>
+            </a:r>
+          </a:p>
+          <a:p>
+            <a:endParaRPr lang="en-US" dirty="0" smtClean="0">
+              <a:solidFill>
+                <a:schemeClr val="bg1">
+                  <a:lumMod val="95000"/>
+                </a:schemeClr>
+              </a:solidFill>
+            </a:endParaRPr>
+          </a:p>
+          <a:p>
+            <a:r>
+              <a:rPr lang="en-US" b="1" dirty="0" smtClean="0">
+                <a:solidFill>
+                  <a:schemeClr val="bg1">
+                    <a:lumMod val="95000"/>
+                  </a:schemeClr>
+                </a:solidFill>
+              </a:rPr>
+              <a:t>Neuroticism</a:t>
+            </a:r>
+          </a:p>
+          <a:p>
+            <a:r>
+              <a:rPr lang="en-US" sz="1200" dirty="0" smtClean="0">
+                <a:solidFill>
+                  <a:schemeClr val="bg1">
+                    <a:lumMod val="95000"/>
+                  </a:schemeClr>
+                </a:solidFill>
+              </a:rPr>
+              <a:t>Neuroticism is a trait characterized by sadness, moodiness, and emotional instability. Individuals who are high in this trait tend to experience mood swings, anxiety, irritability and sadness. Those low in this trait tend to be more stable and emotionally resilient.</a:t>
+            </a:r>
+            <a:r>
+              <a:rPr lang="en-US" sz="1200" u="sng" dirty="0" smtClean="0">
+                <a:solidFill>
+                  <a:schemeClr val="bg1">
+                    <a:lumMod val="95000"/>
+                  </a:schemeClr>
+                </a:solidFill>
+              </a:rPr>
+              <a:t> </a:t>
+            </a:r>
+            <a:r>
+              <a:rPr lang="en-US" dirty="0" smtClean="0">
+                <a:solidFill>
+                  <a:schemeClr val="bg1">
+                    <a:lumMod val="95000"/>
+                  </a:schemeClr>
+                </a:solidFill>
+              </a:rPr>
+              <a:t/>
+            </a:r>
+            <a:br>
+              <a:rPr lang="en-US" dirty="0" smtClean="0">
+                <a:solidFill>
+                  <a:schemeClr val="bg1">
+                    <a:lumMod val="95000"/>
+                  </a:schemeClr>
+                </a:solidFill>
+              </a:rPr>
+            </a:br>
+            <a:r>
+              <a:rPr lang="en-US" b="1" dirty="0" smtClean="0">
+                <a:solidFill>
+                  <a:schemeClr val="bg1">
+                    <a:lumMod val="95000"/>
+                  </a:schemeClr>
+                </a:solidFill>
+              </a:rPr>
+              <a:t>Agreeableness</a:t>
+            </a:r>
+          </a:p>
+          <a:p>
+            <a:r>
+              <a:rPr lang="en-US" sz="1200" dirty="0" smtClean="0">
+                <a:solidFill>
+                  <a:schemeClr val="bg1">
+                    <a:lumMod val="95000"/>
+                  </a:schemeClr>
+                </a:solidFill>
+              </a:rPr>
+              <a:t>This personality dimension includes attributes such as trust, altruism, </a:t>
+            </a:r>
+            <a:r>
+              <a:rPr lang="en-US" sz="1200" dirty="0" smtClean="0">
+                <a:solidFill>
+                  <a:schemeClr val="bg1">
+                    <a:lumMod val="95000"/>
+                  </a:schemeClr>
+                </a:solidFill>
+              </a:rPr>
+              <a:t> </a:t>
+            </a:r>
+            <a:r>
+              <a:rPr lang="en-US" sz="1200" dirty="0" smtClean="0">
+                <a:solidFill>
+                  <a:schemeClr val="bg1">
+                    <a:lumMod val="95000"/>
+                  </a:schemeClr>
+                </a:solidFill>
+              </a:rPr>
+              <a:t>kindness, affection, and other prosocial behaviors. People who are high in agreeableness tend to be more cooperative while those low in this trait tend to be more competitive and even manipulative.</a:t>
+            </a:r>
+          </a:p>
+          <a:p>
+            <a:r>
+              <a:rPr lang="en-US" b="1" dirty="0" smtClean="0">
+                <a:solidFill>
+                  <a:schemeClr val="bg1">
+                    <a:lumMod val="95000"/>
+                  </a:schemeClr>
+                </a:solidFill>
+              </a:rPr>
+              <a:t>Extraversion</a:t>
+            </a:r>
+          </a:p>
+          <a:p>
+            <a:r>
+              <a:rPr lang="en-US" sz="1200" dirty="0" smtClean="0">
+                <a:solidFill>
+                  <a:schemeClr val="bg1">
+                    <a:lumMod val="95000"/>
+                  </a:schemeClr>
+                </a:solidFill>
+              </a:rPr>
+              <a:t>Extraversion</a:t>
+            </a:r>
+            <a:r>
+              <a:rPr lang="en-US" sz="1200" b="1" dirty="0" smtClean="0">
+                <a:solidFill>
+                  <a:schemeClr val="bg1">
+                    <a:lumMod val="95000"/>
+                  </a:schemeClr>
+                </a:solidFill>
+              </a:rPr>
+              <a:t> </a:t>
+            </a:r>
+            <a:r>
+              <a:rPr lang="en-US" sz="1200" dirty="0" smtClean="0">
+                <a:solidFill>
+                  <a:schemeClr val="bg1">
+                    <a:lumMod val="95000"/>
+                  </a:schemeClr>
+                </a:solidFill>
+              </a:rPr>
+              <a:t> is characterized by excitability, sociability, talkativeness, assertiveness, and high amounts of emotional expressiveness. People who are high in extraversion are outgoing and tend to gain energy in social situations. People who are low in extraversion (or introverted) tend to be more reserved and have to expend energy in social settings</a:t>
+            </a:r>
+          </a:p>
+          <a:p>
+            <a:r>
+              <a:rPr lang="en-US" b="1" dirty="0" smtClean="0">
+                <a:solidFill>
+                  <a:schemeClr val="bg1">
+                    <a:lumMod val="95000"/>
+                  </a:schemeClr>
+                </a:solidFill>
+              </a:rPr>
+              <a:t>Conscientiousness</a:t>
+            </a:r>
+          </a:p>
+          <a:p>
+            <a:r>
+              <a:rPr lang="en-US" sz="1200" dirty="0" smtClean="0">
+                <a:solidFill>
+                  <a:schemeClr val="bg1">
+                    <a:lumMod val="95000"/>
+                  </a:schemeClr>
+                </a:solidFill>
+              </a:rPr>
+              <a:t>Standard features of this dimension include high levels of thoughtfulness, with good impulse control and goal-directed behaviors. Highly conscientiousness tend to be organized and mindful of details</a:t>
+            </a:r>
+            <a:r>
+              <a:rPr lang="en-US" dirty="0" smtClean="0">
+                <a:solidFill>
+                  <a:schemeClr val="bg1">
+                    <a:lumMod val="95000"/>
+                  </a:schemeClr>
+                </a:solidFill>
+              </a:rPr>
+              <a:t>.</a:t>
+            </a:r>
+          </a:p>
+          <a:p>
+            <a:r>
+              <a:rPr lang="en-US" b="1" dirty="0">
+                <a:solidFill>
+                  <a:schemeClr val="bg1">
+                    <a:lumMod val="95000"/>
+                  </a:schemeClr>
+                </a:solidFill>
+              </a:rPr>
+              <a:t>Openness</a:t>
+            </a:r>
+          </a:p>
+          <a:p>
+            <a:r>
+              <a:rPr lang="en-US" sz="1200" dirty="0">
+                <a:solidFill>
+                  <a:schemeClr val="bg1">
+                    <a:lumMod val="95000"/>
+                  </a:schemeClr>
+                </a:solidFill>
+              </a:rPr>
+              <a:t>This trait features characteristics such as imagination and insight, and those high in this trait also tend to have a broad range of interests. People who are high in this trait tend to be more adventurous </a:t>
+            </a:r>
+            <a:r>
+              <a:rPr lang="en-US" sz="1200" dirty="0" smtClean="0">
+                <a:solidFill>
+                  <a:schemeClr val="bg1">
+                    <a:lumMod val="95000"/>
+                  </a:schemeClr>
+                </a:solidFill>
+              </a:rPr>
+              <a:t>and</a:t>
+            </a:r>
+            <a:r>
+              <a:rPr lang="en-US" sz="1200" dirty="0">
+                <a:solidFill>
+                  <a:schemeClr val="bg1">
+                    <a:lumMod val="95000"/>
+                  </a:schemeClr>
+                </a:solidFill>
+              </a:rPr>
+              <a:t> </a:t>
+            </a:r>
+            <a:r>
+              <a:rPr lang="en-US" sz="1200" dirty="0" smtClean="0">
+                <a:solidFill>
+                  <a:schemeClr val="bg1">
+                    <a:lumMod val="95000"/>
+                  </a:schemeClr>
+                </a:solidFill>
+              </a:rPr>
+              <a:t>creative</a:t>
+            </a:r>
+            <a:r>
+              <a:rPr lang="en-US" sz="1200" dirty="0" smtClean="0">
+                <a:solidFill>
+                  <a:schemeClr val="bg1">
+                    <a:lumMod val="95000"/>
+                  </a:schemeClr>
+                </a:solidFill>
+              </a:rPr>
+              <a:t>. </a:t>
+            </a:r>
+            <a:r>
+              <a:rPr lang="en-US" sz="1200" dirty="0">
+                <a:solidFill>
+                  <a:schemeClr val="bg1">
+                    <a:lumMod val="95000"/>
+                  </a:schemeClr>
+                </a:solidFill>
+              </a:rPr>
+              <a:t>People low in this trait are often much more traditional and may struggle with abstract thinking</a:t>
+            </a:r>
+            <a:r>
+              <a:rPr lang="en-US" sz="1200" dirty="0" smtClean="0">
+                <a:solidFill>
+                  <a:schemeClr val="bg1">
+                    <a:lumMod val="95000"/>
+                  </a:schemeClr>
+                </a:solidFill>
+              </a:rPr>
+              <a:t>.</a:t>
+            </a:r>
+          </a:p>
+          <a:p>
+            <a:endParaRPr lang="en-US" dirty="0" smtClean="0"/>
+          </a:p>
+          <a:p>
+            <a:endParaRPr lang="en-US" dirty="0" smtClean="0"/>
+          </a:p>
+          <a:p>
+            <a:r>
+              <a:rPr lang="en-US" sz="1200" dirty="0" smtClean="0"/>
+              <a:t>.</a:t>
+            </a:r>
+            <a:endParaRPr lang="en-US" dirty="0"/>
+          </a:p>
+          <a:p>
+            <a:endParaRPr lang="en-US" dirty="0" smtClean="0"/>
+          </a:p>
+          <a:p>
+            <a:endParaRPr lang="en-US" sz="1400" dirty="0"/>
+          </a:p>
+        </p:txBody>
+      </p:sp>
+    </p:spTree>
+    <p:extLst>
+      <p:ext uri="{BB962C8B-B14F-4D97-AF65-F5344CB8AC3E}">
+        <p14:creationId xmlns:p14="http://schemas.microsoft.com/office/powerpoint/2010/main" val="156109984"/>
+      </p:ext>
+    </p:extLst>
+  </p:cSld>
+  <p:clrMapOvr>
+    <a:masterClrMapping/>
+  </p:clrMapOvr>
+  <p:timing>
+    <p:tnLst>
+      <p:par>
+        <p:cTn id="1" dur="indefinite" restart="never" nodeType="tmRoot"/>
+      </p:par>
+    </p:tnLst>
+  </p:timing>
+</p:sld>
+</file>
+
 <file path=ppt/slides/slide5.xml><?xml version="1.0" encoding="utf-8"?>
 <p:sld xmlns:a="http://schemas.openxmlformats.org/drawingml/2006/main" xmlns:r="http://schemas.openxmlformats.org/officeDocument/2006/relationships" xmlns:p="http://schemas.openxmlformats.org/presentationml/2006/main">
   <p:cSld>
@@ -4703,79 +7091,42 @@
       </p:grpSpPr>
       <p:sp>
         <p:nvSpPr>
-          <p:cNvPr id="3" name="Content Placeholder 2"/>
+          <p:cNvPr id="2" name="Title 1"/>
           <p:cNvSpPr>
             <a:spLocks noGrp="1"/>
           </p:cNvSpPr>
           <p:nvPr>
-            <p:ph idx="1"/>
+            <p:ph type="title"/>
           </p:nvPr>
         </p:nvSpPr>
-        <p:spPr>
-          <a:xfrm>
-            <a:off x="5117592" y="780287"/>
-            <a:ext cx="6806184" cy="3445955"/>
-          </a:xfrm>
-        </p:spPr>
+        <p:spPr/>
         <p:txBody>
           <a:bodyPr/>
           <a:lstStyle/>
           <a:p>
             <a:r>
-              <a:rPr lang="en-US" dirty="0" smtClean="0"/>
-              <a:t>Find the User Percentile in certain trait</a:t>
-            </a:r>
-          </a:p>
-          <a:p>
-            <a:r>
-              <a:rPr lang="en-US" dirty="0" smtClean="0"/>
-              <a:t>Use the percentile as a target</a:t>
-            </a:r>
-          </a:p>
-          <a:p>
-            <a:r>
-              <a:rPr lang="en-US" dirty="0" smtClean="0"/>
-              <a:t>Train a decision tree</a:t>
-            </a:r>
-          </a:p>
-          <a:p>
-            <a:r>
-              <a:rPr lang="en-US" dirty="0" smtClean="0"/>
-              <a:t>Use splits to feed user new questions</a:t>
-            </a:r>
-          </a:p>
-          <a:p>
-            <a:endParaRPr lang="en-US" dirty="0"/>
+              <a:rPr lang="en-US" b="1" dirty="0" smtClean="0">
+                <a:solidFill>
+                  <a:schemeClr val="bg1">
+                    <a:lumMod val="65000"/>
+                  </a:schemeClr>
+                </a:solidFill>
+              </a:rPr>
+              <a:t>Basic Decision Tree Graph</a:t>
+            </a:r>
+            <a:endParaRPr lang="en-US" b="1" dirty="0">
+              <a:solidFill>
+                <a:schemeClr val="bg1">
+                  <a:lumMod val="65000"/>
+                </a:schemeClr>
+              </a:solidFill>
+            </a:endParaRPr>
           </a:p>
         </p:txBody>
       </p:sp>
       <p:pic>
         <p:nvPicPr>
-          <p:cNvPr id="4" name="Content Placeholder 3"/>
-          <p:cNvPicPr>
-            <a:picLocks noChangeAspect="1"/>
-          </p:cNvPicPr>
-          <p:nvPr/>
-        </p:nvPicPr>
-        <p:blipFill>
-          <a:blip r:embed="rId2"/>
-          <a:stretch>
-            <a:fillRect/>
-          </a:stretch>
-        </p:blipFill>
-        <p:spPr>
-          <a:xfrm>
-            <a:off x="5117592" y="2869628"/>
-            <a:ext cx="4757928" cy="3977585"/>
-          </a:xfrm>
-          <a:prstGeom prst="rect">
-            <a:avLst/>
-          </a:prstGeom>
-        </p:spPr>
-      </p:pic>
-      <p:pic>
-        <p:nvPicPr>
-          <p:cNvPr id="5" name="Picture 4"/>
+          <p:cNvPr id="4" name="Picture 3"/>
           <p:cNvPicPr>
             <a:picLocks noChangeAspect="1"/>
           </p:cNvPicPr>
@@ -4789,18 +7140,170 @@
         </p:blipFill>
         <p:spPr>
           <a:xfrm>
-            <a:off x="93433" y="115816"/>
-            <a:ext cx="4990783" cy="4395224"/>
+            <a:off x="1225550" y="1825625"/>
+            <a:ext cx="9740900" cy="5080000"/>
           </a:xfrm>
           <a:prstGeom prst="rect">
             <a:avLst/>
           </a:prstGeom>
         </p:spPr>
       </p:pic>
+      <p:sp>
+        <p:nvSpPr>
+          <p:cNvPr id="3" name="TextBox 2"/>
+          <p:cNvSpPr txBox="1"/>
+          <p:nvPr/>
+        </p:nvSpPr>
+        <p:spPr>
+          <a:xfrm>
+            <a:off x="1426464" y="2097024"/>
+            <a:ext cx="2816352" cy="369332"/>
+          </a:xfrm>
+          <a:prstGeom prst="rect">
+            <a:avLst/>
+          </a:prstGeom>
+          <a:noFill/>
+        </p:spPr>
+        <p:txBody>
+          <a:bodyPr wrap="square" rtlCol="0">
+            <a:spAutoFit/>
+          </a:bodyPr>
+          <a:lstStyle/>
+          <a:p>
+            <a:pPr algn="ctr"/>
+            <a:r>
+              <a:rPr lang="en-US" b="1" u="sng" dirty="0"/>
+              <a:t> </a:t>
+            </a:r>
+            <a:endParaRPr lang="en-US" dirty="0" smtClean="0"/>
+          </a:p>
+        </p:txBody>
+      </p:sp>
+      <p:sp>
+        <p:nvSpPr>
+          <p:cNvPr id="5" name="Rounded Rectangle 4"/>
+          <p:cNvSpPr/>
+          <p:nvPr/>
+        </p:nvSpPr>
+        <p:spPr>
+          <a:xfrm>
+            <a:off x="1426464" y="2039636"/>
+            <a:ext cx="3182112" cy="853440"/>
+          </a:xfrm>
+          <a:prstGeom prst="roundRect">
+            <a:avLst/>
+          </a:prstGeom>
+        </p:spPr>
+        <p:style>
+          <a:lnRef idx="2">
+            <a:schemeClr val="accent1">
+              <a:shade val="50000"/>
+            </a:schemeClr>
+          </a:lnRef>
+          <a:fillRef idx="1">
+            <a:schemeClr val="accent1"/>
+          </a:fillRef>
+          <a:effectRef idx="0">
+            <a:schemeClr val="accent1"/>
+          </a:effectRef>
+          <a:fontRef idx="minor">
+            <a:schemeClr val="lt1"/>
+          </a:fontRef>
+        </p:style>
+        <p:txBody>
+          <a:bodyPr rtlCol="0" anchor="ctr"/>
+          <a:lstStyle/>
+          <a:p>
+            <a:pPr algn="ctr"/>
+            <a:r>
+              <a:rPr lang="en-US" b="1" u="sng" dirty="0"/>
+              <a:t>4 Questions per model</a:t>
+            </a:r>
+          </a:p>
+          <a:p>
+            <a:pPr algn="ctr"/>
+            <a:r>
+              <a:rPr lang="en-US" dirty="0"/>
+              <a:t>Mean Absolute Error </a:t>
+            </a:r>
+            <a:r>
+              <a:rPr lang="en-US" dirty="0" smtClean="0"/>
+              <a:t>&lt; 15%</a:t>
+            </a:r>
+          </a:p>
+        </p:txBody>
+      </p:sp>
+      <p:sp>
+        <p:nvSpPr>
+          <p:cNvPr id="6" name="Rounded Rectangle 5"/>
+          <p:cNvSpPr/>
+          <p:nvPr/>
+        </p:nvSpPr>
+        <p:spPr>
+          <a:xfrm>
+            <a:off x="7296912" y="2039636"/>
+            <a:ext cx="3182112" cy="853440"/>
+          </a:xfrm>
+          <a:prstGeom prst="roundRect">
+            <a:avLst/>
+          </a:prstGeom>
+        </p:spPr>
+        <p:style>
+          <a:lnRef idx="2">
+            <a:schemeClr val="accent1">
+              <a:shade val="50000"/>
+            </a:schemeClr>
+          </a:lnRef>
+          <a:fillRef idx="1">
+            <a:schemeClr val="accent1"/>
+          </a:fillRef>
+          <a:effectRef idx="0">
+            <a:schemeClr val="accent1"/>
+          </a:effectRef>
+          <a:fontRef idx="minor">
+            <a:schemeClr val="lt1"/>
+          </a:fontRef>
+        </p:style>
+        <p:txBody>
+          <a:bodyPr rtlCol="0" anchor="ctr"/>
+          <a:lstStyle/>
+          <a:p>
+            <a:pPr algn="ctr"/>
+            <a:r>
+              <a:rPr lang="en-US" b="1" u="sng" dirty="0" smtClean="0"/>
+              <a:t>8 Questions </a:t>
+            </a:r>
+            <a:r>
+              <a:rPr lang="en-US" b="1" u="sng" dirty="0"/>
+              <a:t>per model</a:t>
+            </a:r>
+          </a:p>
+          <a:p>
+            <a:pPr algn="ctr"/>
+            <a:r>
+              <a:rPr lang="en-US" dirty="0"/>
+              <a:t>Mean Absolute Error </a:t>
+            </a:r>
+            <a:r>
+              <a:rPr lang="en-US" dirty="0" smtClean="0"/>
+              <a:t>&lt;</a:t>
+            </a:r>
+            <a:r>
+              <a:rPr lang="en-US" dirty="0"/>
+              <a:t> </a:t>
+            </a:r>
+            <a:r>
+              <a:rPr lang="en-US" dirty="0" smtClean="0"/>
+              <a:t>10%</a:t>
+            </a:r>
+            <a:endParaRPr lang="en-US" dirty="0"/>
+          </a:p>
+        </p:txBody>
+      </p:sp>
     </p:spTree>
     <p:extLst>
       <p:ext uri="{BB962C8B-B14F-4D97-AF65-F5344CB8AC3E}">
-        <p14:creationId xmlns:p14="http://schemas.microsoft.com/office/powerpoint/2010/main" val="639935829"/>
+        <p14:creationId xmlns:p14="http://schemas.microsoft.com/office/powerpoint/2010/main" val="1378516468"/>
       </p:ext>
     </p:extLst>
   </p:cSld>
@@ -4836,45 +7339,167 @@
       </p:grpSpPr>
       <p:sp>
         <p:nvSpPr>
-          <p:cNvPr id="2" name="Title 1"/>
+          <p:cNvPr id="3" name="Content Placeholder 2"/>
           <p:cNvSpPr>
             <a:spLocks noGrp="1"/>
           </p:cNvSpPr>
           <p:nvPr>
-            <p:ph type="title"/>
+            <p:ph idx="1"/>
           </p:nvPr>
         </p:nvSpPr>
-        <p:spPr/>
+        <p:spPr>
+          <a:xfrm>
+            <a:off x="399288" y="76229"/>
+            <a:ext cx="11341608" cy="2036065"/>
+          </a:xfrm>
+        </p:spPr>
         <p:txBody>
           <a:bodyPr/>
           <a:lstStyle/>
           <a:p>
-            <a:r>
-              <a:rPr lang="en-US" dirty="0" smtClean="0"/>
-              <a:t>Basic Decision Tree Graph</a:t>
-            </a:r>
-            <a:endParaRPr lang="en-US" dirty="0"/>
+            <a:pPr marL="0" indent="0">
+              <a:buNone/>
+            </a:pPr>
+            <a:r>
+              <a:rPr lang="en-US" dirty="0" smtClean="0">
+                <a:solidFill>
+                  <a:schemeClr val="accent2">
+                    <a:lumMod val="60000"/>
+                    <a:lumOff val="40000"/>
+                  </a:schemeClr>
+                </a:solidFill>
+              </a:rPr>
+              <a:t>Recommender System:</a:t>
+            </a:r>
+          </a:p>
+          <a:p>
+            <a:r>
+              <a:rPr lang="en-US" dirty="0" smtClean="0">
+                <a:solidFill>
+                  <a:schemeClr val="accent2">
+                    <a:lumMod val="60000"/>
+                    <a:lumOff val="40000"/>
+                  </a:schemeClr>
+                </a:solidFill>
+              </a:rPr>
+              <a:t>No Cold Start Problem</a:t>
+            </a:r>
+          </a:p>
+          <a:p>
+            <a:r>
+              <a:rPr lang="en-US" dirty="0" smtClean="0">
+                <a:solidFill>
+                  <a:schemeClr val="accent2">
+                    <a:lumMod val="60000"/>
+                    <a:lumOff val="40000"/>
+                  </a:schemeClr>
+                </a:solidFill>
+              </a:rPr>
+              <a:t>Take average of similar users to identify percentile in facets</a:t>
+            </a:r>
+          </a:p>
+          <a:p>
+            <a:r>
+              <a:rPr lang="en-US" dirty="0" smtClean="0">
+                <a:solidFill>
+                  <a:schemeClr val="accent2">
+                    <a:lumMod val="60000"/>
+                    <a:lumOff val="40000"/>
+                  </a:schemeClr>
+                </a:solidFill>
+              </a:rPr>
+              <a:t>Run permutation analysis to identify minimum error</a:t>
+            </a:r>
+          </a:p>
+          <a:p>
+            <a:pPr marL="0" indent="0">
+              <a:buNone/>
+            </a:pPr>
+            <a:endParaRPr lang="en-US" dirty="0">
+              <a:solidFill>
+                <a:schemeClr val="accent2">
+                  <a:lumMod val="60000"/>
+                  <a:lumOff val="40000"/>
+                </a:schemeClr>
+              </a:solidFill>
+            </a:endParaRPr>
           </a:p>
         </p:txBody>
       </p:sp>
       <p:pic>
         <p:nvPicPr>
-          <p:cNvPr id="4" name="Picture 3"/>
+          <p:cNvPr id="2" name="Picture 1"/>
           <p:cNvPicPr>
             <a:picLocks noChangeAspect="1"/>
           </p:cNvPicPr>
           <p:nvPr/>
         </p:nvPicPr>
         <p:blipFill>
-          <a:blip r:embed="rId2"/>
+          <a:blip r:embed="rId3"/>
           <a:stretch>
             <a:fillRect/>
           </a:stretch>
         </p:blipFill>
         <p:spPr>
           <a:xfrm>
-            <a:off x="1225550" y="1825625"/>
-            <a:ext cx="9740900" cy="5080000"/>
+            <a:off x="618744" y="2156978"/>
+            <a:ext cx="5161050" cy="4603485"/>
+          </a:xfrm>
+          <a:prstGeom prst="rect">
+            <a:avLst/>
+          </a:prstGeom>
+        </p:spPr>
+      </p:pic>
+      <p:pic>
+        <p:nvPicPr>
+          <p:cNvPr id="6" name="Picture 5"/>
+          <p:cNvPicPr/>
+          <p:nvPr/>
+        </p:nvPicPr>
+        <p:blipFill>
+          <a:blip r:embed="rId4" cstate="print">
+            <a:extLst>
+              <a:ext uri="{28A0092B-C50C-407E-A947-70E740481C1C}">
+                <a14:useLocalDpi xmlns:a14="http://schemas.microsoft.com/office/drawing/2010/main" val="0"/>
+              </a:ext>
+            </a:extLst>
+          </a:blip>
+          <a:stretch>
+            <a:fillRect/>
+          </a:stretch>
+        </p:blipFill>
+        <p:spPr>
+          <a:xfrm>
+            <a:off x="5779794" y="2156978"/>
+            <a:ext cx="5356670" cy="2779776"/>
+          </a:xfrm>
+          <a:prstGeom prst="rect">
+            <a:avLst/>
+          </a:prstGeom>
+        </p:spPr>
+      </p:pic>
+      <p:pic>
+        <p:nvPicPr>
+          <p:cNvPr id="7" name="Picture 6"/>
+          <p:cNvPicPr/>
+          <p:nvPr/>
+        </p:nvPicPr>
+        <p:blipFill>
+          <a:blip r:embed="rId5" cstate="print">
+            <a:extLst>
+              <a:ext uri="{28A0092B-C50C-407E-A947-70E740481C1C}">
+                <a14:useLocalDpi xmlns:a14="http://schemas.microsoft.com/office/drawing/2010/main" val="0"/>
+              </a:ext>
+            </a:extLst>
+          </a:blip>
+          <a:stretch>
+            <a:fillRect/>
+          </a:stretch>
+        </p:blipFill>
+        <p:spPr>
+          <a:xfrm>
+            <a:off x="5779794" y="4936754"/>
+            <a:ext cx="4498061" cy="1921246"/>
           </a:xfrm>
           <a:prstGeom prst="rect">
             <a:avLst/>
@@ -4884,7 +7509,7 @@
     </p:spTree>
     <p:extLst>
       <p:ext uri="{BB962C8B-B14F-4D97-AF65-F5344CB8AC3E}">
-        <p14:creationId xmlns:p14="http://schemas.microsoft.com/office/powerpoint/2010/main" val="1378516468"/>
+        <p14:creationId xmlns:p14="http://schemas.microsoft.com/office/powerpoint/2010/main" val="639935829"/>
       </p:ext>
     </p:extLst>
   </p:cSld>
@@ -4904,6 +7529,38 @@
 <file path=ppt/slides/slide7.xml><?xml version="1.0" encoding="utf-8"?>
 <p:sld xmlns:a="http://schemas.openxmlformats.org/drawingml/2006/main" xmlns:r="http://schemas.openxmlformats.org/officeDocument/2006/relationships" xmlns:p="http://schemas.openxmlformats.org/presentationml/2006/main">
   <p:cSld>
+    <p:bg>
+      <p:bgPr>
+        <a:gradFill flip="none" rotWithShape="1">
+          <a:gsLst>
+            <a:gs pos="0">
+              <a:schemeClr val="tx2"/>
+            </a:gs>
+            <a:gs pos="74000">
+              <a:schemeClr val="accent1">
+                <a:lumMod val="45000"/>
+                <a:lumOff val="55000"/>
+              </a:schemeClr>
+            </a:gs>
+            <a:gs pos="83000">
+              <a:schemeClr val="accent1">
+                <a:lumMod val="45000"/>
+                <a:lumOff val="55000"/>
+              </a:schemeClr>
+            </a:gs>
+            <a:gs pos="100000">
+              <a:schemeClr val="accent1">
+                <a:lumMod val="30000"/>
+                <a:lumOff val="70000"/>
+              </a:schemeClr>
+            </a:gs>
+          </a:gsLst>
+          <a:lin ang="5400000" scaled="1"/>
+          <a:tileRect/>
+        </a:gradFill>
+        <a:effectLst/>
+      </p:bgPr>
+    </p:bg>
     <p:spTree>
       <p:nvGrpSpPr>
         <p:cNvPr id="1" name=""/>
@@ -4920,22 +7577,50 @@
       </p:grpSpPr>
       <p:sp>
         <p:nvSpPr>
-          <p:cNvPr id="2" name="Title 1"/>
-          <p:cNvSpPr>
-            <a:spLocks noGrp="1"/>
-          </p:cNvSpPr>
-          <p:nvPr>
-            <p:ph type="title"/>
-          </p:nvPr>
-        </p:nvSpPr>
-        <p:spPr/>
-        <p:txBody>
-          <a:bodyPr/>
-          <a:lstStyle/>
-          <a:p>
+          <p:cNvPr id="28" name="Rounded Rectangle 27"/>
+          <p:cNvSpPr/>
+          <p:nvPr/>
+        </p:nvSpPr>
+        <p:spPr>
+          <a:xfrm>
+            <a:off x="9589926" y="132326"/>
+            <a:ext cx="2373303" cy="4336042"/>
+          </a:xfrm>
+          <a:prstGeom prst="roundRect">
+            <a:avLst/>
+          </a:prstGeom>
+        </p:spPr>
+        <p:style>
+          <a:lnRef idx="2">
+            <a:schemeClr val="accent1">
+              <a:shade val="50000"/>
+            </a:schemeClr>
+          </a:lnRef>
+          <a:fillRef idx="1">
+            <a:schemeClr val="accent1"/>
+          </a:fillRef>
+          <a:effectRef idx="0">
+            <a:schemeClr val="accent1"/>
+          </a:effectRef>
+          <a:fontRef idx="minor">
+            <a:schemeClr val="lt1"/>
+          </a:fontRef>
+        </p:style>
+        <p:txBody>
+          <a:bodyPr rtlCol="0" anchor="ctr"/>
+          <a:lstStyle/>
+          <a:p>
+            <a:pPr algn="ctr"/>
             <a:r>
               <a:rPr lang="en-US" dirty="0" smtClean="0"/>
-              <a:t>Challenges so far	</a:t>
+              <a:t>Web Page</a:t>
+            </a:r>
+          </a:p>
+          <a:p>
+            <a:pPr algn="ctr"/>
+            <a:r>
+              <a:rPr lang="en-US" dirty="0" smtClean="0"/>
+              <a:t>User Inputs a value </a:t>
             </a:r>
             <a:endParaRPr lang="en-US" dirty="0"/>
           </a:p>
@@ -4943,57 +7628,691 @@
       </p:sp>
       <p:sp>
         <p:nvSpPr>
-          <p:cNvPr id="3" name="Content Placeholder 2"/>
-          <p:cNvSpPr>
-            <a:spLocks noGrp="1"/>
-          </p:cNvSpPr>
-          <p:nvPr>
-            <p:ph idx="1"/>
-          </p:nvPr>
-        </p:nvSpPr>
-        <p:spPr/>
-        <p:txBody>
-          <a:bodyPr/>
-          <a:lstStyle/>
-          <a:p>
+          <p:cNvPr id="33" name="Right Arrow 32"/>
+          <p:cNvSpPr/>
+          <p:nvPr/>
+        </p:nvSpPr>
+        <p:spPr>
+          <a:xfrm rot="20001870">
+            <a:off x="5147817" y="4314616"/>
+            <a:ext cx="4863791" cy="883312"/>
+          </a:xfrm>
+          <a:prstGeom prst="rightArrow">
+            <a:avLst/>
+          </a:prstGeom>
+        </p:spPr>
+        <p:style>
+          <a:lnRef idx="2">
+            <a:schemeClr val="accent6"/>
+          </a:lnRef>
+          <a:fillRef idx="1">
+            <a:schemeClr val="lt1"/>
+          </a:fillRef>
+          <a:effectRef idx="0">
+            <a:schemeClr val="accent6"/>
+          </a:effectRef>
+          <a:fontRef idx="minor">
+            <a:schemeClr val="dk1"/>
+          </a:fontRef>
+        </p:style>
+        <p:txBody>
+          <a:bodyPr rtlCol="0" anchor="ctr"/>
+          <a:lstStyle/>
+          <a:p>
+            <a:pPr algn="ctr"/>
             <a:r>
               <a:rPr lang="en-US" dirty="0" smtClean="0"/>
-              <a:t>Reverse Scored questions for the game</a:t>
-            </a:r>
-          </a:p>
-          <a:p>
+              <a:t>Return </a:t>
+            </a:r>
+            <a:r>
+              <a:rPr lang="en-US" smtClean="0"/>
+              <a:t>Next Question to webpage</a:t>
+            </a:r>
+            <a:endParaRPr lang="en-US"/>
+          </a:p>
+        </p:txBody>
+      </p:sp>
+      <p:sp>
+        <p:nvSpPr>
+          <p:cNvPr id="36" name="Rounded Rectangle 35"/>
+          <p:cNvSpPr/>
+          <p:nvPr/>
+        </p:nvSpPr>
+        <p:spPr>
+          <a:xfrm>
+            <a:off x="219456" y="4328160"/>
+            <a:ext cx="5486400" cy="2426208"/>
+          </a:xfrm>
+          <a:prstGeom prst="roundRect">
+            <a:avLst>
+              <a:gd name="adj" fmla="val 27220"/>
+            </a:avLst>
+          </a:prstGeom>
+        </p:spPr>
+        <p:style>
+          <a:lnRef idx="2">
+            <a:schemeClr val="accent3">
+              <a:shade val="50000"/>
+            </a:schemeClr>
+          </a:lnRef>
+          <a:fillRef idx="1">
+            <a:schemeClr val="accent3"/>
+          </a:fillRef>
+          <a:effectRef idx="0">
+            <a:schemeClr val="accent3"/>
+          </a:effectRef>
+          <a:fontRef idx="minor">
+            <a:schemeClr val="lt1"/>
+          </a:fontRef>
+        </p:style>
+        <p:txBody>
+          <a:bodyPr rtlCol="0" anchor="ctr"/>
+          <a:lstStyle/>
+          <a:p>
+            <a:pPr algn="ctr"/>
+            <a:endParaRPr lang="en-US"/>
+          </a:p>
+        </p:txBody>
+      </p:sp>
+      <p:sp>
+        <p:nvSpPr>
+          <p:cNvPr id="4" name="Rectangle 3"/>
+          <p:cNvSpPr/>
+          <p:nvPr/>
+        </p:nvSpPr>
+        <p:spPr>
+          <a:xfrm>
+            <a:off x="74722" y="2397046"/>
+            <a:ext cx="2948247" cy="1139952"/>
+          </a:xfrm>
+          <a:prstGeom prst="rect">
+            <a:avLst/>
+          </a:prstGeom>
+        </p:spPr>
+        <p:style>
+          <a:lnRef idx="2">
+            <a:schemeClr val="accent1">
+              <a:shade val="50000"/>
+            </a:schemeClr>
+          </a:lnRef>
+          <a:fillRef idx="1">
+            <a:schemeClr val="accent1"/>
+          </a:fillRef>
+          <a:effectRef idx="0">
+            <a:schemeClr val="accent1"/>
+          </a:effectRef>
+          <a:fontRef idx="minor">
+            <a:schemeClr val="lt1"/>
+          </a:fontRef>
+        </p:style>
+        <p:txBody>
+          <a:bodyPr rtlCol="0" anchor="ctr"/>
+          <a:lstStyle/>
+          <a:p>
+            <a:pPr algn="ctr"/>
             <a:r>
               <a:rPr lang="en-US" dirty="0" smtClean="0"/>
-              <a:t>Loading all the transformed data (thanks Pickle)</a:t>
-            </a:r>
-          </a:p>
-          <a:p>
+              <a:t>Python Server loads model and keeps track of current location </a:t>
+            </a:r>
+            <a:r>
+              <a:rPr lang="en-US" smtClean="0"/>
+              <a:t>within current tree</a:t>
+            </a:r>
+            <a:endParaRPr lang="en-US" dirty="0"/>
+          </a:p>
+        </p:txBody>
+      </p:sp>
+      <p:sp>
+        <p:nvSpPr>
+          <p:cNvPr id="5" name="Rectangle 4"/>
+          <p:cNvSpPr/>
+          <p:nvPr/>
+        </p:nvSpPr>
+        <p:spPr>
+          <a:xfrm>
+            <a:off x="1085087" y="4608576"/>
+            <a:ext cx="3703133" cy="613841"/>
+          </a:xfrm>
+          <a:prstGeom prst="rect">
+            <a:avLst/>
+          </a:prstGeom>
+        </p:spPr>
+        <p:style>
+          <a:lnRef idx="2">
+            <a:schemeClr val="dk1">
+              <a:shade val="50000"/>
+            </a:schemeClr>
+          </a:lnRef>
+          <a:fillRef idx="1">
+            <a:schemeClr val="dk1"/>
+          </a:fillRef>
+          <a:effectRef idx="0">
+            <a:schemeClr val="dk1"/>
+          </a:effectRef>
+          <a:fontRef idx="minor">
+            <a:schemeClr val="lt1"/>
+          </a:fontRef>
+        </p:style>
+        <p:txBody>
+          <a:bodyPr rtlCol="0" anchor="ctr"/>
+          <a:lstStyle/>
+          <a:p>
+            <a:pPr algn="ctr"/>
             <a:r>
               <a:rPr lang="en-US" dirty="0" smtClean="0"/>
-              <a:t>Calculating percentiles in in O(n)</a:t>
-            </a:r>
-          </a:p>
-          <a:p>
+              <a:t>Do not like art</a:t>
+            </a:r>
+            <a:r>
+              <a:rPr lang="en-US" dirty="0"/>
+              <a:t>.</a:t>
+            </a:r>
+            <a:endParaRPr lang="en-US" dirty="0" smtClean="0"/>
+          </a:p>
+          <a:p>
+            <a:pPr algn="ctr"/>
             <a:r>
               <a:rPr lang="en-US" dirty="0" smtClean="0"/>
-              <a:t>Building a class system for the game</a:t>
-            </a:r>
-          </a:p>
-          <a:p>
+              <a:t>If answer &lt; 25   :</a:t>
+            </a:r>
+            <a:r>
+              <a:rPr lang="en-US" dirty="0"/>
+              <a:t> </a:t>
+            </a:r>
             <a:r>
               <a:rPr lang="en-US" dirty="0" smtClean="0"/>
-              <a:t>Checking to see if player already answered that question</a:t>
-            </a:r>
-          </a:p>
-          <a:p>
+              <a:t>  Otherwise</a:t>
+            </a:r>
             <a:endParaRPr lang="en-US" dirty="0"/>
+          </a:p>
+        </p:txBody>
+      </p:sp>
+      <p:cxnSp>
+        <p:nvCxnSpPr>
+          <p:cNvPr id="7" name="Straight Arrow Connector 6"/>
+          <p:cNvCxnSpPr/>
+          <p:nvPr/>
+        </p:nvCxnSpPr>
+        <p:spPr>
+          <a:xfrm flipH="1">
+            <a:off x="1766703" y="5285791"/>
+            <a:ext cx="602682" cy="666025"/>
+          </a:xfrm>
+          <a:prstGeom prst="straightConnector1">
+            <a:avLst/>
+          </a:prstGeom>
+          <a:ln w="57150">
+            <a:solidFill>
+              <a:schemeClr val="accent1"/>
+            </a:solidFill>
+            <a:tailEnd type="triangle"/>
+          </a:ln>
+        </p:spPr>
+        <p:style>
+          <a:lnRef idx="1">
+            <a:schemeClr val="accent1"/>
+          </a:lnRef>
+          <a:fillRef idx="0">
+            <a:schemeClr val="accent1"/>
+          </a:fillRef>
+          <a:effectRef idx="0">
+            <a:schemeClr val="accent1"/>
+          </a:effectRef>
+          <a:fontRef idx="minor">
+            <a:schemeClr val="tx1"/>
+          </a:fontRef>
+        </p:style>
+      </p:cxnSp>
+      <p:cxnSp>
+        <p:nvCxnSpPr>
+          <p:cNvPr id="10" name="Straight Arrow Connector 9"/>
+          <p:cNvCxnSpPr/>
+          <p:nvPr/>
+        </p:nvCxnSpPr>
+        <p:spPr>
+          <a:xfrm>
+            <a:off x="3840274" y="5261142"/>
+            <a:ext cx="480036" cy="676362"/>
+          </a:xfrm>
+          <a:prstGeom prst="straightConnector1">
+            <a:avLst/>
+          </a:prstGeom>
+          <a:ln w="57150">
+            <a:solidFill>
+              <a:schemeClr val="accent1"/>
+            </a:solidFill>
+            <a:tailEnd type="triangle"/>
+          </a:ln>
+        </p:spPr>
+        <p:style>
+          <a:lnRef idx="1">
+            <a:schemeClr val="accent1"/>
+          </a:lnRef>
+          <a:fillRef idx="0">
+            <a:schemeClr val="accent1"/>
+          </a:fillRef>
+          <a:effectRef idx="0">
+            <a:schemeClr val="accent1"/>
+          </a:effectRef>
+          <a:fontRef idx="minor">
+            <a:schemeClr val="tx1"/>
+          </a:fontRef>
+        </p:style>
+      </p:cxnSp>
+      <p:sp>
+        <p:nvSpPr>
+          <p:cNvPr id="14" name="Rectangle 13"/>
+          <p:cNvSpPr/>
+          <p:nvPr/>
+        </p:nvSpPr>
+        <p:spPr>
+          <a:xfrm>
+            <a:off x="390144" y="5937504"/>
+            <a:ext cx="2319134" cy="494483"/>
+          </a:xfrm>
+          <a:prstGeom prst="rect">
+            <a:avLst/>
+          </a:prstGeom>
+        </p:spPr>
+        <p:style>
+          <a:lnRef idx="2">
+            <a:schemeClr val="dk1">
+              <a:shade val="50000"/>
+            </a:schemeClr>
+          </a:lnRef>
+          <a:fillRef idx="1">
+            <a:schemeClr val="dk1"/>
+          </a:fillRef>
+          <a:effectRef idx="0">
+            <a:schemeClr val="dk1"/>
+          </a:effectRef>
+          <a:fontRef idx="minor">
+            <a:schemeClr val="lt1"/>
+          </a:fontRef>
+        </p:style>
+        <p:txBody>
+          <a:bodyPr rtlCol="0" anchor="ctr"/>
+          <a:lstStyle/>
+          <a:p>
+            <a:pPr algn="ctr"/>
+            <a:r>
+              <a:rPr lang="en-US" sz="1200" dirty="0"/>
+              <a:t>Am not interested in theoretical discussions</a:t>
+            </a:r>
+            <a:r>
+              <a:rPr lang="en-US" sz="1200" dirty="0" smtClean="0"/>
+              <a:t>.</a:t>
+            </a:r>
+            <a:endParaRPr lang="en-US" sz="1200" dirty="0"/>
+          </a:p>
+        </p:txBody>
+      </p:sp>
+      <p:sp>
+        <p:nvSpPr>
+          <p:cNvPr id="20" name="Rectangle 19"/>
+          <p:cNvSpPr/>
+          <p:nvPr/>
+        </p:nvSpPr>
+        <p:spPr>
+          <a:xfrm>
+            <a:off x="3176016" y="5937504"/>
+            <a:ext cx="2319134" cy="494483"/>
+          </a:xfrm>
+          <a:prstGeom prst="rect">
+            <a:avLst/>
+          </a:prstGeom>
+        </p:spPr>
+        <p:style>
+          <a:lnRef idx="2">
+            <a:schemeClr val="dk1">
+              <a:shade val="50000"/>
+            </a:schemeClr>
+          </a:lnRef>
+          <a:fillRef idx="1">
+            <a:schemeClr val="dk1"/>
+          </a:fillRef>
+          <a:effectRef idx="0">
+            <a:schemeClr val="dk1"/>
+          </a:effectRef>
+          <a:fontRef idx="minor">
+            <a:schemeClr val="lt1"/>
+          </a:fontRef>
+        </p:style>
+        <p:txBody>
+          <a:bodyPr rtlCol="0" anchor="ctr"/>
+          <a:lstStyle/>
+          <a:p>
+            <a:pPr algn="ctr"/>
+            <a:r>
+              <a:rPr lang="en-US" sz="1200"/>
+              <a:t>Have difficulty imagining things.</a:t>
+            </a:r>
+            <a:endParaRPr lang="en-US" sz="1200" dirty="0"/>
+          </a:p>
+        </p:txBody>
+      </p:sp>
+      <p:sp>
+        <p:nvSpPr>
+          <p:cNvPr id="24" name="TextBox 23"/>
+          <p:cNvSpPr txBox="1"/>
+          <p:nvPr/>
+        </p:nvSpPr>
+        <p:spPr>
+          <a:xfrm>
+            <a:off x="754285" y="4283702"/>
+            <a:ext cx="4364736" cy="369332"/>
+          </a:xfrm>
+          <a:prstGeom prst="rect">
+            <a:avLst/>
+          </a:prstGeom>
+          <a:noFill/>
+        </p:spPr>
+        <p:txBody>
+          <a:bodyPr wrap="square" rtlCol="0">
+            <a:spAutoFit/>
+          </a:bodyPr>
+          <a:lstStyle/>
+          <a:p>
+            <a:pPr algn="ctr"/>
+            <a:r>
+              <a:rPr lang="en-US" b="1" dirty="0" smtClean="0"/>
+              <a:t>Model</a:t>
+            </a:r>
+            <a:endParaRPr lang="en-US" b="1" dirty="0"/>
+          </a:p>
+        </p:txBody>
+      </p:sp>
+      <p:sp>
+        <p:nvSpPr>
+          <p:cNvPr id="27" name="Left Arrow 26"/>
+          <p:cNvSpPr/>
+          <p:nvPr/>
+        </p:nvSpPr>
+        <p:spPr>
+          <a:xfrm>
+            <a:off x="7275443" y="1266188"/>
+            <a:ext cx="2014124" cy="794873"/>
+          </a:xfrm>
+          <a:prstGeom prst="leftArrow">
+            <a:avLst/>
+          </a:prstGeom>
+        </p:spPr>
+        <p:style>
+          <a:lnRef idx="2">
+            <a:schemeClr val="accent6"/>
+          </a:lnRef>
+          <a:fillRef idx="1">
+            <a:schemeClr val="lt1"/>
+          </a:fillRef>
+          <a:effectRef idx="0">
+            <a:schemeClr val="accent6"/>
+          </a:effectRef>
+          <a:fontRef idx="minor">
+            <a:schemeClr val="dk1"/>
+          </a:fontRef>
+        </p:style>
+        <p:txBody>
+          <a:bodyPr rtlCol="0" anchor="ctr"/>
+          <a:lstStyle/>
+          <a:p>
+            <a:pPr algn="ctr"/>
+            <a:r>
+              <a:rPr lang="en-US" sz="1400" dirty="0" smtClean="0"/>
+              <a:t>User Input</a:t>
+            </a:r>
+            <a:endParaRPr lang="en-US" sz="1400" dirty="0"/>
+          </a:p>
+        </p:txBody>
+      </p:sp>
+      <p:sp>
+        <p:nvSpPr>
+          <p:cNvPr id="29" name="Snip Single Corner Rectangle 28"/>
+          <p:cNvSpPr/>
+          <p:nvPr/>
+        </p:nvSpPr>
+        <p:spPr>
+          <a:xfrm>
+            <a:off x="3573515" y="1203874"/>
+            <a:ext cx="3401568" cy="798749"/>
+          </a:xfrm>
+          <a:prstGeom prst="snip1Rect">
+            <a:avLst/>
+          </a:prstGeom>
+        </p:spPr>
+        <p:style>
+          <a:lnRef idx="2">
+            <a:schemeClr val="accent1">
+              <a:shade val="50000"/>
+            </a:schemeClr>
+          </a:lnRef>
+          <a:fillRef idx="1">
+            <a:schemeClr val="accent1"/>
+          </a:fillRef>
+          <a:effectRef idx="0">
+            <a:schemeClr val="accent1"/>
+          </a:effectRef>
+          <a:fontRef idx="minor">
+            <a:schemeClr val="lt1"/>
+          </a:fontRef>
+        </p:style>
+        <p:txBody>
+          <a:bodyPr rtlCol="0" anchor="ctr"/>
+          <a:lstStyle/>
+          <a:p>
+            <a:pPr algn="ctr"/>
+            <a:r>
+              <a:rPr lang="en-US" dirty="0" smtClean="0"/>
+              <a:t>JQuery sends a request to the </a:t>
+            </a:r>
+            <a:r>
+              <a:rPr lang="en-US" smtClean="0"/>
+              <a:t>Flask Server on AWS EC2</a:t>
+            </a:r>
+            <a:endParaRPr lang="en-US" dirty="0"/>
+          </a:p>
+        </p:txBody>
+      </p:sp>
+      <p:sp>
+        <p:nvSpPr>
+          <p:cNvPr id="30" name="Left Arrow 29"/>
+          <p:cNvSpPr/>
+          <p:nvPr/>
+        </p:nvSpPr>
+        <p:spPr>
+          <a:xfrm rot="19696440">
+            <a:off x="1849509" y="1564181"/>
+            <a:ext cx="1725591" cy="639358"/>
+          </a:xfrm>
+          <a:prstGeom prst="leftArrow">
+            <a:avLst/>
+          </a:prstGeom>
+        </p:spPr>
+        <p:style>
+          <a:lnRef idx="2">
+            <a:schemeClr val="accent6"/>
+          </a:lnRef>
+          <a:fillRef idx="1">
+            <a:schemeClr val="lt1"/>
+          </a:fillRef>
+          <a:effectRef idx="0">
+            <a:schemeClr val="accent6"/>
+          </a:effectRef>
+          <a:fontRef idx="minor">
+            <a:schemeClr val="dk1"/>
+          </a:fontRef>
+        </p:style>
+        <p:txBody>
+          <a:bodyPr rtlCol="0" anchor="ctr"/>
+          <a:lstStyle/>
+          <a:p>
+            <a:pPr algn="ctr"/>
+            <a:r>
+              <a:rPr lang="en-US" sz="1400" dirty="0" smtClean="0"/>
+              <a:t>Route to endpoint</a:t>
+            </a:r>
+            <a:endParaRPr lang="en-US" sz="1400" dirty="0"/>
+          </a:p>
+        </p:txBody>
+      </p:sp>
+      <p:sp>
+        <p:nvSpPr>
+          <p:cNvPr id="31" name="Up-Down Arrow 30"/>
+          <p:cNvSpPr/>
+          <p:nvPr/>
+        </p:nvSpPr>
+        <p:spPr>
+          <a:xfrm>
+            <a:off x="1438656" y="3536998"/>
+            <a:ext cx="328047" cy="791162"/>
+          </a:xfrm>
+          <a:prstGeom prst="upDownArrow">
+            <a:avLst/>
+          </a:prstGeom>
+        </p:spPr>
+        <p:style>
+          <a:lnRef idx="2">
+            <a:schemeClr val="accent1">
+              <a:shade val="50000"/>
+            </a:schemeClr>
+          </a:lnRef>
+          <a:fillRef idx="1">
+            <a:schemeClr val="accent1"/>
+          </a:fillRef>
+          <a:effectRef idx="0">
+            <a:schemeClr val="accent1"/>
+          </a:effectRef>
+          <a:fontRef idx="minor">
+            <a:schemeClr val="lt1"/>
+          </a:fontRef>
+        </p:style>
+        <p:txBody>
+          <a:bodyPr rtlCol="0" anchor="ctr"/>
+          <a:lstStyle/>
+          <a:p>
+            <a:pPr algn="ctr"/>
+            <a:endParaRPr lang="en-US"/>
+          </a:p>
+        </p:txBody>
+      </p:sp>
+      <p:sp>
+        <p:nvSpPr>
+          <p:cNvPr id="32" name="TextBox 31"/>
+          <p:cNvSpPr txBox="1"/>
+          <p:nvPr/>
+        </p:nvSpPr>
+        <p:spPr>
+          <a:xfrm>
+            <a:off x="711743" y="3725264"/>
+            <a:ext cx="1997535" cy="338554"/>
+          </a:xfrm>
+          <a:prstGeom prst="rect">
+            <a:avLst/>
+          </a:prstGeom>
+          <a:noFill/>
+        </p:spPr>
+        <p:txBody>
+          <a:bodyPr wrap="none" rtlCol="0">
+            <a:spAutoFit/>
+          </a:bodyPr>
+          <a:lstStyle/>
+          <a:p>
+            <a:r>
+              <a:rPr lang="en-US" sz="1600" dirty="0" smtClean="0">
+                <a:solidFill>
+                  <a:schemeClr val="bg1"/>
+                </a:solidFill>
+              </a:rPr>
+              <a:t>Decide Next Question</a:t>
+            </a:r>
+            <a:endParaRPr lang="en-US" sz="1600" dirty="0">
+              <a:solidFill>
+                <a:schemeClr val="bg1"/>
+              </a:solidFill>
+            </a:endParaRPr>
+          </a:p>
+        </p:txBody>
+      </p:sp>
+      <p:sp>
+        <p:nvSpPr>
+          <p:cNvPr id="34" name="TextBox 33"/>
+          <p:cNvSpPr txBox="1"/>
+          <p:nvPr/>
+        </p:nvSpPr>
+        <p:spPr>
+          <a:xfrm>
+            <a:off x="2163695" y="146977"/>
+            <a:ext cx="6088404" cy="461665"/>
+          </a:xfrm>
+          <a:prstGeom prst="rect">
+            <a:avLst/>
+          </a:prstGeom>
+          <a:noFill/>
+        </p:spPr>
+        <p:txBody>
+          <a:bodyPr wrap="square" rtlCol="0">
+            <a:spAutoFit/>
+          </a:bodyPr>
+          <a:lstStyle/>
+          <a:p>
+            <a:pPr algn="ctr"/>
+            <a:r>
+              <a:rPr lang="en-US" sz="2400" dirty="0" smtClean="0">
+                <a:solidFill>
+                  <a:schemeClr val="bg1"/>
+                </a:solidFill>
+              </a:rPr>
+              <a:t>Getting Each Question for web application</a:t>
+            </a:r>
+            <a:endParaRPr lang="en-US" sz="2400" dirty="0">
+              <a:solidFill>
+                <a:schemeClr val="bg1"/>
+              </a:solidFill>
+            </a:endParaRPr>
+          </a:p>
+        </p:txBody>
+      </p:sp>
+      <p:sp>
+        <p:nvSpPr>
+          <p:cNvPr id="35" name="TextBox 34"/>
+          <p:cNvSpPr txBox="1"/>
+          <p:nvPr/>
+        </p:nvSpPr>
+        <p:spPr>
+          <a:xfrm>
+            <a:off x="0" y="139888"/>
+            <a:ext cx="2594119" cy="461665"/>
+          </a:xfrm>
+          <a:prstGeom prst="rect">
+            <a:avLst/>
+          </a:prstGeom>
+          <a:noFill/>
+        </p:spPr>
+        <p:txBody>
+          <a:bodyPr wrap="square" rtlCol="0">
+            <a:spAutoFit/>
+          </a:bodyPr>
+          <a:lstStyle/>
+          <a:p>
+            <a:pPr algn="ctr"/>
+            <a:r>
+              <a:rPr lang="en-US" sz="2400" b="1" u="sng" dirty="0" smtClean="0">
+                <a:solidFill>
+                  <a:schemeClr val="bg1"/>
+                </a:solidFill>
+              </a:rPr>
+              <a:t>Web Application:</a:t>
+            </a:r>
+            <a:endParaRPr lang="en-US" sz="2400" b="1" u="sng" dirty="0">
+              <a:solidFill>
+                <a:schemeClr val="bg1"/>
+              </a:solidFill>
+            </a:endParaRPr>
           </a:p>
         </p:txBody>
       </p:sp>
     </p:spTree>
     <p:extLst>
       <p:ext uri="{BB962C8B-B14F-4D97-AF65-F5344CB8AC3E}">
-        <p14:creationId xmlns:p14="http://schemas.microsoft.com/office/powerpoint/2010/main" val="637198323"/>
+        <p14:creationId xmlns:p14="http://schemas.microsoft.com/office/powerpoint/2010/main" val="1207401987"/>
       </p:ext>
     </p:extLst>
   </p:cSld>
@@ -5029,6 +8348,53 @@
       </p:grpSpPr>
       <p:sp>
         <p:nvSpPr>
+          <p:cNvPr id="4" name="Rounded Rectangle 3"/>
+          <p:cNvSpPr/>
+          <p:nvPr/>
+        </p:nvSpPr>
+        <p:spPr>
+          <a:xfrm>
+            <a:off x="139924" y="3950208"/>
+            <a:ext cx="3534156" cy="2615819"/>
+          </a:xfrm>
+          <a:prstGeom prst="roundRect">
+            <a:avLst/>
+          </a:prstGeom>
+          <a:solidFill>
+            <a:schemeClr val="accent4">
+              <a:lumMod val="40000"/>
+              <a:lumOff val="60000"/>
+            </a:schemeClr>
+          </a:solidFill>
+          <a:ln w="38100">
+            <a:prstDash val="dash"/>
+          </a:ln>
+        </p:spPr>
+        <p:style>
+          <a:lnRef idx="2">
+            <a:schemeClr val="accent4"/>
+          </a:lnRef>
+          <a:fillRef idx="1">
+            <a:schemeClr val="lt1"/>
+          </a:fillRef>
+          <a:effectRef idx="0">
+            <a:schemeClr val="accent4"/>
+          </a:effectRef>
+          <a:fontRef idx="minor">
+            <a:schemeClr val="dk1"/>
+          </a:fontRef>
+        </p:style>
+        <p:txBody>
+          <a:bodyPr rtlCol="0" anchor="ctr"/>
+          <a:lstStyle/>
+          <a:p>
+            <a:pPr algn="ctr"/>
+            <a:endParaRPr lang="en-US"/>
+          </a:p>
+        </p:txBody>
+      </p:sp>
+      <p:sp>
+        <p:nvSpPr>
           <p:cNvPr id="2" name="Title 1"/>
           <p:cNvSpPr>
             <a:spLocks noGrp="1"/>
@@ -5037,14 +8403,20 @@
             <p:ph type="title"/>
           </p:nvPr>
         </p:nvSpPr>
-        <p:spPr/>
+        <p:spPr>
+          <a:xfrm>
+            <a:off x="764764" y="3781362"/>
+            <a:ext cx="2368296" cy="1134491"/>
+          </a:xfrm>
+        </p:spPr>
         <p:txBody>
           <a:bodyPr/>
           <a:lstStyle/>
           <a:p>
-            <a:r>
-              <a:rPr lang="en-US" dirty="0" smtClean="0"/>
-              <a:t>Next week:</a:t>
+            <a:pPr algn="ctr"/>
+            <a:r>
+              <a:rPr lang="en-US" dirty="0" err="1" smtClean="0"/>
+              <a:t>Server.py</a:t>
             </a:r>
             <a:endParaRPr lang="en-US" dirty="0"/>
           </a:p>
@@ -5060,116 +8432,1714 @@
             <p:ph idx="1"/>
           </p:nvPr>
         </p:nvSpPr>
-        <p:spPr/>
+        <p:spPr>
+          <a:xfrm>
+            <a:off x="356332" y="4747007"/>
+            <a:ext cx="3185160" cy="1792224"/>
+          </a:xfrm>
+        </p:spPr>
         <p:txBody>
           <a:bodyPr>
-            <a:normAutofit fontScale="92500" lnSpcReduction="20000"/>
+            <a:normAutofit lnSpcReduction="10000"/>
           </a:bodyPr>
           <a:lstStyle/>
           <a:p>
             <a:r>
+              <a:rPr lang="en-US" sz="1800" dirty="0" smtClean="0"/>
+              <a:t>Keeps track of users location in the quiz</a:t>
+            </a:r>
+          </a:p>
+          <a:p>
+            <a:r>
+              <a:rPr lang="en-US" sz="1800" dirty="0" smtClean="0"/>
+              <a:t>Saves the users answers for recommender use</a:t>
+            </a:r>
+          </a:p>
+          <a:p>
+            <a:r>
+              <a:rPr lang="en-US" sz="1800" dirty="0" smtClean="0"/>
+              <a:t>Routes calls to correct endpoints</a:t>
+            </a:r>
+            <a:endParaRPr lang="en-US" sz="1800" dirty="0"/>
+          </a:p>
+        </p:txBody>
+      </p:sp>
+      <p:sp>
+        <p:nvSpPr>
+          <p:cNvPr id="7" name="Rounded Rectangle 6"/>
+          <p:cNvSpPr/>
+          <p:nvPr/>
+        </p:nvSpPr>
+        <p:spPr>
+          <a:xfrm>
+            <a:off x="6930195" y="4099881"/>
+            <a:ext cx="4011168" cy="2615819"/>
+          </a:xfrm>
+          <a:prstGeom prst="roundRect">
+            <a:avLst/>
+          </a:prstGeom>
+          <a:solidFill>
+            <a:schemeClr val="accent2">
+              <a:lumMod val="40000"/>
+              <a:lumOff val="60000"/>
+            </a:schemeClr>
+          </a:solidFill>
+          <a:ln w="38100">
+            <a:solidFill>
+              <a:srgbClr val="FF0000"/>
+            </a:solidFill>
+            <a:prstDash val="dash"/>
+          </a:ln>
+        </p:spPr>
+        <p:style>
+          <a:lnRef idx="2">
+            <a:schemeClr val="accent4"/>
+          </a:lnRef>
+          <a:fillRef idx="1">
+            <a:schemeClr val="lt1"/>
+          </a:fillRef>
+          <a:effectRef idx="0">
+            <a:schemeClr val="accent4"/>
+          </a:effectRef>
+          <a:fontRef idx="minor">
+            <a:schemeClr val="dk1"/>
+          </a:fontRef>
+        </p:style>
+        <p:txBody>
+          <a:bodyPr rtlCol="0" anchor="ctr"/>
+          <a:lstStyle/>
+          <a:p>
+            <a:pPr algn="ctr"/>
+            <a:endParaRPr lang="en-US"/>
+          </a:p>
+        </p:txBody>
+      </p:sp>
+      <p:sp>
+        <p:nvSpPr>
+          <p:cNvPr id="8" name="Title 1"/>
+          <p:cNvSpPr txBox="1">
+            <a:spLocks/>
+          </p:cNvSpPr>
+          <p:nvPr/>
+        </p:nvSpPr>
+        <p:spPr>
+          <a:xfrm>
+            <a:off x="7751631" y="4099881"/>
+            <a:ext cx="2368296" cy="1134491"/>
+          </a:xfrm>
+          <a:prstGeom prst="rect">
+            <a:avLst/>
+          </a:prstGeom>
+        </p:spPr>
+        <p:txBody>
+          <a:bodyPr vert="horz" lIns="91440" tIns="45720" rIns="91440" bIns="45720" rtlCol="0" anchor="ctr">
+            <a:normAutofit/>
+          </a:bodyPr>
+          <a:lstStyle>
+            <a:lvl1pPr algn="l" defTabSz="914400" rtl="0" eaLnBrk="1" latinLnBrk="0" hangingPunct="1">
+              <a:lnSpc>
+                <a:spcPct val="90000"/>
+              </a:lnSpc>
+              <a:spcBef>
+                <a:spcPct val="0"/>
+              </a:spcBef>
+              <a:buNone/>
+              <a:defRPr sz="4400" kern="1200">
+                <a:solidFill>
+                  <a:schemeClr val="tx1"/>
+                </a:solidFill>
+                <a:latin typeface="+mj-lt"/>
+                <a:ea typeface="+mj-ea"/>
+                <a:cs typeface="+mj-cs"/>
+              </a:defRPr>
+            </a:lvl1pPr>
+          </a:lstStyle>
+          <a:p>
+            <a:pPr algn="ctr"/>
+            <a:r>
+              <a:rPr lang="en-US" dirty="0" err="1" smtClean="0"/>
+              <a:t>Quiz.js</a:t>
+            </a:r>
+            <a:endParaRPr lang="en-US" dirty="0"/>
+          </a:p>
+        </p:txBody>
+      </p:sp>
+      <p:sp>
+        <p:nvSpPr>
+          <p:cNvPr id="9" name="Content Placeholder 2"/>
+          <p:cNvSpPr txBox="1">
+            <a:spLocks/>
+          </p:cNvSpPr>
+          <p:nvPr/>
+        </p:nvSpPr>
+        <p:spPr>
+          <a:xfrm>
+            <a:off x="7202991" y="5228912"/>
+            <a:ext cx="3465576" cy="1280160"/>
+          </a:xfrm>
+          <a:prstGeom prst="rect">
+            <a:avLst/>
+          </a:prstGeom>
+        </p:spPr>
+        <p:txBody>
+          <a:bodyPr vert="horz" lIns="91440" tIns="45720" rIns="91440" bIns="45720" rtlCol="0">
+            <a:normAutofit/>
+          </a:bodyPr>
+          <a:lstStyle>
+            <a:lvl1pPr marL="228600" indent="-228600" algn="l" defTabSz="914400" rtl="0" eaLnBrk="1" latinLnBrk="0" hangingPunct="1">
+              <a:lnSpc>
+                <a:spcPct val="90000"/>
+              </a:lnSpc>
+              <a:spcBef>
+                <a:spcPts val="1000"/>
+              </a:spcBef>
+              <a:buFont typeface="Arial"/>
+              <a:buChar char="•"/>
+              <a:defRPr sz="2800" kern="1200">
+                <a:solidFill>
+                  <a:schemeClr val="tx1"/>
+                </a:solidFill>
+                <a:latin typeface="+mn-lt"/>
+                <a:ea typeface="+mn-ea"/>
+                <a:cs typeface="+mn-cs"/>
+              </a:defRPr>
+            </a:lvl1pPr>
+            <a:lvl2pPr marL="685800" indent="-228600" algn="l" defTabSz="914400" rtl="0" eaLnBrk="1" latinLnBrk="0" hangingPunct="1">
+              <a:lnSpc>
+                <a:spcPct val="90000"/>
+              </a:lnSpc>
+              <a:spcBef>
+                <a:spcPts val="500"/>
+              </a:spcBef>
+              <a:buFont typeface="Arial"/>
+              <a:buChar char="•"/>
+              <a:defRPr sz="2400" kern="1200">
+                <a:solidFill>
+                  <a:schemeClr val="tx1"/>
+                </a:solidFill>
+                <a:latin typeface="+mn-lt"/>
+                <a:ea typeface="+mn-ea"/>
+                <a:cs typeface="+mn-cs"/>
+              </a:defRPr>
+            </a:lvl2pPr>
+            <a:lvl3pPr marL="1143000" indent="-228600" algn="l" defTabSz="914400" rtl="0" eaLnBrk="1" latinLnBrk="0" hangingPunct="1">
+              <a:lnSpc>
+                <a:spcPct val="90000"/>
+              </a:lnSpc>
+              <a:spcBef>
+                <a:spcPts val="500"/>
+              </a:spcBef>
+              <a:buFont typeface="Arial"/>
+              <a:buChar char="•"/>
+              <a:defRPr sz="2000" kern="1200">
+                <a:solidFill>
+                  <a:schemeClr val="tx1"/>
+                </a:solidFill>
+                <a:latin typeface="+mn-lt"/>
+                <a:ea typeface="+mn-ea"/>
+                <a:cs typeface="+mn-cs"/>
+              </a:defRPr>
+            </a:lvl3pPr>
+            <a:lvl4pPr marL="1600200" indent="-228600" algn="l" defTabSz="914400" rtl="0" eaLnBrk="1" latinLnBrk="0" hangingPunct="1">
+              <a:lnSpc>
+                <a:spcPct val="90000"/>
+              </a:lnSpc>
+              <a:spcBef>
+                <a:spcPts val="500"/>
+              </a:spcBef>
+              <a:buFont typeface="Arial"/>
+              <a:buChar char="•"/>
+              <a:defRPr sz="1800" kern="1200">
+                <a:solidFill>
+                  <a:schemeClr val="tx1"/>
+                </a:solidFill>
+                <a:latin typeface="+mn-lt"/>
+                <a:ea typeface="+mn-ea"/>
+                <a:cs typeface="+mn-cs"/>
+              </a:defRPr>
+            </a:lvl4pPr>
+            <a:lvl5pPr marL="2057400" indent="-228600" algn="l" defTabSz="914400" rtl="0" eaLnBrk="1" latinLnBrk="0" hangingPunct="1">
+              <a:lnSpc>
+                <a:spcPct val="90000"/>
+              </a:lnSpc>
+              <a:spcBef>
+                <a:spcPts val="500"/>
+              </a:spcBef>
+              <a:buFont typeface="Arial"/>
+              <a:buChar char="•"/>
+              <a:defRPr sz="1800" kern="1200">
+                <a:solidFill>
+                  <a:schemeClr val="tx1"/>
+                </a:solidFill>
+                <a:latin typeface="+mn-lt"/>
+                <a:ea typeface="+mn-ea"/>
+                <a:cs typeface="+mn-cs"/>
+              </a:defRPr>
+            </a:lvl5pPr>
+            <a:lvl6pPr marL="2514600" indent="-228600" algn="l" defTabSz="914400" rtl="0" eaLnBrk="1" latinLnBrk="0" hangingPunct="1">
+              <a:lnSpc>
+                <a:spcPct val="90000"/>
+              </a:lnSpc>
+              <a:spcBef>
+                <a:spcPts val="500"/>
+              </a:spcBef>
+              <a:buFont typeface="Arial"/>
+              <a:buChar char="•"/>
+              <a:defRPr sz="1800" kern="1200">
+                <a:solidFill>
+                  <a:schemeClr val="tx1"/>
+                </a:solidFill>
+                <a:latin typeface="+mn-lt"/>
+                <a:ea typeface="+mn-ea"/>
+                <a:cs typeface="+mn-cs"/>
+              </a:defRPr>
+            </a:lvl6pPr>
+            <a:lvl7pPr marL="2971800" indent="-228600" algn="l" defTabSz="914400" rtl="0" eaLnBrk="1" latinLnBrk="0" hangingPunct="1">
+              <a:lnSpc>
+                <a:spcPct val="90000"/>
+              </a:lnSpc>
+              <a:spcBef>
+                <a:spcPts val="500"/>
+              </a:spcBef>
+              <a:buFont typeface="Arial"/>
+              <a:buChar char="•"/>
+              <a:defRPr sz="1800" kern="1200">
+                <a:solidFill>
+                  <a:schemeClr val="tx1"/>
+                </a:solidFill>
+                <a:latin typeface="+mn-lt"/>
+                <a:ea typeface="+mn-ea"/>
+                <a:cs typeface="+mn-cs"/>
+              </a:defRPr>
+            </a:lvl7pPr>
+            <a:lvl8pPr marL="3429000" indent="-228600" algn="l" defTabSz="914400" rtl="0" eaLnBrk="1" latinLnBrk="0" hangingPunct="1">
+              <a:lnSpc>
+                <a:spcPct val="90000"/>
+              </a:lnSpc>
+              <a:spcBef>
+                <a:spcPts val="500"/>
+              </a:spcBef>
+              <a:buFont typeface="Arial"/>
+              <a:buChar char="•"/>
+              <a:defRPr sz="1800" kern="1200">
+                <a:solidFill>
+                  <a:schemeClr val="tx1"/>
+                </a:solidFill>
+                <a:latin typeface="+mn-lt"/>
+                <a:ea typeface="+mn-ea"/>
+                <a:cs typeface="+mn-cs"/>
+              </a:defRPr>
+            </a:lvl8pPr>
+            <a:lvl9pPr marL="3886200" indent="-228600" algn="l" defTabSz="914400" rtl="0" eaLnBrk="1" latinLnBrk="0" hangingPunct="1">
+              <a:lnSpc>
+                <a:spcPct val="90000"/>
+              </a:lnSpc>
+              <a:spcBef>
+                <a:spcPts val="500"/>
+              </a:spcBef>
+              <a:buFont typeface="Arial"/>
+              <a:buChar char="•"/>
+              <a:defRPr sz="1800" kern="1200">
+                <a:solidFill>
+                  <a:schemeClr val="tx1"/>
+                </a:solidFill>
+                <a:latin typeface="+mn-lt"/>
+                <a:ea typeface="+mn-ea"/>
+                <a:cs typeface="+mn-cs"/>
+              </a:defRPr>
+            </a:lvl9pPr>
+          </a:lstStyle>
+          <a:p>
+            <a:r>
+              <a:rPr lang="en-US" sz="1800" dirty="0" smtClean="0"/>
+              <a:t>Uses </a:t>
+            </a:r>
+            <a:r>
+              <a:rPr lang="en-US" sz="1800" dirty="0" err="1" smtClean="0"/>
+              <a:t>jquery</a:t>
+            </a:r>
+            <a:r>
+              <a:rPr lang="en-US" sz="1800" dirty="0" smtClean="0"/>
+              <a:t> to send and receive data from server</a:t>
+            </a:r>
+          </a:p>
+          <a:p>
+            <a:r>
+              <a:rPr lang="en-US" sz="1800" dirty="0" smtClean="0"/>
+              <a:t>Keeps track of what to show on webpage</a:t>
+            </a:r>
+          </a:p>
+        </p:txBody>
+      </p:sp>
+      <p:sp>
+        <p:nvSpPr>
+          <p:cNvPr id="10" name="Rounded Rectangle 9"/>
+          <p:cNvSpPr/>
+          <p:nvPr/>
+        </p:nvSpPr>
+        <p:spPr>
+          <a:xfrm>
+            <a:off x="8596884" y="377321"/>
+            <a:ext cx="3387852" cy="2055623"/>
+          </a:xfrm>
+          <a:prstGeom prst="roundRect">
+            <a:avLst/>
+          </a:prstGeom>
+          <a:solidFill>
+            <a:schemeClr val="accent5">
+              <a:lumMod val="60000"/>
+              <a:lumOff val="40000"/>
+            </a:schemeClr>
+          </a:solidFill>
+          <a:ln w="38100">
+            <a:solidFill>
+              <a:schemeClr val="accent1">
+                <a:lumMod val="75000"/>
+              </a:schemeClr>
+            </a:solidFill>
+            <a:prstDash val="dash"/>
+          </a:ln>
+        </p:spPr>
+        <p:style>
+          <a:lnRef idx="2">
+            <a:schemeClr val="accent4"/>
+          </a:lnRef>
+          <a:fillRef idx="1">
+            <a:schemeClr val="lt1"/>
+          </a:fillRef>
+          <a:effectRef idx="0">
+            <a:schemeClr val="accent4"/>
+          </a:effectRef>
+          <a:fontRef idx="minor">
+            <a:schemeClr val="dk1"/>
+          </a:fontRef>
+        </p:style>
+        <p:txBody>
+          <a:bodyPr rtlCol="0" anchor="ctr"/>
+          <a:lstStyle/>
+          <a:p>
+            <a:pPr algn="ctr"/>
+            <a:endParaRPr lang="en-US"/>
+          </a:p>
+        </p:txBody>
+      </p:sp>
+      <p:sp>
+        <p:nvSpPr>
+          <p:cNvPr id="11" name="Title 1"/>
+          <p:cNvSpPr txBox="1">
+            <a:spLocks/>
+          </p:cNvSpPr>
+          <p:nvPr/>
+        </p:nvSpPr>
+        <p:spPr>
+          <a:xfrm>
+            <a:off x="9106662" y="322277"/>
+            <a:ext cx="2368296" cy="1134491"/>
+          </a:xfrm>
+          <a:prstGeom prst="rect">
+            <a:avLst/>
+          </a:prstGeom>
+        </p:spPr>
+        <p:txBody>
+          <a:bodyPr vert="horz" lIns="91440" tIns="45720" rIns="91440" bIns="45720" rtlCol="0" anchor="ctr">
+            <a:normAutofit/>
+          </a:bodyPr>
+          <a:lstStyle>
+            <a:lvl1pPr algn="l" defTabSz="914400" rtl="0" eaLnBrk="1" latinLnBrk="0" hangingPunct="1">
+              <a:lnSpc>
+                <a:spcPct val="90000"/>
+              </a:lnSpc>
+              <a:spcBef>
+                <a:spcPct val="0"/>
+              </a:spcBef>
+              <a:buNone/>
+              <a:defRPr sz="4400" kern="1200">
+                <a:solidFill>
+                  <a:schemeClr val="tx1"/>
+                </a:solidFill>
+                <a:latin typeface="+mj-lt"/>
+                <a:ea typeface="+mj-ea"/>
+                <a:cs typeface="+mj-cs"/>
+              </a:defRPr>
+            </a:lvl1pPr>
+          </a:lstStyle>
+          <a:p>
+            <a:pPr algn="ctr"/>
+            <a:r>
+              <a:rPr lang="en-US" dirty="0" err="1" smtClean="0"/>
+              <a:t>Quiz.html</a:t>
+            </a:r>
+            <a:endParaRPr lang="en-US" dirty="0"/>
+          </a:p>
+        </p:txBody>
+      </p:sp>
+      <p:sp>
+        <p:nvSpPr>
+          <p:cNvPr id="12" name="Content Placeholder 2"/>
+          <p:cNvSpPr txBox="1">
+            <a:spLocks/>
+          </p:cNvSpPr>
+          <p:nvPr/>
+        </p:nvSpPr>
+        <p:spPr>
+          <a:xfrm>
+            <a:off x="8730996" y="1305184"/>
+            <a:ext cx="3119628" cy="1127760"/>
+          </a:xfrm>
+          <a:prstGeom prst="rect">
+            <a:avLst/>
+          </a:prstGeom>
+        </p:spPr>
+        <p:txBody>
+          <a:bodyPr vert="horz" lIns="91440" tIns="45720" rIns="91440" bIns="45720" rtlCol="0">
+            <a:normAutofit/>
+          </a:bodyPr>
+          <a:lstStyle>
+            <a:lvl1pPr marL="228600" indent="-228600" algn="l" defTabSz="914400" rtl="0" eaLnBrk="1" latinLnBrk="0" hangingPunct="1">
+              <a:lnSpc>
+                <a:spcPct val="90000"/>
+              </a:lnSpc>
+              <a:spcBef>
+                <a:spcPts val="1000"/>
+              </a:spcBef>
+              <a:buFont typeface="Arial"/>
+              <a:buChar char="•"/>
+              <a:defRPr sz="2800" kern="1200">
+                <a:solidFill>
+                  <a:schemeClr val="tx1"/>
+                </a:solidFill>
+                <a:latin typeface="+mn-lt"/>
+                <a:ea typeface="+mn-ea"/>
+                <a:cs typeface="+mn-cs"/>
+              </a:defRPr>
+            </a:lvl1pPr>
+            <a:lvl2pPr marL="685800" indent="-228600" algn="l" defTabSz="914400" rtl="0" eaLnBrk="1" latinLnBrk="0" hangingPunct="1">
+              <a:lnSpc>
+                <a:spcPct val="90000"/>
+              </a:lnSpc>
+              <a:spcBef>
+                <a:spcPts val="500"/>
+              </a:spcBef>
+              <a:buFont typeface="Arial"/>
+              <a:buChar char="•"/>
+              <a:defRPr sz="2400" kern="1200">
+                <a:solidFill>
+                  <a:schemeClr val="tx1"/>
+                </a:solidFill>
+                <a:latin typeface="+mn-lt"/>
+                <a:ea typeface="+mn-ea"/>
+                <a:cs typeface="+mn-cs"/>
+              </a:defRPr>
+            </a:lvl2pPr>
+            <a:lvl3pPr marL="1143000" indent="-228600" algn="l" defTabSz="914400" rtl="0" eaLnBrk="1" latinLnBrk="0" hangingPunct="1">
+              <a:lnSpc>
+                <a:spcPct val="90000"/>
+              </a:lnSpc>
+              <a:spcBef>
+                <a:spcPts val="500"/>
+              </a:spcBef>
+              <a:buFont typeface="Arial"/>
+              <a:buChar char="•"/>
+              <a:defRPr sz="2000" kern="1200">
+                <a:solidFill>
+                  <a:schemeClr val="tx1"/>
+                </a:solidFill>
+                <a:latin typeface="+mn-lt"/>
+                <a:ea typeface="+mn-ea"/>
+                <a:cs typeface="+mn-cs"/>
+              </a:defRPr>
+            </a:lvl3pPr>
+            <a:lvl4pPr marL="1600200" indent="-228600" algn="l" defTabSz="914400" rtl="0" eaLnBrk="1" latinLnBrk="0" hangingPunct="1">
+              <a:lnSpc>
+                <a:spcPct val="90000"/>
+              </a:lnSpc>
+              <a:spcBef>
+                <a:spcPts val="500"/>
+              </a:spcBef>
+              <a:buFont typeface="Arial"/>
+              <a:buChar char="•"/>
+              <a:defRPr sz="1800" kern="1200">
+                <a:solidFill>
+                  <a:schemeClr val="tx1"/>
+                </a:solidFill>
+                <a:latin typeface="+mn-lt"/>
+                <a:ea typeface="+mn-ea"/>
+                <a:cs typeface="+mn-cs"/>
+              </a:defRPr>
+            </a:lvl4pPr>
+            <a:lvl5pPr marL="2057400" indent="-228600" algn="l" defTabSz="914400" rtl="0" eaLnBrk="1" latinLnBrk="0" hangingPunct="1">
+              <a:lnSpc>
+                <a:spcPct val="90000"/>
+              </a:lnSpc>
+              <a:spcBef>
+                <a:spcPts val="500"/>
+              </a:spcBef>
+              <a:buFont typeface="Arial"/>
+              <a:buChar char="•"/>
+              <a:defRPr sz="1800" kern="1200">
+                <a:solidFill>
+                  <a:schemeClr val="tx1"/>
+                </a:solidFill>
+                <a:latin typeface="+mn-lt"/>
+                <a:ea typeface="+mn-ea"/>
+                <a:cs typeface="+mn-cs"/>
+              </a:defRPr>
+            </a:lvl5pPr>
+            <a:lvl6pPr marL="2514600" indent="-228600" algn="l" defTabSz="914400" rtl="0" eaLnBrk="1" latinLnBrk="0" hangingPunct="1">
+              <a:lnSpc>
+                <a:spcPct val="90000"/>
+              </a:lnSpc>
+              <a:spcBef>
+                <a:spcPts val="500"/>
+              </a:spcBef>
+              <a:buFont typeface="Arial"/>
+              <a:buChar char="•"/>
+              <a:defRPr sz="1800" kern="1200">
+                <a:solidFill>
+                  <a:schemeClr val="tx1"/>
+                </a:solidFill>
+                <a:latin typeface="+mn-lt"/>
+                <a:ea typeface="+mn-ea"/>
+                <a:cs typeface="+mn-cs"/>
+              </a:defRPr>
+            </a:lvl6pPr>
+            <a:lvl7pPr marL="2971800" indent="-228600" algn="l" defTabSz="914400" rtl="0" eaLnBrk="1" latinLnBrk="0" hangingPunct="1">
+              <a:lnSpc>
+                <a:spcPct val="90000"/>
+              </a:lnSpc>
+              <a:spcBef>
+                <a:spcPts val="500"/>
+              </a:spcBef>
+              <a:buFont typeface="Arial"/>
+              <a:buChar char="•"/>
+              <a:defRPr sz="1800" kern="1200">
+                <a:solidFill>
+                  <a:schemeClr val="tx1"/>
+                </a:solidFill>
+                <a:latin typeface="+mn-lt"/>
+                <a:ea typeface="+mn-ea"/>
+                <a:cs typeface="+mn-cs"/>
+              </a:defRPr>
+            </a:lvl7pPr>
+            <a:lvl8pPr marL="3429000" indent="-228600" algn="l" defTabSz="914400" rtl="0" eaLnBrk="1" latinLnBrk="0" hangingPunct="1">
+              <a:lnSpc>
+                <a:spcPct val="90000"/>
+              </a:lnSpc>
+              <a:spcBef>
+                <a:spcPts val="500"/>
+              </a:spcBef>
+              <a:buFont typeface="Arial"/>
+              <a:buChar char="•"/>
+              <a:defRPr sz="1800" kern="1200">
+                <a:solidFill>
+                  <a:schemeClr val="tx1"/>
+                </a:solidFill>
+                <a:latin typeface="+mn-lt"/>
+                <a:ea typeface="+mn-ea"/>
+                <a:cs typeface="+mn-cs"/>
+              </a:defRPr>
+            </a:lvl8pPr>
+            <a:lvl9pPr marL="3886200" indent="-228600" algn="l" defTabSz="914400" rtl="0" eaLnBrk="1" latinLnBrk="0" hangingPunct="1">
+              <a:lnSpc>
+                <a:spcPct val="90000"/>
+              </a:lnSpc>
+              <a:spcBef>
+                <a:spcPts val="500"/>
+              </a:spcBef>
+              <a:buFont typeface="Arial"/>
+              <a:buChar char="•"/>
+              <a:defRPr sz="1800" kern="1200">
+                <a:solidFill>
+                  <a:schemeClr val="tx1"/>
+                </a:solidFill>
+                <a:latin typeface="+mn-lt"/>
+                <a:ea typeface="+mn-ea"/>
+                <a:cs typeface="+mn-cs"/>
+              </a:defRPr>
+            </a:lvl9pPr>
+          </a:lstStyle>
+          <a:p>
+            <a:r>
+              <a:rPr lang="en-US" sz="1800" dirty="0" smtClean="0"/>
+              <a:t>Guide for where to put information on screen</a:t>
+            </a:r>
+          </a:p>
+          <a:p>
+            <a:r>
+              <a:rPr lang="en-US" sz="1800" dirty="0" smtClean="0"/>
+              <a:t>Generic HTML Code</a:t>
+            </a:r>
+          </a:p>
+        </p:txBody>
+      </p:sp>
+      <p:sp>
+        <p:nvSpPr>
+          <p:cNvPr id="16" name="Left-Right Arrow 15"/>
+          <p:cNvSpPr/>
+          <p:nvPr/>
+        </p:nvSpPr>
+        <p:spPr>
+          <a:xfrm>
+            <a:off x="3776472" y="4667126"/>
+            <a:ext cx="2881751" cy="1011936"/>
+          </a:xfrm>
+          <a:prstGeom prst="leftRightArrow">
+            <a:avLst/>
+          </a:prstGeom>
+          <a:solidFill>
+            <a:schemeClr val="bg1">
+              <a:lumMod val="75000"/>
+            </a:schemeClr>
+          </a:solidFill>
+        </p:spPr>
+        <p:style>
+          <a:lnRef idx="2">
+            <a:schemeClr val="accent1">
+              <a:shade val="50000"/>
+            </a:schemeClr>
+          </a:lnRef>
+          <a:fillRef idx="1">
+            <a:schemeClr val="accent1"/>
+          </a:fillRef>
+          <a:effectRef idx="0">
+            <a:schemeClr val="accent1"/>
+          </a:effectRef>
+          <a:fontRef idx="minor">
+            <a:schemeClr val="lt1"/>
+          </a:fontRef>
+        </p:style>
+        <p:txBody>
+          <a:bodyPr rtlCol="0" anchor="ctr"/>
+          <a:lstStyle/>
+          <a:p>
+            <a:pPr algn="ctr"/>
+            <a:r>
+              <a:rPr lang="en-US" dirty="0" err="1" smtClean="0"/>
+              <a:t>Async</a:t>
+            </a:r>
+            <a:r>
               <a:rPr lang="en-US" dirty="0" smtClean="0"/>
-              <a:t>Use another algorithm as a recommender to create predictions</a:t>
-            </a:r>
-          </a:p>
-          <a:p>
-            <a:r>
-              <a:rPr lang="en-US" dirty="0" smtClean="0"/>
-              <a:t>Facet Prediction addition</a:t>
-            </a:r>
-          </a:p>
-          <a:p>
-            <a:r>
-              <a:rPr lang="en-US" dirty="0" smtClean="0"/>
-              <a:t>Create Graph of Traits to facets</a:t>
-            </a:r>
-          </a:p>
-          <a:p>
-            <a:r>
-              <a:rPr lang="en-US" dirty="0" smtClean="0"/>
-              <a:t>Apply Neural network to create the predictions</a:t>
-            </a:r>
-          </a:p>
-          <a:p>
-            <a:r>
-              <a:rPr lang="en-US" dirty="0" smtClean="0"/>
-              <a:t>Ensample recommender and decision tree</a:t>
-            </a:r>
-          </a:p>
-          <a:p>
-            <a:r>
-              <a:rPr lang="en-US" dirty="0" smtClean="0"/>
-              <a:t>Visual after taking quiz where you fall</a:t>
-            </a:r>
-          </a:p>
-          <a:p>
-            <a:r>
-              <a:rPr lang="en-US" dirty="0" smtClean="0"/>
-              <a:t>WEB APP!</a:t>
-            </a:r>
-          </a:p>
-          <a:p>
-            <a:pPr lvl="1"/>
-            <a:r>
-              <a:rPr lang="en-US" dirty="0" smtClean="0"/>
-              <a:t>Keep user id</a:t>
-            </a:r>
-          </a:p>
-          <a:p>
-            <a:pPr lvl="1"/>
-            <a:r>
-              <a:rPr lang="en-US" dirty="0" smtClean="0"/>
-              <a:t>Send use message if they match </a:t>
-            </a:r>
-            <a:r>
-              <a:rPr lang="mr-IN" dirty="0" smtClean="0"/>
-              <a:t>–</a:t>
-            </a:r>
-            <a:r>
-              <a:rPr lang="en-US" dirty="0" smtClean="0"/>
-              <a:t> </a:t>
-            </a:r>
+              <a:t> Communication</a:t>
+            </a:r>
+            <a:endParaRPr lang="en-US" dirty="0"/>
+          </a:p>
+        </p:txBody>
+      </p:sp>
+      <p:sp>
+        <p:nvSpPr>
+          <p:cNvPr id="17" name="Rounded Rectangle 16"/>
+          <p:cNvSpPr/>
+          <p:nvPr/>
+        </p:nvSpPr>
+        <p:spPr>
+          <a:xfrm>
+            <a:off x="4870704" y="377321"/>
+            <a:ext cx="3389376" cy="2055623"/>
+          </a:xfrm>
+          <a:prstGeom prst="roundRect">
+            <a:avLst/>
+          </a:prstGeom>
+          <a:solidFill>
+            <a:schemeClr val="bg1">
+              <a:lumMod val="65000"/>
+            </a:schemeClr>
+          </a:solidFill>
+          <a:ln w="38100">
+            <a:solidFill>
+              <a:schemeClr val="accent6">
+                <a:lumMod val="75000"/>
+              </a:schemeClr>
+            </a:solidFill>
+            <a:prstDash val="dash"/>
+          </a:ln>
+        </p:spPr>
+        <p:style>
+          <a:lnRef idx="2">
+            <a:schemeClr val="accent4"/>
+          </a:lnRef>
+          <a:fillRef idx="1">
+            <a:schemeClr val="lt1"/>
+          </a:fillRef>
+          <a:effectRef idx="0">
+            <a:schemeClr val="accent4"/>
+          </a:effectRef>
+          <a:fontRef idx="minor">
+            <a:schemeClr val="dk1"/>
+          </a:fontRef>
+        </p:style>
+        <p:txBody>
+          <a:bodyPr rtlCol="0" anchor="ctr"/>
+          <a:lstStyle/>
+          <a:p>
+            <a:pPr algn="ctr"/>
+            <a:endParaRPr lang="en-US"/>
+          </a:p>
+        </p:txBody>
+      </p:sp>
+      <p:sp>
+        <p:nvSpPr>
+          <p:cNvPr id="18" name="Title 1"/>
+          <p:cNvSpPr txBox="1">
+            <a:spLocks/>
+          </p:cNvSpPr>
+          <p:nvPr/>
+        </p:nvSpPr>
+        <p:spPr>
+          <a:xfrm>
+            <a:off x="5471774" y="310080"/>
+            <a:ext cx="2187236" cy="1134491"/>
+          </a:xfrm>
+          <a:prstGeom prst="rect">
+            <a:avLst/>
+          </a:prstGeom>
+        </p:spPr>
+        <p:txBody>
+          <a:bodyPr vert="horz" lIns="91440" tIns="45720" rIns="91440" bIns="45720" rtlCol="0" anchor="ctr">
+            <a:normAutofit/>
+          </a:bodyPr>
+          <a:lstStyle>
+            <a:lvl1pPr algn="l" defTabSz="914400" rtl="0" eaLnBrk="1" latinLnBrk="0" hangingPunct="1">
+              <a:lnSpc>
+                <a:spcPct val="90000"/>
+              </a:lnSpc>
+              <a:spcBef>
+                <a:spcPct val="0"/>
+              </a:spcBef>
+              <a:buNone/>
+              <a:defRPr sz="4400" kern="1200">
+                <a:solidFill>
+                  <a:schemeClr val="tx1"/>
+                </a:solidFill>
+                <a:latin typeface="+mj-lt"/>
+                <a:ea typeface="+mj-ea"/>
+                <a:cs typeface="+mj-cs"/>
+              </a:defRPr>
+            </a:lvl1pPr>
+          </a:lstStyle>
+          <a:p>
+            <a:pPr algn="ctr"/>
             <a:r>
               <a:rPr lang="en-US" dirty="0" err="1" smtClean="0"/>
-              <a:t>idk</a:t>
-            </a:r>
-            <a:endParaRPr lang="en-US" dirty="0" smtClean="0"/>
-          </a:p>
-          <a:p>
-            <a:pPr lvl="1"/>
-            <a:r>
-              <a:rPr lang="en-US" dirty="0" smtClean="0"/>
-              <a:t>T </a:t>
-            </a:r>
-            <a:r>
-              <a:rPr lang="mr-IN" dirty="0" smtClean="0"/>
-              <a:t>–</a:t>
-            </a:r>
-            <a:r>
-              <a:rPr lang="en-US" dirty="0" smtClean="0"/>
-              <a:t> </a:t>
-            </a:r>
-            <a:r>
-              <a:rPr lang="en-US" dirty="0" err="1" smtClean="0"/>
-              <a:t>sne</a:t>
-            </a:r>
-            <a:endParaRPr lang="en-US" dirty="0" smtClean="0"/>
-          </a:p>
-          <a:p>
-            <a:r>
-              <a:rPr lang="en-US" dirty="0" smtClean="0"/>
-              <a:t>Up or down next day bitcoin price</a:t>
-            </a:r>
-          </a:p>
-          <a:p>
+              <a:t>Quiz.css</a:t>
+            </a:r>
             <a:endParaRPr lang="en-US" dirty="0"/>
+          </a:p>
+        </p:txBody>
+      </p:sp>
+      <p:sp>
+        <p:nvSpPr>
+          <p:cNvPr id="19" name="Content Placeholder 2"/>
+          <p:cNvSpPr txBox="1">
+            <a:spLocks/>
+          </p:cNvSpPr>
+          <p:nvPr/>
+        </p:nvSpPr>
+        <p:spPr>
+          <a:xfrm>
+            <a:off x="5387140" y="1172982"/>
+            <a:ext cx="2693932" cy="780288"/>
+          </a:xfrm>
+          <a:prstGeom prst="rect">
+            <a:avLst/>
+          </a:prstGeom>
+        </p:spPr>
+        <p:txBody>
+          <a:bodyPr vert="horz" lIns="91440" tIns="45720" rIns="91440" bIns="45720" rtlCol="0">
+            <a:normAutofit/>
+          </a:bodyPr>
+          <a:lstStyle>
+            <a:lvl1pPr marL="228600" indent="-228600" algn="l" defTabSz="914400" rtl="0" eaLnBrk="1" latinLnBrk="0" hangingPunct="1">
+              <a:lnSpc>
+                <a:spcPct val="90000"/>
+              </a:lnSpc>
+              <a:spcBef>
+                <a:spcPts val="1000"/>
+              </a:spcBef>
+              <a:buFont typeface="Arial"/>
+              <a:buChar char="•"/>
+              <a:defRPr sz="2800" kern="1200">
+                <a:solidFill>
+                  <a:schemeClr val="tx1"/>
+                </a:solidFill>
+                <a:latin typeface="+mn-lt"/>
+                <a:ea typeface="+mn-ea"/>
+                <a:cs typeface="+mn-cs"/>
+              </a:defRPr>
+            </a:lvl1pPr>
+            <a:lvl2pPr marL="685800" indent="-228600" algn="l" defTabSz="914400" rtl="0" eaLnBrk="1" latinLnBrk="0" hangingPunct="1">
+              <a:lnSpc>
+                <a:spcPct val="90000"/>
+              </a:lnSpc>
+              <a:spcBef>
+                <a:spcPts val="500"/>
+              </a:spcBef>
+              <a:buFont typeface="Arial"/>
+              <a:buChar char="•"/>
+              <a:defRPr sz="2400" kern="1200">
+                <a:solidFill>
+                  <a:schemeClr val="tx1"/>
+                </a:solidFill>
+                <a:latin typeface="+mn-lt"/>
+                <a:ea typeface="+mn-ea"/>
+                <a:cs typeface="+mn-cs"/>
+              </a:defRPr>
+            </a:lvl2pPr>
+            <a:lvl3pPr marL="1143000" indent="-228600" algn="l" defTabSz="914400" rtl="0" eaLnBrk="1" latinLnBrk="0" hangingPunct="1">
+              <a:lnSpc>
+                <a:spcPct val="90000"/>
+              </a:lnSpc>
+              <a:spcBef>
+                <a:spcPts val="500"/>
+              </a:spcBef>
+              <a:buFont typeface="Arial"/>
+              <a:buChar char="•"/>
+              <a:defRPr sz="2000" kern="1200">
+                <a:solidFill>
+                  <a:schemeClr val="tx1"/>
+                </a:solidFill>
+                <a:latin typeface="+mn-lt"/>
+                <a:ea typeface="+mn-ea"/>
+                <a:cs typeface="+mn-cs"/>
+              </a:defRPr>
+            </a:lvl3pPr>
+            <a:lvl4pPr marL="1600200" indent="-228600" algn="l" defTabSz="914400" rtl="0" eaLnBrk="1" latinLnBrk="0" hangingPunct="1">
+              <a:lnSpc>
+                <a:spcPct val="90000"/>
+              </a:lnSpc>
+              <a:spcBef>
+                <a:spcPts val="500"/>
+              </a:spcBef>
+              <a:buFont typeface="Arial"/>
+              <a:buChar char="•"/>
+              <a:defRPr sz="1800" kern="1200">
+                <a:solidFill>
+                  <a:schemeClr val="tx1"/>
+                </a:solidFill>
+                <a:latin typeface="+mn-lt"/>
+                <a:ea typeface="+mn-ea"/>
+                <a:cs typeface="+mn-cs"/>
+              </a:defRPr>
+            </a:lvl4pPr>
+            <a:lvl5pPr marL="2057400" indent="-228600" algn="l" defTabSz="914400" rtl="0" eaLnBrk="1" latinLnBrk="0" hangingPunct="1">
+              <a:lnSpc>
+                <a:spcPct val="90000"/>
+              </a:lnSpc>
+              <a:spcBef>
+                <a:spcPts val="500"/>
+              </a:spcBef>
+              <a:buFont typeface="Arial"/>
+              <a:buChar char="•"/>
+              <a:defRPr sz="1800" kern="1200">
+                <a:solidFill>
+                  <a:schemeClr val="tx1"/>
+                </a:solidFill>
+                <a:latin typeface="+mn-lt"/>
+                <a:ea typeface="+mn-ea"/>
+                <a:cs typeface="+mn-cs"/>
+              </a:defRPr>
+            </a:lvl5pPr>
+            <a:lvl6pPr marL="2514600" indent="-228600" algn="l" defTabSz="914400" rtl="0" eaLnBrk="1" latinLnBrk="0" hangingPunct="1">
+              <a:lnSpc>
+                <a:spcPct val="90000"/>
+              </a:lnSpc>
+              <a:spcBef>
+                <a:spcPts val="500"/>
+              </a:spcBef>
+              <a:buFont typeface="Arial"/>
+              <a:buChar char="•"/>
+              <a:defRPr sz="1800" kern="1200">
+                <a:solidFill>
+                  <a:schemeClr val="tx1"/>
+                </a:solidFill>
+                <a:latin typeface="+mn-lt"/>
+                <a:ea typeface="+mn-ea"/>
+                <a:cs typeface="+mn-cs"/>
+              </a:defRPr>
+            </a:lvl6pPr>
+            <a:lvl7pPr marL="2971800" indent="-228600" algn="l" defTabSz="914400" rtl="0" eaLnBrk="1" latinLnBrk="0" hangingPunct="1">
+              <a:lnSpc>
+                <a:spcPct val="90000"/>
+              </a:lnSpc>
+              <a:spcBef>
+                <a:spcPts val="500"/>
+              </a:spcBef>
+              <a:buFont typeface="Arial"/>
+              <a:buChar char="•"/>
+              <a:defRPr sz="1800" kern="1200">
+                <a:solidFill>
+                  <a:schemeClr val="tx1"/>
+                </a:solidFill>
+                <a:latin typeface="+mn-lt"/>
+                <a:ea typeface="+mn-ea"/>
+                <a:cs typeface="+mn-cs"/>
+              </a:defRPr>
+            </a:lvl7pPr>
+            <a:lvl8pPr marL="3429000" indent="-228600" algn="l" defTabSz="914400" rtl="0" eaLnBrk="1" latinLnBrk="0" hangingPunct="1">
+              <a:lnSpc>
+                <a:spcPct val="90000"/>
+              </a:lnSpc>
+              <a:spcBef>
+                <a:spcPts val="500"/>
+              </a:spcBef>
+              <a:buFont typeface="Arial"/>
+              <a:buChar char="•"/>
+              <a:defRPr sz="1800" kern="1200">
+                <a:solidFill>
+                  <a:schemeClr val="tx1"/>
+                </a:solidFill>
+                <a:latin typeface="+mn-lt"/>
+                <a:ea typeface="+mn-ea"/>
+                <a:cs typeface="+mn-cs"/>
+              </a:defRPr>
+            </a:lvl8pPr>
+            <a:lvl9pPr marL="3886200" indent="-228600" algn="l" defTabSz="914400" rtl="0" eaLnBrk="1" latinLnBrk="0" hangingPunct="1">
+              <a:lnSpc>
+                <a:spcPct val="90000"/>
+              </a:lnSpc>
+              <a:spcBef>
+                <a:spcPts val="500"/>
+              </a:spcBef>
+              <a:buFont typeface="Arial"/>
+              <a:buChar char="•"/>
+              <a:defRPr sz="1800" kern="1200">
+                <a:solidFill>
+                  <a:schemeClr val="tx1"/>
+                </a:solidFill>
+                <a:latin typeface="+mn-lt"/>
+                <a:ea typeface="+mn-ea"/>
+                <a:cs typeface="+mn-cs"/>
+              </a:defRPr>
+            </a:lvl9pPr>
+          </a:lstStyle>
+          <a:p>
+            <a:r>
+              <a:rPr lang="en-US" sz="1800" dirty="0" smtClean="0"/>
+              <a:t>Formats media on page</a:t>
+            </a:r>
+          </a:p>
+          <a:p>
+            <a:r>
+              <a:rPr lang="en-US" sz="1800" dirty="0" smtClean="0"/>
+              <a:t>Adds aesthetics</a:t>
+            </a:r>
+          </a:p>
+        </p:txBody>
+      </p:sp>
+      <p:sp>
+        <p:nvSpPr>
+          <p:cNvPr id="24" name="Right Brace 23"/>
+          <p:cNvSpPr/>
+          <p:nvPr/>
+        </p:nvSpPr>
+        <p:spPr>
+          <a:xfrm rot="5400000">
+            <a:off x="7580521" y="-622854"/>
+            <a:ext cx="1694399" cy="7114032"/>
+          </a:xfrm>
+          <a:prstGeom prst="rightBrace">
+            <a:avLst>
+              <a:gd name="adj1" fmla="val 8333"/>
+              <a:gd name="adj2" fmla="val 43488"/>
+            </a:avLst>
+          </a:prstGeom>
+          <a:ln w="66675">
+            <a:solidFill>
+              <a:schemeClr val="accent2">
+                <a:lumMod val="75000"/>
+              </a:schemeClr>
+            </a:solidFill>
+          </a:ln>
+        </p:spPr>
+        <p:style>
+          <a:lnRef idx="1">
+            <a:schemeClr val="accent1"/>
+          </a:lnRef>
+          <a:fillRef idx="0">
+            <a:schemeClr val="accent1"/>
+          </a:fillRef>
+          <a:effectRef idx="0">
+            <a:schemeClr val="accent1"/>
+          </a:effectRef>
+          <a:fontRef idx="minor">
+            <a:schemeClr val="tx1"/>
+          </a:fontRef>
+        </p:style>
+        <p:txBody>
+          <a:bodyPr rtlCol="0" anchor="ctr"/>
+          <a:lstStyle/>
+          <a:p>
+            <a:pPr algn="ctr"/>
+            <a:endParaRPr lang="en-US"/>
+          </a:p>
+        </p:txBody>
+      </p:sp>
+      <p:sp>
+        <p:nvSpPr>
+          <p:cNvPr id="25" name="TextBox 24"/>
+          <p:cNvSpPr txBox="1"/>
+          <p:nvPr/>
+        </p:nvSpPr>
+        <p:spPr>
+          <a:xfrm>
+            <a:off x="488921" y="3580876"/>
+            <a:ext cx="3185160" cy="369332"/>
+          </a:xfrm>
+          <a:prstGeom prst="rect">
+            <a:avLst/>
+          </a:prstGeom>
+          <a:noFill/>
+        </p:spPr>
+        <p:txBody>
+          <a:bodyPr wrap="square" rtlCol="0">
+            <a:spAutoFit/>
+          </a:bodyPr>
+          <a:lstStyle/>
+          <a:p>
+            <a:pPr algn="ctr"/>
+            <a:r>
+              <a:rPr lang="en-US" b="1" u="sng" dirty="0" smtClean="0">
+                <a:solidFill>
+                  <a:schemeClr val="tx1">
+                    <a:lumMod val="85000"/>
+                    <a:lumOff val="15000"/>
+                  </a:schemeClr>
+                </a:solidFill>
+              </a:rPr>
+              <a:t>EC2 Server in AWS cloud</a:t>
+            </a:r>
+            <a:endParaRPr lang="en-US" b="1" u="sng" dirty="0">
+              <a:solidFill>
+                <a:schemeClr val="tx1">
+                  <a:lumMod val="85000"/>
+                  <a:lumOff val="15000"/>
+                </a:schemeClr>
+              </a:solidFill>
+            </a:endParaRPr>
           </a:p>
         </p:txBody>
       </p:sp>
     </p:spTree>
     <p:extLst>
       <p:ext uri="{BB962C8B-B14F-4D97-AF65-F5344CB8AC3E}">
-        <p14:creationId xmlns:p14="http://schemas.microsoft.com/office/powerpoint/2010/main" val="744906223"/>
+        <p14:creationId xmlns:p14="http://schemas.microsoft.com/office/powerpoint/2010/main" val="1411982060"/>
+      </p:ext>
+    </p:extLst>
+  </p:cSld>
+  <p:clrMapOvr>
+    <a:masterClrMapping/>
+  </p:clrMapOvr>
+  <p:timing>
+    <p:tnLst>
+      <p:par>
+        <p:cTn id="1" dur="indefinite" restart="never" nodeType="tmRoot"/>
+      </p:par>
+    </p:tnLst>
+  </p:timing>
+</p:sld>
+</file>
+
+<file path=ppt/slides/slide9.xml><?xml version="1.0" encoding="utf-8"?>
+<p:sld xmlns:a="http://schemas.openxmlformats.org/drawingml/2006/main" xmlns:r="http://schemas.openxmlformats.org/officeDocument/2006/relationships" xmlns:p="http://schemas.openxmlformats.org/presentationml/2006/main">
+  <p:cSld>
+    <p:spTree>
+      <p:nvGrpSpPr>
+        <p:cNvPr id="1" name=""/>
+        <p:cNvGrpSpPr/>
+        <p:nvPr/>
+      </p:nvGrpSpPr>
+      <p:grpSpPr>
+        <a:xfrm>
+          <a:off x="0" y="0"/>
+          <a:ext cx="0" cy="0"/>
+          <a:chOff x="0" y="0"/>
+          <a:chExt cx="0" cy="0"/>
+        </a:xfrm>
+      </p:grpSpPr>
+      <p:sp>
+        <p:nvSpPr>
+          <p:cNvPr id="2" name="Title 1"/>
+          <p:cNvSpPr>
+            <a:spLocks noGrp="1"/>
+          </p:cNvSpPr>
+          <p:nvPr>
+            <p:ph type="title"/>
+          </p:nvPr>
+        </p:nvSpPr>
+        <p:spPr>
+          <a:xfrm>
+            <a:off x="0" y="0"/>
+            <a:ext cx="10515600" cy="1325563"/>
+          </a:xfrm>
+        </p:spPr>
+        <p:txBody>
+          <a:bodyPr/>
+          <a:lstStyle/>
+          <a:p>
+            <a:r>
+              <a:rPr lang="en-US" b="1" u="sng" dirty="0" smtClean="0">
+                <a:solidFill>
+                  <a:schemeClr val="bg1"/>
+                </a:solidFill>
+              </a:rPr>
+              <a:t>Grand Vision </a:t>
+            </a:r>
+            <a:endParaRPr lang="en-US" b="1" u="sng" dirty="0">
+              <a:solidFill>
+                <a:schemeClr val="bg1"/>
+              </a:solidFill>
+            </a:endParaRPr>
+          </a:p>
+        </p:txBody>
+      </p:sp>
+      <p:pic>
+        <p:nvPicPr>
+          <p:cNvPr id="4" name="Picture 3"/>
+          <p:cNvPicPr>
+            <a:picLocks noChangeAspect="1"/>
+          </p:cNvPicPr>
+          <p:nvPr/>
+        </p:nvPicPr>
+        <p:blipFill>
+          <a:blip r:embed="rId3"/>
+          <a:stretch>
+            <a:fillRect/>
+          </a:stretch>
+        </p:blipFill>
+        <p:spPr>
+          <a:xfrm>
+            <a:off x="9858178" y="2231136"/>
+            <a:ext cx="2072794" cy="4273296"/>
+          </a:xfrm>
+          <a:prstGeom prst="rect">
+            <a:avLst/>
+          </a:prstGeom>
+        </p:spPr>
+      </p:pic>
+      <p:sp>
+        <p:nvSpPr>
+          <p:cNvPr id="5" name="TextBox 4"/>
+          <p:cNvSpPr txBox="1"/>
+          <p:nvPr/>
+        </p:nvSpPr>
+        <p:spPr>
+          <a:xfrm>
+            <a:off x="9460992" y="1572613"/>
+            <a:ext cx="2731008" cy="646331"/>
+          </a:xfrm>
+          <a:prstGeom prst="rect">
+            <a:avLst/>
+          </a:prstGeom>
+          <a:noFill/>
+        </p:spPr>
+        <p:txBody>
+          <a:bodyPr wrap="square" rtlCol="0">
+            <a:spAutoFit/>
+          </a:bodyPr>
+          <a:lstStyle/>
+          <a:p>
+            <a:pPr algn="ctr"/>
+            <a:r>
+              <a:rPr lang="en-US" dirty="0" smtClean="0">
+                <a:solidFill>
+                  <a:schemeClr val="bg1"/>
+                </a:solidFill>
+              </a:rPr>
+              <a:t>Professional Discovery Application</a:t>
+            </a:r>
+            <a:endParaRPr lang="en-US" dirty="0">
+              <a:solidFill>
+                <a:schemeClr val="bg1"/>
+              </a:solidFill>
+            </a:endParaRPr>
+          </a:p>
+        </p:txBody>
+      </p:sp>
+      <p:pic>
+        <p:nvPicPr>
+          <p:cNvPr id="6" name="Picture 5"/>
+          <p:cNvPicPr>
+            <a:picLocks noChangeAspect="1"/>
+          </p:cNvPicPr>
+          <p:nvPr/>
+        </p:nvPicPr>
+        <p:blipFill>
+          <a:blip r:embed="rId4">
+            <a:extLst>
+              <a:ext uri="{28A0092B-C50C-407E-A947-70E740481C1C}">
+                <a14:useLocalDpi xmlns:a14="http://schemas.microsoft.com/office/drawing/2010/main" val="0"/>
+              </a:ext>
+            </a:extLst>
+          </a:blip>
+          <a:stretch>
+            <a:fillRect/>
+          </a:stretch>
+        </p:blipFill>
+        <p:spPr>
+          <a:xfrm>
+            <a:off x="0" y="2218944"/>
+            <a:ext cx="2238018" cy="4285488"/>
+          </a:xfrm>
+          <a:prstGeom prst="rect">
+            <a:avLst/>
+          </a:prstGeom>
+        </p:spPr>
+      </p:pic>
+      <p:sp>
+        <p:nvSpPr>
+          <p:cNvPr id="9" name="TextBox 8"/>
+          <p:cNvSpPr txBox="1"/>
+          <p:nvPr/>
+        </p:nvSpPr>
+        <p:spPr>
+          <a:xfrm>
+            <a:off x="-246495" y="1581440"/>
+            <a:ext cx="2731008" cy="646331"/>
+          </a:xfrm>
+          <a:prstGeom prst="rect">
+            <a:avLst/>
+          </a:prstGeom>
+          <a:noFill/>
+        </p:spPr>
+        <p:txBody>
+          <a:bodyPr wrap="square" rtlCol="0">
+            <a:spAutoFit/>
+          </a:bodyPr>
+          <a:lstStyle/>
+          <a:p>
+            <a:pPr algn="ctr"/>
+            <a:r>
+              <a:rPr lang="en-US" smtClean="0">
+                <a:solidFill>
+                  <a:schemeClr val="bg1"/>
+                </a:solidFill>
+              </a:rPr>
+              <a:t>Qualify College Dating </a:t>
+            </a:r>
+          </a:p>
+          <a:p>
+            <a:pPr algn="ctr"/>
+            <a:r>
+              <a:rPr lang="en-US" dirty="0" smtClean="0">
+                <a:solidFill>
+                  <a:schemeClr val="bg1"/>
+                </a:solidFill>
+              </a:rPr>
+              <a:t>(On the app store)</a:t>
+            </a:r>
+            <a:endParaRPr lang="en-US" dirty="0">
+              <a:solidFill>
+                <a:schemeClr val="bg1"/>
+              </a:solidFill>
+            </a:endParaRPr>
+          </a:p>
+        </p:txBody>
+      </p:sp>
+      <p:sp>
+        <p:nvSpPr>
+          <p:cNvPr id="10" name="TextBox 9"/>
+          <p:cNvSpPr txBox="1"/>
+          <p:nvPr/>
+        </p:nvSpPr>
+        <p:spPr>
+          <a:xfrm>
+            <a:off x="2633472" y="6156960"/>
+            <a:ext cx="6425184" cy="369332"/>
+          </a:xfrm>
+          <a:prstGeom prst="rect">
+            <a:avLst/>
+          </a:prstGeom>
+          <a:noFill/>
+        </p:spPr>
+        <p:txBody>
+          <a:bodyPr wrap="square" rtlCol="0">
+            <a:spAutoFit/>
+          </a:bodyPr>
+          <a:lstStyle/>
+          <a:p>
+            <a:r>
+              <a:rPr lang="en-US" dirty="0" smtClean="0"/>
+              <a:t>*Both applications written in React-Native</a:t>
+            </a:r>
+            <a:endParaRPr lang="en-US" dirty="0"/>
+          </a:p>
+        </p:txBody>
+      </p:sp>
+      <p:sp>
+        <p:nvSpPr>
+          <p:cNvPr id="11" name="Rounded Rectangle 10"/>
+          <p:cNvSpPr/>
+          <p:nvPr/>
+        </p:nvSpPr>
+        <p:spPr>
+          <a:xfrm>
+            <a:off x="4466764" y="1861224"/>
+            <a:ext cx="2368296" cy="1003590"/>
+          </a:xfrm>
+          <a:prstGeom prst="roundRect">
+            <a:avLst/>
+          </a:prstGeom>
+          <a:solidFill>
+            <a:schemeClr val="accent4">
+              <a:lumMod val="40000"/>
+              <a:lumOff val="60000"/>
+            </a:schemeClr>
+          </a:solidFill>
+          <a:ln w="38100">
+            <a:prstDash val="dash"/>
+          </a:ln>
+        </p:spPr>
+        <p:style>
+          <a:lnRef idx="2">
+            <a:schemeClr val="accent4"/>
+          </a:lnRef>
+          <a:fillRef idx="1">
+            <a:schemeClr val="lt1"/>
+          </a:fillRef>
+          <a:effectRef idx="0">
+            <a:schemeClr val="accent4"/>
+          </a:effectRef>
+          <a:fontRef idx="minor">
+            <a:schemeClr val="dk1"/>
+          </a:fontRef>
+        </p:style>
+        <p:txBody>
+          <a:bodyPr rtlCol="0" anchor="ctr"/>
+          <a:lstStyle/>
+          <a:p>
+            <a:pPr algn="ctr"/>
+            <a:endParaRPr lang="en-US"/>
+          </a:p>
+        </p:txBody>
+      </p:sp>
+      <p:sp>
+        <p:nvSpPr>
+          <p:cNvPr id="12" name="Title 1"/>
+          <p:cNvSpPr txBox="1">
+            <a:spLocks/>
+          </p:cNvSpPr>
+          <p:nvPr/>
+        </p:nvSpPr>
+        <p:spPr>
+          <a:xfrm>
+            <a:off x="4454571" y="1817590"/>
+            <a:ext cx="2368296" cy="1134491"/>
+          </a:xfrm>
+          <a:prstGeom prst="rect">
+            <a:avLst/>
+          </a:prstGeom>
+        </p:spPr>
+        <p:txBody>
+          <a:bodyPr vert="horz" lIns="91440" tIns="45720" rIns="91440" bIns="45720" rtlCol="0" anchor="ctr">
+            <a:normAutofit/>
+          </a:bodyPr>
+          <a:lstStyle>
+            <a:lvl1pPr algn="l" defTabSz="914400" rtl="0" eaLnBrk="1" latinLnBrk="0" hangingPunct="1">
+              <a:lnSpc>
+                <a:spcPct val="90000"/>
+              </a:lnSpc>
+              <a:spcBef>
+                <a:spcPct val="0"/>
+              </a:spcBef>
+              <a:buNone/>
+              <a:defRPr sz="4400" kern="1200">
+                <a:solidFill>
+                  <a:schemeClr val="tx1"/>
+                </a:solidFill>
+                <a:latin typeface="+mj-lt"/>
+                <a:ea typeface="+mj-ea"/>
+                <a:cs typeface="+mj-cs"/>
+              </a:defRPr>
+            </a:lvl1pPr>
+          </a:lstStyle>
+          <a:p>
+            <a:pPr algn="ctr"/>
+            <a:r>
+              <a:rPr lang="en-US" sz="2400" b="1" dirty="0" smtClean="0"/>
+              <a:t>Python Question Server</a:t>
+            </a:r>
+            <a:endParaRPr lang="en-US" sz="2400" b="1" dirty="0"/>
+          </a:p>
+        </p:txBody>
+      </p:sp>
+      <p:sp>
+        <p:nvSpPr>
+          <p:cNvPr id="21" name="Left-Right Arrow 20"/>
+          <p:cNvSpPr/>
+          <p:nvPr/>
+        </p:nvSpPr>
+        <p:spPr>
+          <a:xfrm>
+            <a:off x="6835060" y="4206649"/>
+            <a:ext cx="3023117" cy="454153"/>
+          </a:xfrm>
+          <a:prstGeom prst="leftRightArrow">
+            <a:avLst/>
+          </a:prstGeom>
+          <a:solidFill>
+            <a:schemeClr val="accent6">
+              <a:lumMod val="40000"/>
+              <a:lumOff val="60000"/>
+            </a:schemeClr>
+          </a:solidFill>
+          <a:ln>
+            <a:solidFill>
+              <a:schemeClr val="tx1"/>
+            </a:solidFill>
+          </a:ln>
+        </p:spPr>
+        <p:style>
+          <a:lnRef idx="2">
+            <a:schemeClr val="accent1">
+              <a:shade val="50000"/>
+            </a:schemeClr>
+          </a:lnRef>
+          <a:fillRef idx="1">
+            <a:schemeClr val="accent1"/>
+          </a:fillRef>
+          <a:effectRef idx="0">
+            <a:schemeClr val="accent1"/>
+          </a:effectRef>
+          <a:fontRef idx="minor">
+            <a:schemeClr val="lt1"/>
+          </a:fontRef>
+        </p:style>
+        <p:txBody>
+          <a:bodyPr rtlCol="0" anchor="ctr"/>
+          <a:lstStyle/>
+          <a:p>
+            <a:pPr algn="ctr"/>
+            <a:r>
+              <a:rPr lang="en-US" dirty="0">
+                <a:solidFill>
+                  <a:schemeClr val="tx1">
+                    <a:lumMod val="95000"/>
+                    <a:lumOff val="5000"/>
+                  </a:schemeClr>
+                </a:solidFill>
+              </a:rPr>
+              <a:t>Requests to server</a:t>
+            </a:r>
+            <a:endParaRPr lang="en-US" dirty="0">
+              <a:solidFill>
+                <a:schemeClr val="tx1">
+                  <a:lumMod val="95000"/>
+                  <a:lumOff val="5000"/>
+                </a:schemeClr>
+              </a:solidFill>
+            </a:endParaRPr>
+          </a:p>
+        </p:txBody>
+      </p:sp>
+      <p:sp>
+        <p:nvSpPr>
+          <p:cNvPr id="24" name="TextBox 23"/>
+          <p:cNvSpPr txBox="1"/>
+          <p:nvPr/>
+        </p:nvSpPr>
+        <p:spPr>
+          <a:xfrm>
+            <a:off x="3133344" y="398295"/>
+            <a:ext cx="5827776" cy="646331"/>
+          </a:xfrm>
+          <a:prstGeom prst="rect">
+            <a:avLst/>
+          </a:prstGeom>
+          <a:noFill/>
+        </p:spPr>
+        <p:txBody>
+          <a:bodyPr wrap="square" rtlCol="0">
+            <a:spAutoFit/>
+          </a:bodyPr>
+          <a:lstStyle/>
+          <a:p>
+            <a:r>
+              <a:rPr lang="en-US" dirty="0" smtClean="0">
+                <a:solidFill>
+                  <a:schemeClr val="bg2">
+                    <a:lumMod val="75000"/>
+                  </a:schemeClr>
+                </a:solidFill>
+              </a:rPr>
+              <a:t>Use quick &amp; easy personality assessment to match users in both dating and professional discovery</a:t>
+            </a:r>
+            <a:endParaRPr lang="en-US" dirty="0">
+              <a:solidFill>
+                <a:schemeClr val="bg2">
+                  <a:lumMod val="75000"/>
+                </a:schemeClr>
+              </a:solidFill>
+            </a:endParaRPr>
+          </a:p>
+        </p:txBody>
+      </p:sp>
+      <p:sp>
+        <p:nvSpPr>
+          <p:cNvPr id="25" name="Magnetic Disk 24"/>
+          <p:cNvSpPr/>
+          <p:nvPr/>
+        </p:nvSpPr>
+        <p:spPr>
+          <a:xfrm>
+            <a:off x="4466763" y="3938016"/>
+            <a:ext cx="2368297" cy="1840992"/>
+          </a:xfrm>
+          <a:prstGeom prst="flowChartMagneticDisk">
+            <a:avLst/>
+          </a:prstGeom>
+        </p:spPr>
+        <p:style>
+          <a:lnRef idx="2">
+            <a:schemeClr val="accent1">
+              <a:shade val="50000"/>
+            </a:schemeClr>
+          </a:lnRef>
+          <a:fillRef idx="1">
+            <a:schemeClr val="accent1"/>
+          </a:fillRef>
+          <a:effectRef idx="0">
+            <a:schemeClr val="accent1"/>
+          </a:effectRef>
+          <a:fontRef idx="minor">
+            <a:schemeClr val="lt1"/>
+          </a:fontRef>
+        </p:style>
+        <p:txBody>
+          <a:bodyPr rtlCol="0" anchor="ctr"/>
+          <a:lstStyle/>
+          <a:p>
+            <a:pPr algn="ctr"/>
+            <a:r>
+              <a:rPr lang="en-US"/>
+              <a:t>Firebase storage for </a:t>
+            </a:r>
+            <a:r>
+              <a:rPr lang="en-US"/>
+              <a:t>user </a:t>
+            </a:r>
+            <a:r>
+              <a:rPr lang="en-US" smtClean="0"/>
+              <a:t>data</a:t>
+            </a:r>
+            <a:endParaRPr lang="en-US" dirty="0"/>
+          </a:p>
+        </p:txBody>
+      </p:sp>
+      <p:sp>
+        <p:nvSpPr>
+          <p:cNvPr id="23" name="Up-Down Arrow 22"/>
+          <p:cNvSpPr/>
+          <p:nvPr/>
+        </p:nvSpPr>
+        <p:spPr>
+          <a:xfrm>
+            <a:off x="5431455" y="3003578"/>
+            <a:ext cx="438912" cy="1041851"/>
+          </a:xfrm>
+          <a:prstGeom prst="upDownArrow">
+            <a:avLst/>
+          </a:prstGeom>
+          <a:solidFill>
+            <a:schemeClr val="bg1"/>
+          </a:solidFill>
+        </p:spPr>
+        <p:style>
+          <a:lnRef idx="2">
+            <a:schemeClr val="accent1">
+              <a:shade val="50000"/>
+            </a:schemeClr>
+          </a:lnRef>
+          <a:fillRef idx="1">
+            <a:schemeClr val="accent1"/>
+          </a:fillRef>
+          <a:effectRef idx="0">
+            <a:schemeClr val="accent1"/>
+          </a:effectRef>
+          <a:fontRef idx="minor">
+            <a:schemeClr val="lt1"/>
+          </a:fontRef>
+        </p:style>
+        <p:txBody>
+          <a:bodyPr rtlCol="0" anchor="ctr"/>
+          <a:lstStyle/>
+          <a:p>
+            <a:pPr algn="ctr"/>
+            <a:endParaRPr lang="en-US"/>
+          </a:p>
+        </p:txBody>
+      </p:sp>
+      <p:sp>
+        <p:nvSpPr>
+          <p:cNvPr id="26" name="Left-Right Arrow 25"/>
+          <p:cNvSpPr/>
+          <p:nvPr/>
+        </p:nvSpPr>
+        <p:spPr>
+          <a:xfrm>
+            <a:off x="2234683" y="4267405"/>
+            <a:ext cx="2232080" cy="454153"/>
+          </a:xfrm>
+          <a:prstGeom prst="leftRightArrow">
+            <a:avLst/>
+          </a:prstGeom>
+          <a:solidFill>
+            <a:schemeClr val="accent6">
+              <a:lumMod val="40000"/>
+              <a:lumOff val="60000"/>
+            </a:schemeClr>
+          </a:solidFill>
+          <a:ln>
+            <a:solidFill>
+              <a:schemeClr val="tx1"/>
+            </a:solidFill>
+          </a:ln>
+        </p:spPr>
+        <p:style>
+          <a:lnRef idx="2">
+            <a:schemeClr val="accent1">
+              <a:shade val="50000"/>
+            </a:schemeClr>
+          </a:lnRef>
+          <a:fillRef idx="1">
+            <a:schemeClr val="accent1"/>
+          </a:fillRef>
+          <a:effectRef idx="0">
+            <a:schemeClr val="accent1"/>
+          </a:effectRef>
+          <a:fontRef idx="minor">
+            <a:schemeClr val="lt1"/>
+          </a:fontRef>
+        </p:style>
+        <p:txBody>
+          <a:bodyPr rtlCol="0" anchor="ctr"/>
+          <a:lstStyle/>
+          <a:p>
+            <a:pPr algn="ctr"/>
+            <a:r>
+              <a:rPr lang="en-US" dirty="0" smtClean="0">
+                <a:solidFill>
+                  <a:schemeClr val="tx1">
+                    <a:lumMod val="95000"/>
+                    <a:lumOff val="5000"/>
+                  </a:schemeClr>
+                </a:solidFill>
+              </a:rPr>
+              <a:t>Requests to server</a:t>
+            </a:r>
+            <a:endParaRPr lang="en-US" dirty="0">
+              <a:solidFill>
+                <a:schemeClr val="tx1">
+                  <a:lumMod val="95000"/>
+                  <a:lumOff val="5000"/>
+                </a:schemeClr>
+              </a:solidFill>
+            </a:endParaRPr>
+          </a:p>
+        </p:txBody>
+      </p:sp>
+    </p:spTree>
+    <p:extLst>
+      <p:ext uri="{BB962C8B-B14F-4D97-AF65-F5344CB8AC3E}">
+        <p14:creationId xmlns:p14="http://schemas.microsoft.com/office/powerpoint/2010/main" val="735565608"/>
       </p:ext>
     </p:extLst>
   </p:cSld>
@@ -5445,4 +10415,265 @@
     </a:ext>
   </a:extLst>
 </a:theme>
+</file>
+
+<file path=ppt/theme/theme2.xml><?xml version="1.0" encoding="utf-8"?>
+<a:theme xmlns:a="http://schemas.openxmlformats.org/drawingml/2006/main" name="Office Theme">
+  <a:themeElements>
+    <a:clrScheme name="Office">
+      <a:dk1>
+        <a:sysClr val="windowText" lastClr="000000"/>
+      </a:dk1>
+      <a:lt1>
+        <a:sysClr val="window" lastClr="FFFFFF"/>
+      </a:lt1>
+      <a:dk2>
+        <a:srgbClr val="44546A"/>
+      </a:dk2>
+      <a:lt2>
+        <a:srgbClr val="E7E6E6"/>
+      </a:lt2>
+      <a:accent1>
+        <a:srgbClr val="5B9BD5"/>
+      </a:accent1>
+      <a:accent2>
+        <a:srgbClr val="ED7D31"/>
+      </a:accent2>
+      <a:accent3>
+        <a:srgbClr val="A5A5A5"/>
+      </a:accent3>
+      <a:accent4>
+        <a:srgbClr val="FFC000"/>
+      </a:accent4>
+      <a:accent5>
+        <a:srgbClr val="4472C4"/>
+      </a:accent5>
+      <a:accent6>
+        <a:srgbClr val="70AD47"/>
+      </a:accent6>
+      <a:hlink>
+        <a:srgbClr val="0563C1"/>
+      </a:hlink>
+      <a:folHlink>
+        <a:srgbClr val="954F72"/>
+      </a:folHlink>
+    </a:clrScheme>
+    <a:fontScheme name="Office">
+      <a:majorFont>
+        <a:latin typeface="Calibri Light" panose="020F0302020204030204"/>
+        <a:ea typeface=""/>
+        <a:cs typeface=""/>
+        <a:font script="Jpan" typeface="ＭＳ Ｐゴシック"/>
+        <a:font script="Hang" typeface="맑은 고딕"/>
+        <a:font script="Hans" typeface="宋体"/>
+        <a:font script="Hant" typeface="新細明體"/>
+        <a:font script="Arab" typeface="Times New Roman"/>
+        <a:font script="Hebr" typeface="Times New Roman"/>
+        <a:font script="Thai" typeface="Angsana New"/>
+        <a:font script="Ethi" typeface="Nyala"/>
+        <a:font script="Beng" typeface="Vrinda"/>
+        <a:font script="Gujr" typeface="Shruti"/>
+        <a:font script="Khmr" typeface="MoolBoran"/>
+        <a:font script="Knda" typeface="Tunga"/>
+        <a:font script="Guru" typeface="Raavi"/>
+        <a:font script="Cans" typeface="Euphemia"/>
+        <a:font script="Cher" typeface="Plantagenet Cherokee"/>
+        <a:font script="Yiii" typeface="Microsoft Yi Baiti"/>
+        <a:font script="Tibt" typeface="Microsoft Himalaya"/>
+        <a:font script="Thaa" typeface="MV Boli"/>
+        <a:font script="Deva" typeface="Mangal"/>
+        <a:font script="Telu" typeface="Gautami"/>
+        <a:font script="Taml" typeface="Latha"/>
+        <a:font script="Syrc" typeface="Estrangelo Edessa"/>
+        <a:font script="Orya" typeface="Kalinga"/>
+        <a:font script="Mlym" typeface="Kartika"/>
+        <a:font script="Laoo" typeface="DokChampa"/>
+        <a:font script="Sinh" typeface="Iskoola Pota"/>
+        <a:font script="Mong" typeface="Mongolian Baiti"/>
+        <a:font script="Viet" typeface="Times New Roman"/>
+        <a:font script="Uigh" typeface="Microsoft Uighur"/>
+        <a:font script="Geor" typeface="Sylfaen"/>
+      </a:majorFont>
+      <a:minorFont>
+        <a:latin typeface="Calibri" panose="020F0502020204030204"/>
+        <a:ea typeface=""/>
+        <a:cs typeface=""/>
+        <a:font script="Jpan" typeface="ＭＳ Ｐゴシック"/>
+        <a:font script="Hang" typeface="맑은 고딕"/>
+        <a:font script="Hans" typeface="宋体"/>
+        <a:font script="Hant" typeface="新細明體"/>
+        <a:font script="Arab" typeface="Arial"/>
+        <a:font script="Hebr" typeface="Arial"/>
+        <a:font script="Thai" typeface="Cordia New"/>
+        <a:font script="Ethi" typeface="Nyala"/>
+        <a:font script="Beng" typeface="Vrinda"/>
+        <a:font script="Gujr" typeface="Shruti"/>
+        <a:font script="Khmr" typeface="DaunPenh"/>
+        <a:font script="Knda" typeface="Tunga"/>
+        <a:font script="Guru" typeface="Raavi"/>
+        <a:font script="Cans" typeface="Euphemia"/>
+        <a:font script="Cher" typeface="Plantagenet Cherokee"/>
+        <a:font script="Yiii" typeface="Microsoft Yi Baiti"/>
+        <a:font script="Tibt" typeface="Microsoft Himalaya"/>
+        <a:font script="Thaa" typeface="MV Boli"/>
+        <a:font script="Deva" typeface="Mangal"/>
+        <a:font script="Telu" typeface="Gautami"/>
+        <a:font script="Taml" typeface="Latha"/>
+        <a:font script="Syrc" typeface="Estrangelo Edessa"/>
+        <a:font script="Orya" typeface="Kalinga"/>
+        <a:font script="Mlym" typeface="Kartika"/>
+        <a:font script="Laoo" typeface="DokChampa"/>
+        <a:font script="Sinh" typeface="Iskoola Pota"/>
+        <a:font script="Mong" typeface="Mongolian Baiti"/>
+        <a:font script="Viet" typeface="Arial"/>
+        <a:font script="Uigh" typeface="Microsoft Uighur"/>
+        <a:font script="Geor" typeface="Sylfaen"/>
+      </a:minorFont>
+    </a:fontScheme>
+    <a:fmtScheme name="Office">
+      <a:fillStyleLst>
+        <a:solidFill>
+          <a:schemeClr val="phClr"/>
+        </a:solidFill>
+        <a:gradFill rotWithShape="1">
+          <a:gsLst>
+            <a:gs pos="0">
+              <a:schemeClr val="phClr">
+                <a:lumMod val="110000"/>
+                <a:satMod val="105000"/>
+                <a:tint val="67000"/>
+              </a:schemeClr>
+            </a:gs>
+            <a:gs pos="50000">
+              <a:schemeClr val="phClr">
+                <a:lumMod val="105000"/>
+                <a:satMod val="103000"/>
+                <a:tint val="73000"/>
+              </a:schemeClr>
+            </a:gs>
+            <a:gs pos="100000">
+              <a:schemeClr val="phClr">
+                <a:lumMod val="105000"/>
+                <a:satMod val="109000"/>
+                <a:tint val="81000"/>
+              </a:schemeClr>
+            </a:gs>
+          </a:gsLst>
+          <a:lin ang="5400000" scaled="0"/>
+        </a:gradFill>
+        <a:gradFill rotWithShape="1">
+          <a:gsLst>
+            <a:gs pos="0">
+              <a:schemeClr val="phClr">
+                <a:satMod val="103000"/>
+                <a:lumMod val="102000"/>
+                <a:tint val="94000"/>
+              </a:schemeClr>
+            </a:gs>
+            <a:gs pos="50000">
+              <a:schemeClr val="phClr">
+                <a:satMod val="110000"/>
+                <a:lumMod val="100000"/>
+                <a:shade val="100000"/>
+              </a:schemeClr>
+            </a:gs>
+            <a:gs pos="100000">
+              <a:schemeClr val="phClr">
+                <a:lumMod val="99000"/>
+                <a:satMod val="120000"/>
+                <a:shade val="78000"/>
+              </a:schemeClr>
+            </a:gs>
+          </a:gsLst>
+          <a:lin ang="5400000" scaled="0"/>
+        </a:gradFill>
+      </a:fillStyleLst>
+      <a:lnStyleLst>
+        <a:ln w="6350" cap="flat" cmpd="sng" algn="ctr">
+          <a:solidFill>
+            <a:schemeClr val="phClr"/>
+          </a:solidFill>
+          <a:prstDash val="solid"/>
+          <a:miter lim="800000"/>
+        </a:ln>
+        <a:ln w="12700" cap="flat" cmpd="sng" algn="ctr">
+          <a:solidFill>
+            <a:schemeClr val="phClr"/>
+          </a:solidFill>
+          <a:prstDash val="solid"/>
+          <a:miter lim="800000"/>
+        </a:ln>
+        <a:ln w="19050" cap="flat" cmpd="sng" algn="ctr">
+          <a:solidFill>
+            <a:schemeClr val="phClr"/>
+          </a:solidFill>
+          <a:prstDash val="solid"/>
+          <a:miter lim="800000"/>
+        </a:ln>
+      </a:lnStyleLst>
+      <a:effectStyleLst>
+        <a:effectStyle>
+          <a:effectLst/>
+        </a:effectStyle>
+        <a:effectStyle>
+          <a:effectLst/>
+        </a:effectStyle>
+        <a:effectStyle>
+          <a:effectLst>
+            <a:outerShdw blurRad="57150" dist="19050" dir="5400000" algn="ctr" rotWithShape="0">
+              <a:srgbClr val="000000">
+                <a:alpha val="63000"/>
+              </a:srgbClr>
+            </a:outerShdw>
+          </a:effectLst>
+        </a:effectStyle>
+      </a:effectStyleLst>
+      <a:bgFillStyleLst>
+        <a:solidFill>
+          <a:schemeClr val="phClr"/>
+        </a:solidFill>
+        <a:solidFill>
+          <a:schemeClr val="phClr">
+            <a:tint val="95000"/>
+            <a:satMod val="170000"/>
+          </a:schemeClr>
+        </a:solidFill>
+        <a:gradFill rotWithShape="1">
+          <a:gsLst>
+            <a:gs pos="0">
+              <a:schemeClr val="phClr">
+                <a:tint val="93000"/>
+                <a:satMod val="150000"/>
+                <a:shade val="98000"/>
+                <a:lumMod val="102000"/>
+              </a:schemeClr>
+            </a:gs>
+            <a:gs pos="50000">
+              <a:schemeClr val="phClr">
+                <a:tint val="98000"/>
+                <a:satMod val="130000"/>
+                <a:shade val="90000"/>
+                <a:lumMod val="103000"/>
+              </a:schemeClr>
+            </a:gs>
+            <a:gs pos="100000">
+              <a:schemeClr val="phClr">
+                <a:shade val="63000"/>
+                <a:satMod val="120000"/>
+              </a:schemeClr>
+            </a:gs>
+          </a:gsLst>
+          <a:lin ang="5400000" scaled="0"/>
+        </a:gradFill>
+      </a:bgFillStyleLst>
+    </a:fmtScheme>
+  </a:themeElements>
+  <a:objectDefaults/>
+  <a:extraClrSchemeLst/>
+  <a:extLst>
+    <a:ext uri="{05A4C25C-085E-4340-85A3-A5531E510DB2}">
+      <thm15:themeFamily xmlns:thm15="http://schemas.microsoft.com/office/thememl/2012/main" name="Office Theme" id="{62F939B6-93AF-4DB8-9C6B-D6C7DFDC589F}" vid="{4A3C46E8-61CC-4603-A589-7422A47A8E4A}"/>
+    </a:ext>
+  </a:extLst>
+</a:theme>
 </file>